--- a/eece2160/sp16/lectures/eece.2160sp16_lec3_vars.pptx
+++ b/eece2160/sp16/lectures/eece.2160sp16_lec3_vars.pptx
@@ -5,10 +5,10 @@
     <p:sldMasterId id="2147483792" r:id="rId1"/>
   </p:sldMasterIdLst>
   <p:notesMasterIdLst>
-    <p:notesMasterId r:id="rId30"/>
+    <p:notesMasterId r:id="rId22"/>
   </p:notesMasterIdLst>
   <p:handoutMasterIdLst>
-    <p:handoutMasterId r:id="rId31"/>
+    <p:handoutMasterId r:id="rId23"/>
   </p:handoutMasterIdLst>
   <p:sldIdLst>
     <p:sldId id="256" r:id="rId2"/>
@@ -30,15 +30,7 @@
     <p:sldId id="458" r:id="rId18"/>
     <p:sldId id="424" r:id="rId19"/>
     <p:sldId id="425" r:id="rId20"/>
-    <p:sldId id="463" r:id="rId21"/>
-    <p:sldId id="464" r:id="rId22"/>
-    <p:sldId id="465" r:id="rId23"/>
-    <p:sldId id="466" r:id="rId24"/>
-    <p:sldId id="467" r:id="rId25"/>
-    <p:sldId id="468" r:id="rId26"/>
-    <p:sldId id="469" r:id="rId27"/>
-    <p:sldId id="470" r:id="rId28"/>
-    <p:sldId id="447" r:id="rId29"/>
+    <p:sldId id="447" r:id="rId21"/>
   </p:sldIdLst>
   <p:sldSz cx="9144000" cy="6858000" type="screen4x3"/>
   <p:notesSz cx="9144000" cy="6858000"/>
@@ -2554,7 +2546,7 @@
           <a:p>
             <a:fld id="{1DB5A4C3-0716-E043-B356-C3F780EE9740}" type="datetime1">
               <a:rPr lang="en-US" smtClean="0"/>
-              <a:t>1/20/16</a:t>
+              <a:t>1/25/16</a:t>
             </a:fld>
             <a:endParaRPr lang="en-US"/>
           </a:p>
@@ -2751,7 +2743,7 @@
           <a:p>
             <a:fld id="{29B31A78-18CC-6D4D-85CF-ED48D0092CFF}" type="datetime1">
               <a:rPr lang="en-US" smtClean="0"/>
-              <a:t>1/20/16</a:t>
+              <a:t>1/25/16</a:t>
             </a:fld>
             <a:endParaRPr lang="en-US"/>
           </a:p>
@@ -2957,7 +2949,7 @@
           <a:p>
             <a:fld id="{B76B91FD-9EE0-1445-BFEA-5E510B0B2230}" type="datetime1">
               <a:rPr lang="en-US" smtClean="0"/>
-              <a:t>1/20/16</a:t>
+              <a:t>1/25/16</a:t>
             </a:fld>
             <a:endParaRPr lang="en-US"/>
           </a:p>
@@ -3220,7 +3212,7 @@
           <a:p>
             <a:fld id="{97CB01B1-E0C7-8D49-BEA5-E9D301ECF0C2}" type="datetime1">
               <a:rPr lang="en-US" smtClean="0"/>
-              <a:t>1/20/16</a:t>
+              <a:t>1/25/16</a:t>
             </a:fld>
             <a:endParaRPr lang="en-US"/>
           </a:p>
@@ -3483,7 +3475,7 @@
           <a:p>
             <a:fld id="{9BC3E960-26A2-4C49-8BC7-16617EE96758}" type="datetime1">
               <a:rPr lang="en-US" smtClean="0"/>
-              <a:t>1/20/16</a:t>
+              <a:t>1/25/16</a:t>
             </a:fld>
             <a:endParaRPr lang="en-US"/>
           </a:p>
@@ -3679,7 +3671,7 @@
           <a:p>
             <a:fld id="{90C24264-CAA2-7E4D-90BE-59A0D65CA955}" type="datetime1">
               <a:rPr lang="en-US" smtClean="0"/>
-              <a:t>1/20/16</a:t>
+              <a:t>1/25/16</a:t>
             </a:fld>
             <a:endParaRPr lang="en-US"/>
           </a:p>
@@ -3897,7 +3889,7 @@
           <a:p>
             <a:fld id="{7814168B-0E83-E54C-A5DE-10E76FBF402C}" type="datetime1">
               <a:rPr lang="en-US" smtClean="0"/>
-              <a:t>1/20/16</a:t>
+              <a:t>1/25/16</a:t>
             </a:fld>
             <a:endParaRPr lang="en-US"/>
           </a:p>
@@ -4211,7 +4203,7 @@
           <a:p>
             <a:fld id="{FDB6FE81-2D5D-D940-A29E-4A228E0A008E}" type="datetime1">
               <a:rPr lang="en-US" smtClean="0"/>
-              <a:t>1/20/16</a:t>
+              <a:t>1/25/16</a:t>
             </a:fld>
             <a:endParaRPr lang="en-US"/>
           </a:p>
@@ -4664,7 +4656,7 @@
           <a:p>
             <a:fld id="{FCC03348-E7C0-8F48-925D-1CBFB1106F56}" type="datetime1">
               <a:rPr lang="en-US" smtClean="0"/>
-              <a:t>1/20/16</a:t>
+              <a:t>1/25/16</a:t>
             </a:fld>
             <a:endParaRPr lang="en-US"/>
           </a:p>
@@ -4808,7 +4800,7 @@
           <a:p>
             <a:fld id="{969B3335-AB89-3443-B1D1-60D5B8F0C160}" type="datetime1">
               <a:rPr lang="en-US" smtClean="0"/>
-              <a:t>1/20/16</a:t>
+              <a:t>1/25/16</a:t>
             </a:fld>
             <a:endParaRPr lang="en-US"/>
           </a:p>
@@ -4929,7 +4921,7 @@
           <a:p>
             <a:fld id="{9CB21C4A-0210-544F-9315-89537ACD59BF}" type="datetime1">
               <a:rPr lang="en-US" smtClean="0"/>
-              <a:t>1/20/16</a:t>
+              <a:t>1/25/16</a:t>
             </a:fld>
             <a:endParaRPr lang="en-US"/>
           </a:p>
@@ -5232,7 +5224,7 @@
           <a:p>
             <a:fld id="{4230ACD6-6E94-2247-9A0F-59E49BC23CC8}" type="datetime1">
               <a:rPr lang="en-US" smtClean="0"/>
-              <a:t>1/20/16</a:t>
+              <a:t>1/25/16</a:t>
             </a:fld>
             <a:endParaRPr lang="en-US"/>
           </a:p>
@@ -5512,7 +5504,7 @@
           <a:p>
             <a:fld id="{A228E35C-9A49-6943-91E9-4039DD18B296}" type="datetime1">
               <a:rPr lang="en-US" smtClean="0"/>
-              <a:t>1/20/16</a:t>
+              <a:t>1/25/16</a:t>
             </a:fld>
             <a:endParaRPr lang="en-US"/>
           </a:p>
@@ -5811,7 +5803,7 @@
           <a:p>
             <a:fld id="{7E73EA38-0E75-E545-913B-4F2C5E413CEB}" type="datetime1">
               <a:rPr lang="en-US" smtClean="0"/>
-              <a:t>1/20/16</a:t>
+              <a:t>1/25/16</a:t>
             </a:fld>
             <a:endParaRPr lang="en-US"/>
           </a:p>
@@ -7148,7 +7140,7 @@
               <a:rPr lang="en-US" smtClean="0">
                 <a:latin typeface="Garamond" charset="0"/>
               </a:rPr>
-              <a:t>1/20/16</a:t>
+              <a:t>1/25/16</a:t>
             </a:fld>
             <a:endParaRPr lang="en-US">
               <a:latin typeface="Garamond" charset="0"/>
@@ -9222,7 +9214,7 @@
               <a:rPr lang="en-US" smtClean="0">
                 <a:latin typeface="Garamond" charset="0"/>
               </a:rPr>
-              <a:t>1/20/16</a:t>
+              <a:t>1/25/16</a:t>
             </a:fld>
             <a:endParaRPr lang="en-US">
               <a:latin typeface="Garamond" charset="0"/>
@@ -10246,7 +10238,7 @@
               <a:rPr lang="en-US" smtClean="0">
                 <a:latin typeface="Garamond" charset="0"/>
               </a:rPr>
-              <a:t>1/20/16</a:t>
+              <a:t>1/25/16</a:t>
             </a:fld>
             <a:endParaRPr lang="en-US">
               <a:latin typeface="Garamond" charset="0"/>
@@ -12341,7 +12333,7 @@
               <a:rPr lang="en-US" smtClean="0">
                 <a:latin typeface="Garamond" charset="0"/>
               </a:rPr>
-              <a:t>1/20/16</a:t>
+              <a:t>1/25/16</a:t>
             </a:fld>
             <a:endParaRPr lang="en-US">
               <a:latin typeface="Garamond" charset="0"/>
@@ -14457,7 +14449,7 @@
               <a:rPr lang="en-US" smtClean="0">
                 <a:latin typeface="Garamond" charset="0"/>
               </a:rPr>
-              <a:t>1/20/16</a:t>
+              <a:t>1/25/16</a:t>
             </a:fld>
             <a:endParaRPr lang="en-US">
               <a:latin typeface="Garamond" charset="0"/>
@@ -16747,7 +16739,7 @@
               <a:rPr lang="en-US" smtClean="0">
                 <a:latin typeface="Garamond" charset="0"/>
               </a:rPr>
-              <a:t>1/20/16</a:t>
+              <a:t>1/25/16</a:t>
             </a:fld>
             <a:endParaRPr lang="en-US">
               <a:latin typeface="Garamond" charset="0"/>
@@ -19064,7 +19056,7 @@
               <a:rPr lang="en-US" smtClean="0">
                 <a:latin typeface="Garamond" charset="0"/>
               </a:rPr>
-              <a:t>1/20/16</a:t>
+              <a:t>1/25/16</a:t>
             </a:fld>
             <a:endParaRPr lang="en-US">
               <a:latin typeface="Garamond" charset="0"/>
@@ -21410,7 +21402,7 @@
               <a:rPr lang="en-US" smtClean="0">
                 <a:latin typeface="Garamond" charset="0"/>
               </a:rPr>
-              <a:t>1/20/16</a:t>
+              <a:t>1/25/16</a:t>
             </a:fld>
             <a:endParaRPr lang="en-US">
               <a:latin typeface="Garamond" charset="0"/>
@@ -21943,7 +21935,7 @@
               <a:rPr lang="en-US" smtClean="0">
                 <a:latin typeface="Garamond" charset="0"/>
               </a:rPr>
-              <a:t>1/20/16</a:t>
+              <a:t>1/25/16</a:t>
             </a:fld>
             <a:endParaRPr lang="en-US">
               <a:latin typeface="Garamond" charset="0"/>
@@ -22586,7 +22578,7 @@
               <a:rPr lang="en-US" smtClean="0">
                 <a:latin typeface="Garamond" charset="0"/>
               </a:rPr>
-              <a:t>1/20/16</a:t>
+              <a:t>1/25/16</a:t>
             </a:fld>
             <a:endParaRPr lang="en-US">
               <a:latin typeface="Garamond" charset="0"/>
@@ -23211,7 +23203,6 @@
               <a:rPr lang="en-US" dirty="0" smtClean="0"/>
               <a:t>Review</a:t>
             </a:r>
-            <a:endParaRPr lang="en-US" dirty="0" smtClean="0"/>
           </a:p>
           <a:p>
             <a:pPr lvl="1"/>
@@ -23226,7 +23217,6 @@
               <a:rPr lang="en-US" dirty="0" smtClean="0"/>
               <a:t>Comments</a:t>
             </a:r>
-            <a:endParaRPr lang="en-US" dirty="0" smtClean="0"/>
           </a:p>
           <a:p>
             <a:pPr lvl="1"/>
@@ -23397,7 +23387,7 @@
           <a:p>
             <a:fld id="{CCA84427-FF32-BD43-AB29-1C7E84BC208A}" type="datetime1">
               <a:rPr lang="en-US" smtClean="0"/>
-              <a:t>1/20/16</a:t>
+              <a:t>1/25/16</a:t>
             </a:fld>
             <a:endParaRPr lang="en-US"/>
           </a:p>
@@ -23599,2077 +23589,7 @@
       </p:grpSpPr>
       <p:sp>
         <p:nvSpPr>
-          <p:cNvPr id="26" name="Slide Number Placeholder 4"/>
-          <p:cNvSpPr>
-            <a:spLocks noGrp="1"/>
-          </p:cNvSpPr>
-          <p:nvPr>
-            <p:ph type="sldNum" sz="quarter" idx="12"/>
-          </p:nvPr>
-        </p:nvSpPr>
-        <p:spPr/>
-        <p:txBody>
-          <a:bodyPr/>
-          <a:lstStyle>
-            <a:lvl1pPr eaLnBrk="0" hangingPunct="0">
-              <a:defRPr>
-                <a:solidFill>
-                  <a:schemeClr val="tx1"/>
-                </a:solidFill>
-                <a:latin typeface="Arial" charset="0"/>
-                <a:ea typeface="ＭＳ Ｐゴシック" charset="0"/>
-                <a:cs typeface="Arial" charset="0"/>
-              </a:defRPr>
-            </a:lvl1pPr>
-            <a:lvl2pPr marL="742950" indent="-285750" eaLnBrk="0" hangingPunct="0">
-              <a:defRPr>
-                <a:solidFill>
-                  <a:schemeClr val="tx1"/>
-                </a:solidFill>
-                <a:latin typeface="Arial" charset="0"/>
-                <a:ea typeface="Arial" charset="0"/>
-                <a:cs typeface="Arial" charset="0"/>
-              </a:defRPr>
-            </a:lvl2pPr>
-            <a:lvl3pPr marL="1143000" indent="-228600" eaLnBrk="0" hangingPunct="0">
-              <a:defRPr>
-                <a:solidFill>
-                  <a:schemeClr val="tx1"/>
-                </a:solidFill>
-                <a:latin typeface="Arial" charset="0"/>
-                <a:ea typeface="Arial" charset="0"/>
-                <a:cs typeface="Arial" charset="0"/>
-              </a:defRPr>
-            </a:lvl3pPr>
-            <a:lvl4pPr marL="1600200" indent="-228600" eaLnBrk="0" hangingPunct="0">
-              <a:defRPr>
-                <a:solidFill>
-                  <a:schemeClr val="tx1"/>
-                </a:solidFill>
-                <a:latin typeface="Arial" charset="0"/>
-                <a:ea typeface="Arial" charset="0"/>
-                <a:cs typeface="Arial" charset="0"/>
-              </a:defRPr>
-            </a:lvl4pPr>
-            <a:lvl5pPr marL="2057400" indent="-228600" eaLnBrk="0" hangingPunct="0">
-              <a:defRPr>
-                <a:solidFill>
-                  <a:schemeClr val="tx1"/>
-                </a:solidFill>
-                <a:latin typeface="Arial" charset="0"/>
-                <a:ea typeface="Arial" charset="0"/>
-                <a:cs typeface="Arial" charset="0"/>
-              </a:defRPr>
-            </a:lvl5pPr>
-            <a:lvl6pPr marL="2514600" indent="-228600" eaLnBrk="0" fontAlgn="base" hangingPunct="0">
-              <a:spcBef>
-                <a:spcPct val="0"/>
-              </a:spcBef>
-              <a:spcAft>
-                <a:spcPct val="0"/>
-              </a:spcAft>
-              <a:defRPr>
-                <a:solidFill>
-                  <a:schemeClr val="tx1"/>
-                </a:solidFill>
-                <a:latin typeface="Arial" charset="0"/>
-                <a:ea typeface="Arial" charset="0"/>
-                <a:cs typeface="Arial" charset="0"/>
-              </a:defRPr>
-            </a:lvl6pPr>
-            <a:lvl7pPr marL="2971800" indent="-228600" eaLnBrk="0" fontAlgn="base" hangingPunct="0">
-              <a:spcBef>
-                <a:spcPct val="0"/>
-              </a:spcBef>
-              <a:spcAft>
-                <a:spcPct val="0"/>
-              </a:spcAft>
-              <a:defRPr>
-                <a:solidFill>
-                  <a:schemeClr val="tx1"/>
-                </a:solidFill>
-                <a:latin typeface="Arial" charset="0"/>
-                <a:ea typeface="Arial" charset="0"/>
-                <a:cs typeface="Arial" charset="0"/>
-              </a:defRPr>
-            </a:lvl7pPr>
-            <a:lvl8pPr marL="3429000" indent="-228600" eaLnBrk="0" fontAlgn="base" hangingPunct="0">
-              <a:spcBef>
-                <a:spcPct val="0"/>
-              </a:spcBef>
-              <a:spcAft>
-                <a:spcPct val="0"/>
-              </a:spcAft>
-              <a:defRPr>
-                <a:solidFill>
-                  <a:schemeClr val="tx1"/>
-                </a:solidFill>
-                <a:latin typeface="Arial" charset="0"/>
-                <a:ea typeface="Arial" charset="0"/>
-                <a:cs typeface="Arial" charset="0"/>
-              </a:defRPr>
-            </a:lvl8pPr>
-            <a:lvl9pPr marL="3886200" indent="-228600" eaLnBrk="0" fontAlgn="base" hangingPunct="0">
-              <a:spcBef>
-                <a:spcPct val="0"/>
-              </a:spcBef>
-              <a:spcAft>
-                <a:spcPct val="0"/>
-              </a:spcAft>
-              <a:defRPr>
-                <a:solidFill>
-                  <a:schemeClr val="tx1"/>
-                </a:solidFill>
-                <a:latin typeface="Arial" charset="0"/>
-                <a:ea typeface="Arial" charset="0"/>
-                <a:cs typeface="Arial" charset="0"/>
-              </a:defRPr>
-            </a:lvl9pPr>
-          </a:lstStyle>
-          <a:p>
-            <a:pPr eaLnBrk="1" hangingPunct="1"/>
-            <a:fld id="{1EB2AE28-BCDB-2C4C-95A3-2D2CBE05FD5F}" type="slidenum">
-              <a:rPr lang="en-US">
-                <a:latin typeface="Garamond" charset="0"/>
-              </a:rPr>
-              <a:pPr eaLnBrk="1" hangingPunct="1"/>
-              <a:t>20</a:t>
-            </a:fld>
-            <a:endParaRPr lang="en-US">
-              <a:latin typeface="Garamond" charset="0"/>
-            </a:endParaRPr>
-          </a:p>
-        </p:txBody>
-      </p:sp>
-      <p:sp>
-        <p:nvSpPr>
-          <p:cNvPr id="6147" name="Rectangle 2"/>
-          <p:cNvSpPr>
-            <a:spLocks noGrp="1" noChangeArrowheads="1"/>
-          </p:cNvSpPr>
-          <p:nvPr>
-            <p:ph type="title"/>
-          </p:nvPr>
-        </p:nvSpPr>
-        <p:spPr/>
-        <p:txBody>
-          <a:bodyPr/>
-          <a:lstStyle/>
-          <a:p>
-            <a:r>
-              <a:rPr lang="en-US">
-                <a:latin typeface="Garamond" charset="0"/>
-              </a:rPr>
-              <a:t>Arithmetic Operations</a:t>
-            </a:r>
-          </a:p>
-        </p:txBody>
-      </p:sp>
-      <p:graphicFrame>
-        <p:nvGraphicFramePr>
-          <p:cNvPr id="47107" name="Group 3"/>
-          <p:cNvGraphicFramePr>
-            <a:graphicFrameLocks noGrp="1"/>
-          </p:cNvGraphicFramePr>
-          <p:nvPr/>
-        </p:nvGraphicFramePr>
-        <p:xfrm>
-          <a:off x="1447800" y="1295400"/>
-          <a:ext cx="6096000" cy="3621087"/>
-        </p:xfrm>
-        <a:graphic>
-          <a:graphicData uri="http://schemas.openxmlformats.org/drawingml/2006/table">
-            <a:tbl>
-              <a:tblPr/>
-              <a:tblGrid>
-                <a:gridCol w="3048000"/>
-                <a:gridCol w="3048000"/>
-              </a:tblGrid>
-              <a:tr h="518169">
-                <a:tc>
-                  <a:txBody>
-                    <a:bodyPr/>
-                    <a:lstStyle/>
-                    <a:p>
-                      <a:pPr marL="0" marR="0" lvl="0" indent="0" algn="l" defTabSz="914400" rtl="0" eaLnBrk="1" fontAlgn="base" latinLnBrk="0" hangingPunct="1">
-                        <a:lnSpc>
-                          <a:spcPct val="100000"/>
-                        </a:lnSpc>
-                        <a:spcBef>
-                          <a:spcPct val="20000"/>
-                        </a:spcBef>
-                        <a:spcAft>
-                          <a:spcPct val="0"/>
-                        </a:spcAft>
-                        <a:buClrTx/>
-                        <a:buSzTx/>
-                        <a:buFontTx/>
-                        <a:buNone/>
-                        <a:tabLst/>
-                      </a:pPr>
-                      <a:r>
-                        <a:rPr kumimoji="0" lang="en-US" sz="2800" b="1" i="0" u="none" strike="noStrike" cap="none" normalizeH="0" baseline="0" dirty="0" smtClean="0">
-                          <a:ln>
-                            <a:noFill/>
-                          </a:ln>
-                          <a:solidFill>
-                            <a:schemeClr val="tx1"/>
-                          </a:solidFill>
-                          <a:effectLst/>
-                          <a:latin typeface="+mn-lt"/>
-                        </a:rPr>
-                        <a:t>Operation</a:t>
-                      </a:r>
-                    </a:p>
-                  </a:txBody>
-                  <a:tcPr marT="45721" marB="45721" horzOverflow="overflow">
-                    <a:lnL w="28575" cap="flat" cmpd="sng" algn="ctr">
-                      <a:solidFill>
-                        <a:schemeClr val="tx1"/>
-                      </a:solidFill>
-                      <a:prstDash val="solid"/>
-                      <a:round/>
-                      <a:headEnd type="none" w="med" len="med"/>
-                      <a:tailEnd type="none" w="med" len="med"/>
-                    </a:lnL>
-                    <a:lnR w="12700" cap="flat" cmpd="sng" algn="ctr">
-                      <a:solidFill>
-                        <a:schemeClr val="tx1"/>
-                      </a:solidFill>
-                      <a:prstDash val="solid"/>
-                      <a:round/>
-                      <a:headEnd type="none" w="med" len="med"/>
-                      <a:tailEnd type="none" w="med" len="med"/>
-                    </a:lnR>
-                    <a:lnT w="28575" cap="flat" cmpd="sng" algn="ctr">
-                      <a:solidFill>
-                        <a:schemeClr val="tx1"/>
-                      </a:solidFill>
-                      <a:prstDash val="solid"/>
-                      <a:round/>
-                      <a:headEnd type="none" w="med" len="med"/>
-                      <a:tailEnd type="none" w="med" len="med"/>
-                    </a:lnT>
-                    <a:lnB w="12700" cap="flat" cmpd="sng" algn="ctr">
-                      <a:solidFill>
-                        <a:schemeClr val="tx1"/>
-                      </a:solidFill>
-                      <a:prstDash val="solid"/>
-                      <a:round/>
-                      <a:headEnd type="none" w="med" len="med"/>
-                      <a:tailEnd type="none" w="med" len="med"/>
-                    </a:lnB>
-                    <a:lnTlToBr>
-                      <a:noFill/>
-                    </a:lnTlToBr>
-                    <a:lnBlToTr>
-                      <a:noFill/>
-                    </a:lnBlToTr>
-                    <a:noFill/>
-                  </a:tcPr>
-                </a:tc>
-                <a:tc>
-                  <a:txBody>
-                    <a:bodyPr/>
-                    <a:lstStyle/>
-                    <a:p>
-                      <a:pPr marL="0" marR="0" lvl="0" indent="0" algn="l" defTabSz="914400" rtl="0" eaLnBrk="1" fontAlgn="base" latinLnBrk="0" hangingPunct="1">
-                        <a:lnSpc>
-                          <a:spcPct val="100000"/>
-                        </a:lnSpc>
-                        <a:spcBef>
-                          <a:spcPct val="20000"/>
-                        </a:spcBef>
-                        <a:spcAft>
-                          <a:spcPct val="0"/>
-                        </a:spcAft>
-                        <a:buClrTx/>
-                        <a:buSzTx/>
-                        <a:buFontTx/>
-                        <a:buNone/>
-                        <a:tabLst/>
-                      </a:pPr>
-                      <a:r>
-                        <a:rPr kumimoji="0" lang="en-US" sz="2800" b="1" i="0" u="none" strike="noStrike" cap="none" normalizeH="0" baseline="0" dirty="0" smtClean="0">
-                          <a:ln>
-                            <a:noFill/>
-                          </a:ln>
-                          <a:solidFill>
-                            <a:schemeClr val="tx1"/>
-                          </a:solidFill>
-                          <a:effectLst/>
-                          <a:latin typeface="+mn-lt"/>
-                        </a:rPr>
-                        <a:t>Operator</a:t>
-                      </a:r>
-                    </a:p>
-                  </a:txBody>
-                  <a:tcPr marT="45721" marB="45721" horzOverflow="overflow">
-                    <a:lnL w="12700" cap="flat" cmpd="sng" algn="ctr">
-                      <a:solidFill>
-                        <a:schemeClr val="tx1"/>
-                      </a:solidFill>
-                      <a:prstDash val="solid"/>
-                      <a:round/>
-                      <a:headEnd type="none" w="med" len="med"/>
-                      <a:tailEnd type="none" w="med" len="med"/>
-                    </a:lnL>
-                    <a:lnR w="28575" cap="flat" cmpd="sng" algn="ctr">
-                      <a:solidFill>
-                        <a:schemeClr val="tx1"/>
-                      </a:solidFill>
-                      <a:prstDash val="solid"/>
-                      <a:round/>
-                      <a:headEnd type="none" w="med" len="med"/>
-                      <a:tailEnd type="none" w="med" len="med"/>
-                    </a:lnR>
-                    <a:lnT w="28575" cap="flat" cmpd="sng" algn="ctr">
-                      <a:solidFill>
-                        <a:schemeClr val="tx1"/>
-                      </a:solidFill>
-                      <a:prstDash val="solid"/>
-                      <a:round/>
-                      <a:headEnd type="none" w="med" len="med"/>
-                      <a:tailEnd type="none" w="med" len="med"/>
-                    </a:lnT>
-                    <a:lnB w="12700" cap="flat" cmpd="sng" algn="ctr">
-                      <a:solidFill>
-                        <a:schemeClr val="tx1"/>
-                      </a:solidFill>
-                      <a:prstDash val="solid"/>
-                      <a:round/>
-                      <a:headEnd type="none" w="med" len="med"/>
-                      <a:tailEnd type="none" w="med" len="med"/>
-                    </a:lnB>
-                    <a:lnTlToBr>
-                      <a:noFill/>
-                    </a:lnTlToBr>
-                    <a:lnBlToTr>
-                      <a:noFill/>
-                    </a:lnBlToTr>
-                    <a:noFill/>
-                  </a:tcPr>
-                </a:tc>
-              </a:tr>
-              <a:tr h="518169">
-                <a:tc>
-                  <a:txBody>
-                    <a:bodyPr/>
-                    <a:lstStyle/>
-                    <a:p>
-                      <a:pPr marL="0" marR="0" lvl="0" indent="0" algn="l" defTabSz="914400" rtl="0" eaLnBrk="1" fontAlgn="base" latinLnBrk="0" hangingPunct="1">
-                        <a:lnSpc>
-                          <a:spcPct val="100000"/>
-                        </a:lnSpc>
-                        <a:spcBef>
-                          <a:spcPct val="20000"/>
-                        </a:spcBef>
-                        <a:spcAft>
-                          <a:spcPct val="0"/>
-                        </a:spcAft>
-                        <a:buClrTx/>
-                        <a:buSzTx/>
-                        <a:buFontTx/>
-                        <a:buNone/>
-                        <a:tabLst/>
-                      </a:pPr>
-                      <a:r>
-                        <a:rPr kumimoji="0" lang="en-US" sz="2800" b="0" i="0" u="none" strike="noStrike" cap="none" normalizeH="0" baseline="0" dirty="0" smtClean="0">
-                          <a:ln>
-                            <a:noFill/>
-                          </a:ln>
-                          <a:solidFill>
-                            <a:schemeClr val="tx1"/>
-                          </a:solidFill>
-                          <a:effectLst/>
-                          <a:latin typeface="+mn-lt"/>
-                        </a:rPr>
-                        <a:t>Addition</a:t>
-                      </a:r>
-                    </a:p>
-                  </a:txBody>
-                  <a:tcPr marT="45721" marB="45721" horzOverflow="overflow">
-                    <a:lnL w="28575" cap="flat" cmpd="sng" algn="ctr">
-                      <a:solidFill>
-                        <a:schemeClr val="tx1"/>
-                      </a:solidFill>
-                      <a:prstDash val="solid"/>
-                      <a:round/>
-                      <a:headEnd type="none" w="med" len="med"/>
-                      <a:tailEnd type="none" w="med" len="med"/>
-                    </a:lnL>
-                    <a:lnR w="12700" cap="flat" cmpd="sng" algn="ctr">
-                      <a:solidFill>
-                        <a:schemeClr val="tx1"/>
-                      </a:solidFill>
-                      <a:prstDash val="solid"/>
-                      <a:round/>
-                      <a:headEnd type="none" w="med" len="med"/>
-                      <a:tailEnd type="none" w="med" len="med"/>
-                    </a:lnR>
-                    <a:lnT w="12700" cap="flat" cmpd="sng" algn="ctr">
-                      <a:solidFill>
-                        <a:schemeClr val="tx1"/>
-                      </a:solidFill>
-                      <a:prstDash val="solid"/>
-                      <a:round/>
-                      <a:headEnd type="none" w="med" len="med"/>
-                      <a:tailEnd type="none" w="med" len="med"/>
-                    </a:lnT>
-                    <a:lnB w="12700" cap="flat" cmpd="sng" algn="ctr">
-                      <a:solidFill>
-                        <a:schemeClr val="tx1"/>
-                      </a:solidFill>
-                      <a:prstDash val="solid"/>
-                      <a:round/>
-                      <a:headEnd type="none" w="med" len="med"/>
-                      <a:tailEnd type="none" w="med" len="med"/>
-                    </a:lnB>
-                    <a:lnTlToBr>
-                      <a:noFill/>
-                    </a:lnTlToBr>
-                    <a:lnBlToTr>
-                      <a:noFill/>
-                    </a:lnBlToTr>
-                    <a:noFill/>
-                  </a:tcPr>
-                </a:tc>
-                <a:tc>
-                  <a:txBody>
-                    <a:bodyPr/>
-                    <a:lstStyle/>
-                    <a:p>
-                      <a:pPr marL="0" marR="0" lvl="0" indent="0" algn="l" defTabSz="914400" rtl="0" eaLnBrk="1" fontAlgn="base" latinLnBrk="0" hangingPunct="1">
-                        <a:lnSpc>
-                          <a:spcPct val="100000"/>
-                        </a:lnSpc>
-                        <a:spcBef>
-                          <a:spcPct val="20000"/>
-                        </a:spcBef>
-                        <a:spcAft>
-                          <a:spcPct val="0"/>
-                        </a:spcAft>
-                        <a:buClrTx/>
-                        <a:buSzTx/>
-                        <a:buFontTx/>
-                        <a:buNone/>
-                        <a:tabLst/>
-                      </a:pPr>
-                      <a:r>
-                        <a:rPr kumimoji="0" lang="en-US" sz="2800" b="0" i="0" u="none" strike="noStrike" cap="none" normalizeH="0" baseline="0" dirty="0" smtClean="0">
-                          <a:ln>
-                            <a:noFill/>
-                          </a:ln>
-                          <a:solidFill>
-                            <a:schemeClr val="tx1"/>
-                          </a:solidFill>
-                          <a:effectLst/>
-                          <a:latin typeface="Courier New" pitchFamily="49" charset="0"/>
-                          <a:cs typeface="Courier New" pitchFamily="49" charset="0"/>
-                        </a:rPr>
-                        <a:t>+</a:t>
-                      </a:r>
-                    </a:p>
-                  </a:txBody>
-                  <a:tcPr marT="45721" marB="45721" horzOverflow="overflow">
-                    <a:lnL w="12700" cap="flat" cmpd="sng" algn="ctr">
-                      <a:solidFill>
-                        <a:schemeClr val="tx1"/>
-                      </a:solidFill>
-                      <a:prstDash val="solid"/>
-                      <a:round/>
-                      <a:headEnd type="none" w="med" len="med"/>
-                      <a:tailEnd type="none" w="med" len="med"/>
-                    </a:lnL>
-                    <a:lnR w="28575" cap="flat" cmpd="sng" algn="ctr">
-                      <a:solidFill>
-                        <a:schemeClr val="tx1"/>
-                      </a:solidFill>
-                      <a:prstDash val="solid"/>
-                      <a:round/>
-                      <a:headEnd type="none" w="med" len="med"/>
-                      <a:tailEnd type="none" w="med" len="med"/>
-                    </a:lnR>
-                    <a:lnT w="12700" cap="flat" cmpd="sng" algn="ctr">
-                      <a:solidFill>
-                        <a:schemeClr val="tx1"/>
-                      </a:solidFill>
-                      <a:prstDash val="solid"/>
-                      <a:round/>
-                      <a:headEnd type="none" w="med" len="med"/>
-                      <a:tailEnd type="none" w="med" len="med"/>
-                    </a:lnT>
-                    <a:lnB w="12700" cap="flat" cmpd="sng" algn="ctr">
-                      <a:solidFill>
-                        <a:schemeClr val="tx1"/>
-                      </a:solidFill>
-                      <a:prstDash val="solid"/>
-                      <a:round/>
-                      <a:headEnd type="none" w="med" len="med"/>
-                      <a:tailEnd type="none" w="med" len="med"/>
-                    </a:lnB>
-                    <a:lnTlToBr>
-                      <a:noFill/>
-                    </a:lnTlToBr>
-                    <a:lnBlToTr>
-                      <a:noFill/>
-                    </a:lnBlToTr>
-                    <a:noFill/>
-                  </a:tcPr>
-                </a:tc>
-              </a:tr>
-              <a:tr h="518169">
-                <a:tc>
-                  <a:txBody>
-                    <a:bodyPr/>
-                    <a:lstStyle/>
-                    <a:p>
-                      <a:pPr marL="0" marR="0" lvl="0" indent="0" algn="l" defTabSz="914400" rtl="0" eaLnBrk="1" fontAlgn="base" latinLnBrk="0" hangingPunct="1">
-                        <a:lnSpc>
-                          <a:spcPct val="100000"/>
-                        </a:lnSpc>
-                        <a:spcBef>
-                          <a:spcPct val="20000"/>
-                        </a:spcBef>
-                        <a:spcAft>
-                          <a:spcPct val="0"/>
-                        </a:spcAft>
-                        <a:buClrTx/>
-                        <a:buSzTx/>
-                        <a:buFontTx/>
-                        <a:buNone/>
-                        <a:tabLst/>
-                      </a:pPr>
-                      <a:r>
-                        <a:rPr kumimoji="0" lang="en-US" sz="2800" b="0" i="0" u="none" strike="noStrike" cap="none" normalizeH="0" baseline="0" dirty="0" smtClean="0">
-                          <a:ln>
-                            <a:noFill/>
-                          </a:ln>
-                          <a:solidFill>
-                            <a:schemeClr val="tx1"/>
-                          </a:solidFill>
-                          <a:effectLst/>
-                          <a:latin typeface="+mn-lt"/>
-                        </a:rPr>
-                        <a:t>Subtraction</a:t>
-                      </a:r>
-                    </a:p>
-                  </a:txBody>
-                  <a:tcPr marT="45721" marB="45721" horzOverflow="overflow">
-                    <a:lnL w="28575" cap="flat" cmpd="sng" algn="ctr">
-                      <a:solidFill>
-                        <a:schemeClr val="tx1"/>
-                      </a:solidFill>
-                      <a:prstDash val="solid"/>
-                      <a:round/>
-                      <a:headEnd type="none" w="med" len="med"/>
-                      <a:tailEnd type="none" w="med" len="med"/>
-                    </a:lnL>
-                    <a:lnR w="12700" cap="flat" cmpd="sng" algn="ctr">
-                      <a:solidFill>
-                        <a:schemeClr val="tx1"/>
-                      </a:solidFill>
-                      <a:prstDash val="solid"/>
-                      <a:round/>
-                      <a:headEnd type="none" w="med" len="med"/>
-                      <a:tailEnd type="none" w="med" len="med"/>
-                    </a:lnR>
-                    <a:lnT w="12700" cap="flat" cmpd="sng" algn="ctr">
-                      <a:solidFill>
-                        <a:schemeClr val="tx1"/>
-                      </a:solidFill>
-                      <a:prstDash val="solid"/>
-                      <a:round/>
-                      <a:headEnd type="none" w="med" len="med"/>
-                      <a:tailEnd type="none" w="med" len="med"/>
-                    </a:lnT>
-                    <a:lnB w="12700" cap="flat" cmpd="sng" algn="ctr">
-                      <a:solidFill>
-                        <a:schemeClr val="tx1"/>
-                      </a:solidFill>
-                      <a:prstDash val="solid"/>
-                      <a:round/>
-                      <a:headEnd type="none" w="med" len="med"/>
-                      <a:tailEnd type="none" w="med" len="med"/>
-                    </a:lnB>
-                    <a:lnTlToBr>
-                      <a:noFill/>
-                    </a:lnTlToBr>
-                    <a:lnBlToTr>
-                      <a:noFill/>
-                    </a:lnBlToTr>
-                    <a:noFill/>
-                  </a:tcPr>
-                </a:tc>
-                <a:tc>
-                  <a:txBody>
-                    <a:bodyPr/>
-                    <a:lstStyle/>
-                    <a:p>
-                      <a:pPr marL="0" marR="0" lvl="0" indent="0" algn="l" defTabSz="914400" rtl="0" eaLnBrk="1" fontAlgn="base" latinLnBrk="0" hangingPunct="1">
-                        <a:lnSpc>
-                          <a:spcPct val="100000"/>
-                        </a:lnSpc>
-                        <a:spcBef>
-                          <a:spcPct val="20000"/>
-                        </a:spcBef>
-                        <a:spcAft>
-                          <a:spcPct val="0"/>
-                        </a:spcAft>
-                        <a:buClrTx/>
-                        <a:buSzTx/>
-                        <a:buFontTx/>
-                        <a:buNone/>
-                        <a:tabLst/>
-                      </a:pPr>
-                      <a:r>
-                        <a:rPr kumimoji="0" lang="en-US" sz="2800" b="0" i="0" u="none" strike="noStrike" cap="none" normalizeH="0" baseline="0" dirty="0" smtClean="0">
-                          <a:ln>
-                            <a:noFill/>
-                          </a:ln>
-                          <a:solidFill>
-                            <a:schemeClr val="tx1"/>
-                          </a:solidFill>
-                          <a:effectLst/>
-                          <a:latin typeface="Courier New" pitchFamily="49" charset="0"/>
-                          <a:cs typeface="Courier New" pitchFamily="49" charset="0"/>
-                        </a:rPr>
-                        <a:t>-</a:t>
-                      </a:r>
-                    </a:p>
-                  </a:txBody>
-                  <a:tcPr marT="45721" marB="45721" horzOverflow="overflow">
-                    <a:lnL w="12700" cap="flat" cmpd="sng" algn="ctr">
-                      <a:solidFill>
-                        <a:schemeClr val="tx1"/>
-                      </a:solidFill>
-                      <a:prstDash val="solid"/>
-                      <a:round/>
-                      <a:headEnd type="none" w="med" len="med"/>
-                      <a:tailEnd type="none" w="med" len="med"/>
-                    </a:lnL>
-                    <a:lnR w="28575" cap="flat" cmpd="sng" algn="ctr">
-                      <a:solidFill>
-                        <a:schemeClr val="tx1"/>
-                      </a:solidFill>
-                      <a:prstDash val="solid"/>
-                      <a:round/>
-                      <a:headEnd type="none" w="med" len="med"/>
-                      <a:tailEnd type="none" w="med" len="med"/>
-                    </a:lnR>
-                    <a:lnT w="12700" cap="flat" cmpd="sng" algn="ctr">
-                      <a:solidFill>
-                        <a:schemeClr val="tx1"/>
-                      </a:solidFill>
-                      <a:prstDash val="solid"/>
-                      <a:round/>
-                      <a:headEnd type="none" w="med" len="med"/>
-                      <a:tailEnd type="none" w="med" len="med"/>
-                    </a:lnT>
-                    <a:lnB w="12700" cap="flat" cmpd="sng" algn="ctr">
-                      <a:solidFill>
-                        <a:schemeClr val="tx1"/>
-                      </a:solidFill>
-                      <a:prstDash val="solid"/>
-                      <a:round/>
-                      <a:headEnd type="none" w="med" len="med"/>
-                      <a:tailEnd type="none" w="med" len="med"/>
-                    </a:lnB>
-                    <a:lnTlToBr>
-                      <a:noFill/>
-                    </a:lnTlToBr>
-                    <a:lnBlToTr>
-                      <a:noFill/>
-                    </a:lnBlToTr>
-                    <a:noFill/>
-                  </a:tcPr>
-                </a:tc>
-              </a:tr>
-              <a:tr h="518169">
-                <a:tc>
-                  <a:txBody>
-                    <a:bodyPr/>
-                    <a:lstStyle/>
-                    <a:p>
-                      <a:pPr marL="0" marR="0" lvl="0" indent="0" algn="l" defTabSz="914400" rtl="0" eaLnBrk="1" fontAlgn="base" latinLnBrk="0" hangingPunct="1">
-                        <a:lnSpc>
-                          <a:spcPct val="100000"/>
-                        </a:lnSpc>
-                        <a:spcBef>
-                          <a:spcPct val="20000"/>
-                        </a:spcBef>
-                        <a:spcAft>
-                          <a:spcPct val="0"/>
-                        </a:spcAft>
-                        <a:buClrTx/>
-                        <a:buSzTx/>
-                        <a:buFontTx/>
-                        <a:buNone/>
-                        <a:tabLst/>
-                      </a:pPr>
-                      <a:r>
-                        <a:rPr kumimoji="0" lang="en-US" sz="2800" b="0" i="0" u="none" strike="noStrike" cap="none" normalizeH="0" baseline="0" dirty="0" smtClean="0">
-                          <a:ln>
-                            <a:noFill/>
-                          </a:ln>
-                          <a:solidFill>
-                            <a:schemeClr val="tx1"/>
-                          </a:solidFill>
-                          <a:effectLst/>
-                          <a:latin typeface="+mn-lt"/>
-                        </a:rPr>
-                        <a:t>Multiplication</a:t>
-                      </a:r>
-                    </a:p>
-                  </a:txBody>
-                  <a:tcPr marT="45721" marB="45721" horzOverflow="overflow">
-                    <a:lnL w="28575" cap="flat" cmpd="sng" algn="ctr">
-                      <a:solidFill>
-                        <a:schemeClr val="tx1"/>
-                      </a:solidFill>
-                      <a:prstDash val="solid"/>
-                      <a:round/>
-                      <a:headEnd type="none" w="med" len="med"/>
-                      <a:tailEnd type="none" w="med" len="med"/>
-                    </a:lnL>
-                    <a:lnR w="12700" cap="flat" cmpd="sng" algn="ctr">
-                      <a:solidFill>
-                        <a:schemeClr val="tx1"/>
-                      </a:solidFill>
-                      <a:prstDash val="solid"/>
-                      <a:round/>
-                      <a:headEnd type="none" w="med" len="med"/>
-                      <a:tailEnd type="none" w="med" len="med"/>
-                    </a:lnR>
-                    <a:lnT w="12700" cap="flat" cmpd="sng" algn="ctr">
-                      <a:solidFill>
-                        <a:schemeClr val="tx1"/>
-                      </a:solidFill>
-                      <a:prstDash val="solid"/>
-                      <a:round/>
-                      <a:headEnd type="none" w="med" len="med"/>
-                      <a:tailEnd type="none" w="med" len="med"/>
-                    </a:lnT>
-                    <a:lnB w="12700" cap="flat" cmpd="sng" algn="ctr">
-                      <a:solidFill>
-                        <a:schemeClr val="tx1"/>
-                      </a:solidFill>
-                      <a:prstDash val="solid"/>
-                      <a:round/>
-                      <a:headEnd type="none" w="med" len="med"/>
-                      <a:tailEnd type="none" w="med" len="med"/>
-                    </a:lnB>
-                    <a:lnTlToBr>
-                      <a:noFill/>
-                    </a:lnTlToBr>
-                    <a:lnBlToTr>
-                      <a:noFill/>
-                    </a:lnBlToTr>
-                    <a:noFill/>
-                  </a:tcPr>
-                </a:tc>
-                <a:tc>
-                  <a:txBody>
-                    <a:bodyPr/>
-                    <a:lstStyle/>
-                    <a:p>
-                      <a:pPr marL="0" marR="0" lvl="0" indent="0" algn="l" defTabSz="914400" rtl="0" eaLnBrk="1" fontAlgn="base" latinLnBrk="0" hangingPunct="1">
-                        <a:lnSpc>
-                          <a:spcPct val="100000"/>
-                        </a:lnSpc>
-                        <a:spcBef>
-                          <a:spcPct val="20000"/>
-                        </a:spcBef>
-                        <a:spcAft>
-                          <a:spcPct val="0"/>
-                        </a:spcAft>
-                        <a:buClrTx/>
-                        <a:buSzTx/>
-                        <a:buFontTx/>
-                        <a:buNone/>
-                        <a:tabLst/>
-                      </a:pPr>
-                      <a:r>
-                        <a:rPr kumimoji="0" lang="en-US" sz="2800" b="0" i="0" u="none" strike="noStrike" cap="none" normalizeH="0" baseline="0" dirty="0" smtClean="0">
-                          <a:ln>
-                            <a:noFill/>
-                          </a:ln>
-                          <a:solidFill>
-                            <a:schemeClr val="tx1"/>
-                          </a:solidFill>
-                          <a:effectLst/>
-                          <a:latin typeface="Courier New" pitchFamily="49" charset="0"/>
-                          <a:cs typeface="Courier New" pitchFamily="49" charset="0"/>
-                        </a:rPr>
-                        <a:t>*</a:t>
-                      </a:r>
-                    </a:p>
-                  </a:txBody>
-                  <a:tcPr marT="45721" marB="45721" horzOverflow="overflow">
-                    <a:lnL w="12700" cap="flat" cmpd="sng" algn="ctr">
-                      <a:solidFill>
-                        <a:schemeClr val="tx1"/>
-                      </a:solidFill>
-                      <a:prstDash val="solid"/>
-                      <a:round/>
-                      <a:headEnd type="none" w="med" len="med"/>
-                      <a:tailEnd type="none" w="med" len="med"/>
-                    </a:lnL>
-                    <a:lnR w="28575" cap="flat" cmpd="sng" algn="ctr">
-                      <a:solidFill>
-                        <a:schemeClr val="tx1"/>
-                      </a:solidFill>
-                      <a:prstDash val="solid"/>
-                      <a:round/>
-                      <a:headEnd type="none" w="med" len="med"/>
-                      <a:tailEnd type="none" w="med" len="med"/>
-                    </a:lnR>
-                    <a:lnT w="12700" cap="flat" cmpd="sng" algn="ctr">
-                      <a:solidFill>
-                        <a:schemeClr val="tx1"/>
-                      </a:solidFill>
-                      <a:prstDash val="solid"/>
-                      <a:round/>
-                      <a:headEnd type="none" w="med" len="med"/>
-                      <a:tailEnd type="none" w="med" len="med"/>
-                    </a:lnT>
-                    <a:lnB w="12700" cap="flat" cmpd="sng" algn="ctr">
-                      <a:solidFill>
-                        <a:schemeClr val="tx1"/>
-                      </a:solidFill>
-                      <a:prstDash val="solid"/>
-                      <a:round/>
-                      <a:headEnd type="none" w="med" len="med"/>
-                      <a:tailEnd type="none" w="med" len="med"/>
-                    </a:lnB>
-                    <a:lnTlToBr>
-                      <a:noFill/>
-                    </a:lnTlToBr>
-                    <a:lnBlToTr>
-                      <a:noFill/>
-                    </a:lnBlToTr>
-                    <a:noFill/>
-                  </a:tcPr>
-                </a:tc>
-              </a:tr>
-              <a:tr h="518169">
-                <a:tc>
-                  <a:txBody>
-                    <a:bodyPr/>
-                    <a:lstStyle/>
-                    <a:p>
-                      <a:pPr marL="0" marR="0" lvl="0" indent="0" algn="l" defTabSz="914400" rtl="0" eaLnBrk="1" fontAlgn="base" latinLnBrk="0" hangingPunct="1">
-                        <a:lnSpc>
-                          <a:spcPct val="100000"/>
-                        </a:lnSpc>
-                        <a:spcBef>
-                          <a:spcPct val="20000"/>
-                        </a:spcBef>
-                        <a:spcAft>
-                          <a:spcPct val="0"/>
-                        </a:spcAft>
-                        <a:buClrTx/>
-                        <a:buSzTx/>
-                        <a:buFontTx/>
-                        <a:buNone/>
-                        <a:tabLst/>
-                      </a:pPr>
-                      <a:r>
-                        <a:rPr kumimoji="0" lang="en-US" sz="2800" b="0" i="0" u="none" strike="noStrike" cap="none" normalizeH="0" baseline="0" smtClean="0">
-                          <a:ln>
-                            <a:noFill/>
-                          </a:ln>
-                          <a:solidFill>
-                            <a:schemeClr val="tx1"/>
-                          </a:solidFill>
-                          <a:effectLst/>
-                          <a:latin typeface="+mn-lt"/>
-                        </a:rPr>
-                        <a:t>Division</a:t>
-                      </a:r>
-                    </a:p>
-                  </a:txBody>
-                  <a:tcPr marT="45721" marB="45721" horzOverflow="overflow">
-                    <a:lnL w="28575" cap="flat" cmpd="sng" algn="ctr">
-                      <a:solidFill>
-                        <a:schemeClr val="tx1"/>
-                      </a:solidFill>
-                      <a:prstDash val="solid"/>
-                      <a:round/>
-                      <a:headEnd type="none" w="med" len="med"/>
-                      <a:tailEnd type="none" w="med" len="med"/>
-                    </a:lnL>
-                    <a:lnR w="12700" cap="flat" cmpd="sng" algn="ctr">
-                      <a:solidFill>
-                        <a:schemeClr val="tx1"/>
-                      </a:solidFill>
-                      <a:prstDash val="solid"/>
-                      <a:round/>
-                      <a:headEnd type="none" w="med" len="med"/>
-                      <a:tailEnd type="none" w="med" len="med"/>
-                    </a:lnR>
-                    <a:lnT w="12700" cap="flat" cmpd="sng" algn="ctr">
-                      <a:solidFill>
-                        <a:schemeClr val="tx1"/>
-                      </a:solidFill>
-                      <a:prstDash val="solid"/>
-                      <a:round/>
-                      <a:headEnd type="none" w="med" len="med"/>
-                      <a:tailEnd type="none" w="med" len="med"/>
-                    </a:lnT>
-                    <a:lnB w="12700" cap="flat" cmpd="sng" algn="ctr">
-                      <a:solidFill>
-                        <a:schemeClr val="tx1"/>
-                      </a:solidFill>
-                      <a:prstDash val="solid"/>
-                      <a:round/>
-                      <a:headEnd type="none" w="med" len="med"/>
-                      <a:tailEnd type="none" w="med" len="med"/>
-                    </a:lnB>
-                    <a:lnTlToBr>
-                      <a:noFill/>
-                    </a:lnTlToBr>
-                    <a:lnBlToTr>
-                      <a:noFill/>
-                    </a:lnBlToTr>
-                    <a:noFill/>
-                  </a:tcPr>
-                </a:tc>
-                <a:tc>
-                  <a:txBody>
-                    <a:bodyPr/>
-                    <a:lstStyle/>
-                    <a:p>
-                      <a:pPr marL="0" marR="0" lvl="0" indent="0" algn="l" defTabSz="914400" rtl="0" eaLnBrk="1" fontAlgn="base" latinLnBrk="0" hangingPunct="1">
-                        <a:lnSpc>
-                          <a:spcPct val="100000"/>
-                        </a:lnSpc>
-                        <a:spcBef>
-                          <a:spcPct val="20000"/>
-                        </a:spcBef>
-                        <a:spcAft>
-                          <a:spcPct val="0"/>
-                        </a:spcAft>
-                        <a:buClrTx/>
-                        <a:buSzTx/>
-                        <a:buFontTx/>
-                        <a:buNone/>
-                        <a:tabLst/>
-                      </a:pPr>
-                      <a:r>
-                        <a:rPr kumimoji="0" lang="en-US" sz="2800" b="0" i="0" u="none" strike="noStrike" cap="none" normalizeH="0" baseline="0" dirty="0" smtClean="0">
-                          <a:ln>
-                            <a:noFill/>
-                          </a:ln>
-                          <a:solidFill>
-                            <a:schemeClr val="tx1"/>
-                          </a:solidFill>
-                          <a:effectLst/>
-                          <a:latin typeface="Courier New" pitchFamily="49" charset="0"/>
-                          <a:cs typeface="Courier New" pitchFamily="49" charset="0"/>
-                        </a:rPr>
-                        <a:t>/</a:t>
-                      </a:r>
-                    </a:p>
-                  </a:txBody>
-                  <a:tcPr marT="45721" marB="45721" horzOverflow="overflow">
-                    <a:lnL w="12700" cap="flat" cmpd="sng" algn="ctr">
-                      <a:solidFill>
-                        <a:schemeClr val="tx1"/>
-                      </a:solidFill>
-                      <a:prstDash val="solid"/>
-                      <a:round/>
-                      <a:headEnd type="none" w="med" len="med"/>
-                      <a:tailEnd type="none" w="med" len="med"/>
-                    </a:lnL>
-                    <a:lnR w="28575" cap="flat" cmpd="sng" algn="ctr">
-                      <a:solidFill>
-                        <a:schemeClr val="tx1"/>
-                      </a:solidFill>
-                      <a:prstDash val="solid"/>
-                      <a:round/>
-                      <a:headEnd type="none" w="med" len="med"/>
-                      <a:tailEnd type="none" w="med" len="med"/>
-                    </a:lnR>
-                    <a:lnT w="12700" cap="flat" cmpd="sng" algn="ctr">
-                      <a:solidFill>
-                        <a:schemeClr val="tx1"/>
-                      </a:solidFill>
-                      <a:prstDash val="solid"/>
-                      <a:round/>
-                      <a:headEnd type="none" w="med" len="med"/>
-                      <a:tailEnd type="none" w="med" len="med"/>
-                    </a:lnT>
-                    <a:lnB w="12700" cap="flat" cmpd="sng" algn="ctr">
-                      <a:solidFill>
-                        <a:schemeClr val="tx1"/>
-                      </a:solidFill>
-                      <a:prstDash val="solid"/>
-                      <a:round/>
-                      <a:headEnd type="none" w="med" len="med"/>
-                      <a:tailEnd type="none" w="med" len="med"/>
-                    </a:lnB>
-                    <a:lnTlToBr>
-                      <a:noFill/>
-                    </a:lnTlToBr>
-                    <a:lnBlToTr>
-                      <a:noFill/>
-                    </a:lnBlToTr>
-                    <a:noFill/>
-                  </a:tcPr>
-                </a:tc>
-              </a:tr>
-              <a:tr h="1030242">
-                <a:tc>
-                  <a:txBody>
-                    <a:bodyPr/>
-                    <a:lstStyle/>
-                    <a:p>
-                      <a:pPr marL="0" marR="0" lvl="0" indent="0" algn="l" defTabSz="914400" rtl="0" eaLnBrk="1" fontAlgn="base" latinLnBrk="0" hangingPunct="1">
-                        <a:lnSpc>
-                          <a:spcPct val="100000"/>
-                        </a:lnSpc>
-                        <a:spcBef>
-                          <a:spcPct val="20000"/>
-                        </a:spcBef>
-                        <a:spcAft>
-                          <a:spcPct val="0"/>
-                        </a:spcAft>
-                        <a:buClrTx/>
-                        <a:buSzTx/>
-                        <a:buFontTx/>
-                        <a:buNone/>
-                        <a:tabLst/>
-                      </a:pPr>
-                      <a:r>
-                        <a:rPr kumimoji="0" lang="en-US" sz="2800" b="0" i="0" u="none" strike="noStrike" cap="none" normalizeH="0" baseline="0" smtClean="0">
-                          <a:ln>
-                            <a:noFill/>
-                          </a:ln>
-                          <a:solidFill>
-                            <a:schemeClr val="tx1"/>
-                          </a:solidFill>
-                          <a:effectLst/>
-                          <a:latin typeface="+mn-lt"/>
-                        </a:rPr>
-                        <a:t>Modulus Division</a:t>
-                      </a:r>
-                    </a:p>
-                    <a:p>
-                      <a:pPr marL="0" marR="0" lvl="0" indent="0" algn="l" defTabSz="914400" rtl="0" eaLnBrk="1" fontAlgn="base" latinLnBrk="0" hangingPunct="1">
-                        <a:lnSpc>
-                          <a:spcPct val="100000"/>
-                        </a:lnSpc>
-                        <a:spcBef>
-                          <a:spcPct val="20000"/>
-                        </a:spcBef>
-                        <a:spcAft>
-                          <a:spcPct val="0"/>
-                        </a:spcAft>
-                        <a:buClrTx/>
-                        <a:buSzTx/>
-                        <a:buFontTx/>
-                        <a:buNone/>
-                        <a:tabLst/>
-                      </a:pPr>
-                      <a:r>
-                        <a:rPr kumimoji="0" lang="en-US" sz="2800" b="0" i="0" u="none" strike="noStrike" cap="none" normalizeH="0" baseline="0" smtClean="0">
-                          <a:ln>
-                            <a:noFill/>
-                          </a:ln>
-                          <a:solidFill>
-                            <a:schemeClr val="tx1"/>
-                          </a:solidFill>
-                          <a:effectLst/>
-                          <a:latin typeface="+mn-lt"/>
-                        </a:rPr>
-                        <a:t>(Remainder)</a:t>
-                      </a:r>
-                    </a:p>
-                  </a:txBody>
-                  <a:tcPr marT="45721" marB="45721" horzOverflow="overflow">
-                    <a:lnL w="28575" cap="flat" cmpd="sng" algn="ctr">
-                      <a:solidFill>
-                        <a:schemeClr val="tx1"/>
-                      </a:solidFill>
-                      <a:prstDash val="solid"/>
-                      <a:round/>
-                      <a:headEnd type="none" w="med" len="med"/>
-                      <a:tailEnd type="none" w="med" len="med"/>
-                    </a:lnL>
-                    <a:lnR w="12700" cap="flat" cmpd="sng" algn="ctr">
-                      <a:solidFill>
-                        <a:schemeClr val="tx1"/>
-                      </a:solidFill>
-                      <a:prstDash val="solid"/>
-                      <a:round/>
-                      <a:headEnd type="none" w="med" len="med"/>
-                      <a:tailEnd type="none" w="med" len="med"/>
-                    </a:lnR>
-                    <a:lnT w="12700" cap="flat" cmpd="sng" algn="ctr">
-                      <a:solidFill>
-                        <a:schemeClr val="tx1"/>
-                      </a:solidFill>
-                      <a:prstDash val="solid"/>
-                      <a:round/>
-                      <a:headEnd type="none" w="med" len="med"/>
-                      <a:tailEnd type="none" w="med" len="med"/>
-                    </a:lnT>
-                    <a:lnB w="28575" cap="flat" cmpd="sng" algn="ctr">
-                      <a:solidFill>
-                        <a:schemeClr val="tx1"/>
-                      </a:solidFill>
-                      <a:prstDash val="solid"/>
-                      <a:round/>
-                      <a:headEnd type="none" w="med" len="med"/>
-                      <a:tailEnd type="none" w="med" len="med"/>
-                    </a:lnB>
-                    <a:lnTlToBr>
-                      <a:noFill/>
-                    </a:lnTlToBr>
-                    <a:lnBlToTr>
-                      <a:noFill/>
-                    </a:lnBlToTr>
-                    <a:noFill/>
-                  </a:tcPr>
-                </a:tc>
-                <a:tc>
-                  <a:txBody>
-                    <a:bodyPr/>
-                    <a:lstStyle/>
-                    <a:p>
-                      <a:pPr marL="0" marR="0" lvl="0" indent="0" algn="l" defTabSz="914400" rtl="0" eaLnBrk="1" fontAlgn="base" latinLnBrk="0" hangingPunct="1">
-                        <a:lnSpc>
-                          <a:spcPct val="100000"/>
-                        </a:lnSpc>
-                        <a:spcBef>
-                          <a:spcPct val="20000"/>
-                        </a:spcBef>
-                        <a:spcAft>
-                          <a:spcPct val="0"/>
-                        </a:spcAft>
-                        <a:buClrTx/>
-                        <a:buSzTx/>
-                        <a:buFontTx/>
-                        <a:buNone/>
-                        <a:tabLst/>
-                      </a:pPr>
-                      <a:r>
-                        <a:rPr kumimoji="0" lang="en-US" sz="2800" b="0" i="0" u="none" strike="noStrike" cap="none" normalizeH="0" baseline="0" dirty="0" smtClean="0">
-                          <a:ln>
-                            <a:noFill/>
-                          </a:ln>
-                          <a:solidFill>
-                            <a:schemeClr val="tx1"/>
-                          </a:solidFill>
-                          <a:effectLst/>
-                          <a:latin typeface="Courier New" pitchFamily="49" charset="0"/>
-                          <a:cs typeface="Courier New" pitchFamily="49" charset="0"/>
-                        </a:rPr>
-                        <a:t>%</a:t>
-                      </a:r>
-                    </a:p>
-                  </a:txBody>
-                  <a:tcPr marT="45721" marB="45721" horzOverflow="overflow">
-                    <a:lnL w="12700" cap="flat" cmpd="sng" algn="ctr">
-                      <a:solidFill>
-                        <a:schemeClr val="tx1"/>
-                      </a:solidFill>
-                      <a:prstDash val="solid"/>
-                      <a:round/>
-                      <a:headEnd type="none" w="med" len="med"/>
-                      <a:tailEnd type="none" w="med" len="med"/>
-                    </a:lnL>
-                    <a:lnR w="28575" cap="flat" cmpd="sng" algn="ctr">
-                      <a:solidFill>
-                        <a:schemeClr val="tx1"/>
-                      </a:solidFill>
-                      <a:prstDash val="solid"/>
-                      <a:round/>
-                      <a:headEnd type="none" w="med" len="med"/>
-                      <a:tailEnd type="none" w="med" len="med"/>
-                    </a:lnR>
-                    <a:lnT w="12700" cap="flat" cmpd="sng" algn="ctr">
-                      <a:solidFill>
-                        <a:schemeClr val="tx1"/>
-                      </a:solidFill>
-                      <a:prstDash val="solid"/>
-                      <a:round/>
-                      <a:headEnd type="none" w="med" len="med"/>
-                      <a:tailEnd type="none" w="med" len="med"/>
-                    </a:lnT>
-                    <a:lnB w="28575" cap="flat" cmpd="sng" algn="ctr">
-                      <a:solidFill>
-                        <a:schemeClr val="tx1"/>
-                      </a:solidFill>
-                      <a:prstDash val="solid"/>
-                      <a:round/>
-                      <a:headEnd type="none" w="med" len="med"/>
-                      <a:tailEnd type="none" w="med" len="med"/>
-                    </a:lnB>
-                    <a:lnTlToBr>
-                      <a:noFill/>
-                    </a:lnTlToBr>
-                    <a:lnBlToTr>
-                      <a:noFill/>
-                    </a:lnBlToTr>
-                    <a:noFill/>
-                  </a:tcPr>
-                </a:tc>
-              </a:tr>
-            </a:tbl>
-          </a:graphicData>
-        </a:graphic>
-      </p:graphicFrame>
-      <p:sp>
-        <p:nvSpPr>
-          <p:cNvPr id="2" name="Date Placeholder 1"/>
-          <p:cNvSpPr>
-            <a:spLocks noGrp="1"/>
-          </p:cNvSpPr>
-          <p:nvPr>
-            <p:ph type="dt" sz="quarter" idx="10"/>
-          </p:nvPr>
-        </p:nvSpPr>
-        <p:spPr/>
-        <p:txBody>
-          <a:bodyPr/>
-          <a:lstStyle>
-            <a:lvl1pPr eaLnBrk="0" hangingPunct="0">
-              <a:defRPr>
-                <a:solidFill>
-                  <a:schemeClr val="tx1"/>
-                </a:solidFill>
-                <a:latin typeface="Arial" charset="0"/>
-                <a:ea typeface="ＭＳ Ｐゴシック" charset="0"/>
-                <a:cs typeface="Arial" charset="0"/>
-              </a:defRPr>
-            </a:lvl1pPr>
-            <a:lvl2pPr marL="742950" indent="-285750" eaLnBrk="0" hangingPunct="0">
-              <a:defRPr>
-                <a:solidFill>
-                  <a:schemeClr val="tx1"/>
-                </a:solidFill>
-                <a:latin typeface="Arial" charset="0"/>
-                <a:ea typeface="Arial" charset="0"/>
-                <a:cs typeface="Arial" charset="0"/>
-              </a:defRPr>
-            </a:lvl2pPr>
-            <a:lvl3pPr marL="1143000" indent="-228600" eaLnBrk="0" hangingPunct="0">
-              <a:defRPr>
-                <a:solidFill>
-                  <a:schemeClr val="tx1"/>
-                </a:solidFill>
-                <a:latin typeface="Arial" charset="0"/>
-                <a:ea typeface="Arial" charset="0"/>
-                <a:cs typeface="Arial" charset="0"/>
-              </a:defRPr>
-            </a:lvl3pPr>
-            <a:lvl4pPr marL="1600200" indent="-228600" eaLnBrk="0" hangingPunct="0">
-              <a:defRPr>
-                <a:solidFill>
-                  <a:schemeClr val="tx1"/>
-                </a:solidFill>
-                <a:latin typeface="Arial" charset="0"/>
-                <a:ea typeface="Arial" charset="0"/>
-                <a:cs typeface="Arial" charset="0"/>
-              </a:defRPr>
-            </a:lvl4pPr>
-            <a:lvl5pPr marL="2057400" indent="-228600" eaLnBrk="0" hangingPunct="0">
-              <a:defRPr>
-                <a:solidFill>
-                  <a:schemeClr val="tx1"/>
-                </a:solidFill>
-                <a:latin typeface="Arial" charset="0"/>
-                <a:ea typeface="Arial" charset="0"/>
-                <a:cs typeface="Arial" charset="0"/>
-              </a:defRPr>
-            </a:lvl5pPr>
-            <a:lvl6pPr marL="2514600" indent="-228600" eaLnBrk="0" fontAlgn="base" hangingPunct="0">
-              <a:spcBef>
-                <a:spcPct val="0"/>
-              </a:spcBef>
-              <a:spcAft>
-                <a:spcPct val="0"/>
-              </a:spcAft>
-              <a:defRPr>
-                <a:solidFill>
-                  <a:schemeClr val="tx1"/>
-                </a:solidFill>
-                <a:latin typeface="Arial" charset="0"/>
-                <a:ea typeface="Arial" charset="0"/>
-                <a:cs typeface="Arial" charset="0"/>
-              </a:defRPr>
-            </a:lvl6pPr>
-            <a:lvl7pPr marL="2971800" indent="-228600" eaLnBrk="0" fontAlgn="base" hangingPunct="0">
-              <a:spcBef>
-                <a:spcPct val="0"/>
-              </a:spcBef>
-              <a:spcAft>
-                <a:spcPct val="0"/>
-              </a:spcAft>
-              <a:defRPr>
-                <a:solidFill>
-                  <a:schemeClr val="tx1"/>
-                </a:solidFill>
-                <a:latin typeface="Arial" charset="0"/>
-                <a:ea typeface="Arial" charset="0"/>
-                <a:cs typeface="Arial" charset="0"/>
-              </a:defRPr>
-            </a:lvl7pPr>
-            <a:lvl8pPr marL="3429000" indent="-228600" eaLnBrk="0" fontAlgn="base" hangingPunct="0">
-              <a:spcBef>
-                <a:spcPct val="0"/>
-              </a:spcBef>
-              <a:spcAft>
-                <a:spcPct val="0"/>
-              </a:spcAft>
-              <a:defRPr>
-                <a:solidFill>
-                  <a:schemeClr val="tx1"/>
-                </a:solidFill>
-                <a:latin typeface="Arial" charset="0"/>
-                <a:ea typeface="Arial" charset="0"/>
-                <a:cs typeface="Arial" charset="0"/>
-              </a:defRPr>
-            </a:lvl8pPr>
-            <a:lvl9pPr marL="3886200" indent="-228600" eaLnBrk="0" fontAlgn="base" hangingPunct="0">
-              <a:spcBef>
-                <a:spcPct val="0"/>
-              </a:spcBef>
-              <a:spcAft>
-                <a:spcPct val="0"/>
-              </a:spcAft>
-              <a:defRPr>
-                <a:solidFill>
-                  <a:schemeClr val="tx1"/>
-                </a:solidFill>
-                <a:latin typeface="Arial" charset="0"/>
-                <a:ea typeface="Arial" charset="0"/>
-                <a:cs typeface="Arial" charset="0"/>
-              </a:defRPr>
-            </a:lvl9pPr>
-          </a:lstStyle>
-          <a:p>
-            <a:pPr eaLnBrk="1" hangingPunct="1"/>
-            <a:fld id="{ED1F2067-FF58-7C4E-A384-F954385387DE}" type="datetime1">
-              <a:rPr lang="en-US" smtClean="0">
-                <a:latin typeface="Garamond" charset="0"/>
-              </a:rPr>
-              <a:t>1/20/16</a:t>
-            </a:fld>
-            <a:endParaRPr lang="en-US">
-              <a:latin typeface="Garamond" charset="0"/>
-            </a:endParaRPr>
-          </a:p>
-        </p:txBody>
-      </p:sp>
-      <p:sp>
-        <p:nvSpPr>
-          <p:cNvPr id="3" name="Footer Placeholder 2"/>
-          <p:cNvSpPr>
-            <a:spLocks noGrp="1"/>
-          </p:cNvSpPr>
-          <p:nvPr>
-            <p:ph type="ftr" sz="quarter" idx="11"/>
-          </p:nvPr>
-        </p:nvSpPr>
-        <p:spPr/>
-        <p:txBody>
-          <a:bodyPr/>
-          <a:lstStyle/>
-          <a:p>
-            <a:pPr>
-              <a:defRPr/>
-            </a:pPr>
-            <a:r>
-              <a:rPr lang="en-US" altLang="en-US" smtClean="0"/>
-              <a:t>ECE Application Programming: Lecture 3</a:t>
-            </a:r>
-            <a:endParaRPr lang="en-US" altLang="en-US"/>
-          </a:p>
-        </p:txBody>
-      </p:sp>
-    </p:spTree>
-    <p:extLst>
-      <p:ext uri="{BB962C8B-B14F-4D97-AF65-F5344CB8AC3E}">
-        <p14:creationId xmlns:p14="http://schemas.microsoft.com/office/powerpoint/2010/main" val="2616048635"/>
-      </p:ext>
-    </p:extLst>
-  </p:cSld>
-  <p:clrMapOvr>
-    <a:masterClrMapping/>
-  </p:clrMapOvr>
-  <p:timing>
-    <p:tnLst>
-      <p:par>
-        <p:cTn xmlns:p14="http://schemas.microsoft.com/office/powerpoint/2010/main" id="1" dur="indefinite" restart="never" nodeType="tmRoot"/>
-      </p:par>
-    </p:tnLst>
-  </p:timing>
-</p:sld>
-</file>
-
-<file path=ppt/slides/slide21.xml><?xml version="1.0" encoding="utf-8"?>
-<p:sld xmlns:a="http://schemas.openxmlformats.org/drawingml/2006/main" xmlns:r="http://schemas.openxmlformats.org/officeDocument/2006/relationships" xmlns:p="http://schemas.openxmlformats.org/presentationml/2006/main">
-  <p:cSld>
-    <p:spTree>
-      <p:nvGrpSpPr>
-        <p:cNvPr id="1" name=""/>
-        <p:cNvGrpSpPr/>
-        <p:nvPr/>
-      </p:nvGrpSpPr>
-      <p:grpSpPr>
-        <a:xfrm>
-          <a:off x="0" y="0"/>
-          <a:ext cx="0" cy="0"/>
-          <a:chOff x="0" y="0"/>
-          <a:chExt cx="0" cy="0"/>
-        </a:xfrm>
-      </p:grpSpPr>
-      <p:sp>
-        <p:nvSpPr>
-          <p:cNvPr id="4" name="Slide Number Placeholder 4"/>
-          <p:cNvSpPr>
-            <a:spLocks noGrp="1"/>
-          </p:cNvSpPr>
-          <p:nvPr>
-            <p:ph type="sldNum" sz="quarter" idx="12"/>
-          </p:nvPr>
-        </p:nvSpPr>
-        <p:spPr/>
-        <p:txBody>
-          <a:bodyPr/>
-          <a:lstStyle>
-            <a:lvl1pPr eaLnBrk="0" hangingPunct="0">
-              <a:defRPr>
-                <a:solidFill>
-                  <a:schemeClr val="tx1"/>
-                </a:solidFill>
-                <a:latin typeface="Arial" charset="0"/>
-                <a:ea typeface="ＭＳ Ｐゴシック" charset="0"/>
-                <a:cs typeface="Arial" charset="0"/>
-              </a:defRPr>
-            </a:lvl1pPr>
-            <a:lvl2pPr marL="742950" indent="-285750" eaLnBrk="0" hangingPunct="0">
-              <a:defRPr>
-                <a:solidFill>
-                  <a:schemeClr val="tx1"/>
-                </a:solidFill>
-                <a:latin typeface="Arial" charset="0"/>
-                <a:ea typeface="Arial" charset="0"/>
-                <a:cs typeface="Arial" charset="0"/>
-              </a:defRPr>
-            </a:lvl2pPr>
-            <a:lvl3pPr marL="1143000" indent="-228600" eaLnBrk="0" hangingPunct="0">
-              <a:defRPr>
-                <a:solidFill>
-                  <a:schemeClr val="tx1"/>
-                </a:solidFill>
-                <a:latin typeface="Arial" charset="0"/>
-                <a:ea typeface="Arial" charset="0"/>
-                <a:cs typeface="Arial" charset="0"/>
-              </a:defRPr>
-            </a:lvl3pPr>
-            <a:lvl4pPr marL="1600200" indent="-228600" eaLnBrk="0" hangingPunct="0">
-              <a:defRPr>
-                <a:solidFill>
-                  <a:schemeClr val="tx1"/>
-                </a:solidFill>
-                <a:latin typeface="Arial" charset="0"/>
-                <a:ea typeface="Arial" charset="0"/>
-                <a:cs typeface="Arial" charset="0"/>
-              </a:defRPr>
-            </a:lvl4pPr>
-            <a:lvl5pPr marL="2057400" indent="-228600" eaLnBrk="0" hangingPunct="0">
-              <a:defRPr>
-                <a:solidFill>
-                  <a:schemeClr val="tx1"/>
-                </a:solidFill>
-                <a:latin typeface="Arial" charset="0"/>
-                <a:ea typeface="Arial" charset="0"/>
-                <a:cs typeface="Arial" charset="0"/>
-              </a:defRPr>
-            </a:lvl5pPr>
-            <a:lvl6pPr marL="2514600" indent="-228600" eaLnBrk="0" fontAlgn="base" hangingPunct="0">
-              <a:spcBef>
-                <a:spcPct val="0"/>
-              </a:spcBef>
-              <a:spcAft>
-                <a:spcPct val="0"/>
-              </a:spcAft>
-              <a:defRPr>
-                <a:solidFill>
-                  <a:schemeClr val="tx1"/>
-                </a:solidFill>
-                <a:latin typeface="Arial" charset="0"/>
-                <a:ea typeface="Arial" charset="0"/>
-                <a:cs typeface="Arial" charset="0"/>
-              </a:defRPr>
-            </a:lvl6pPr>
-            <a:lvl7pPr marL="2971800" indent="-228600" eaLnBrk="0" fontAlgn="base" hangingPunct="0">
-              <a:spcBef>
-                <a:spcPct val="0"/>
-              </a:spcBef>
-              <a:spcAft>
-                <a:spcPct val="0"/>
-              </a:spcAft>
-              <a:defRPr>
-                <a:solidFill>
-                  <a:schemeClr val="tx1"/>
-                </a:solidFill>
-                <a:latin typeface="Arial" charset="0"/>
-                <a:ea typeface="Arial" charset="0"/>
-                <a:cs typeface="Arial" charset="0"/>
-              </a:defRPr>
-            </a:lvl7pPr>
-            <a:lvl8pPr marL="3429000" indent="-228600" eaLnBrk="0" fontAlgn="base" hangingPunct="0">
-              <a:spcBef>
-                <a:spcPct val="0"/>
-              </a:spcBef>
-              <a:spcAft>
-                <a:spcPct val="0"/>
-              </a:spcAft>
-              <a:defRPr>
-                <a:solidFill>
-                  <a:schemeClr val="tx1"/>
-                </a:solidFill>
-                <a:latin typeface="Arial" charset="0"/>
-                <a:ea typeface="Arial" charset="0"/>
-                <a:cs typeface="Arial" charset="0"/>
-              </a:defRPr>
-            </a:lvl8pPr>
-            <a:lvl9pPr marL="3886200" indent="-228600" eaLnBrk="0" fontAlgn="base" hangingPunct="0">
-              <a:spcBef>
-                <a:spcPct val="0"/>
-              </a:spcBef>
-              <a:spcAft>
-                <a:spcPct val="0"/>
-              </a:spcAft>
-              <a:defRPr>
-                <a:solidFill>
-                  <a:schemeClr val="tx1"/>
-                </a:solidFill>
-                <a:latin typeface="Arial" charset="0"/>
-                <a:ea typeface="Arial" charset="0"/>
-                <a:cs typeface="Arial" charset="0"/>
-              </a:defRPr>
-            </a:lvl9pPr>
-          </a:lstStyle>
-          <a:p>
-            <a:pPr eaLnBrk="1" hangingPunct="1"/>
-            <a:fld id="{70423896-84E5-7E4E-9DC3-E8FB4B1C6251}" type="slidenum">
-              <a:rPr lang="en-US">
-                <a:latin typeface="Garamond" charset="0"/>
-              </a:rPr>
-              <a:pPr eaLnBrk="1" hangingPunct="1"/>
-              <a:t>21</a:t>
-            </a:fld>
-            <a:endParaRPr lang="en-US">
-              <a:latin typeface="Garamond" charset="0"/>
-            </a:endParaRPr>
-          </a:p>
-        </p:txBody>
-      </p:sp>
-      <p:sp>
-        <p:nvSpPr>
-          <p:cNvPr id="7171" name="Rectangle 2"/>
-          <p:cNvSpPr>
-            <a:spLocks noGrp="1" noChangeArrowheads="1"/>
-          </p:cNvSpPr>
-          <p:nvPr>
-            <p:ph type="title"/>
-          </p:nvPr>
-        </p:nvSpPr>
-        <p:spPr/>
-        <p:txBody>
-          <a:bodyPr/>
-          <a:lstStyle/>
-          <a:p>
-            <a:r>
-              <a:rPr lang="en-US">
-                <a:latin typeface="Garamond" charset="0"/>
-              </a:rPr>
-              <a:t>Results of arithmetic operations</a:t>
-            </a:r>
-          </a:p>
-        </p:txBody>
-      </p:sp>
-      <p:sp>
-        <p:nvSpPr>
-          <p:cNvPr id="49155" name="Text Box 3"/>
-          <p:cNvSpPr txBox="1">
-            <a:spLocks noChangeArrowheads="1"/>
-          </p:cNvSpPr>
-          <p:nvPr/>
-        </p:nvSpPr>
-        <p:spPr bwMode="auto">
-          <a:xfrm>
-            <a:off x="685800" y="1752600"/>
-            <a:ext cx="7620000" cy="4108450"/>
-          </a:xfrm>
-          <a:prstGeom prst="rect">
-            <a:avLst/>
-          </a:prstGeom>
-          <a:noFill/>
-          <a:ln w="9525">
-            <a:noFill/>
-            <a:miter lim="800000"/>
-            <a:headEnd/>
-            <a:tailEnd/>
-          </a:ln>
-          <a:effectLst/>
-        </p:spPr>
-        <p:txBody>
-          <a:bodyPr>
-            <a:spAutoFit/>
-          </a:bodyPr>
-          <a:lstStyle>
-            <a:lvl1pPr eaLnBrk="0" hangingPunct="0">
-              <a:defRPr>
-                <a:solidFill>
-                  <a:schemeClr val="tx1"/>
-                </a:solidFill>
-                <a:latin typeface="Arial" charset="0"/>
-                <a:ea typeface="ＭＳ Ｐゴシック" charset="0"/>
-                <a:cs typeface="Arial" charset="0"/>
-              </a:defRPr>
-            </a:lvl1pPr>
-            <a:lvl2pPr marL="742950" indent="-285750" eaLnBrk="0" hangingPunct="0">
-              <a:defRPr>
-                <a:solidFill>
-                  <a:schemeClr val="tx1"/>
-                </a:solidFill>
-                <a:latin typeface="Arial" charset="0"/>
-                <a:ea typeface="Arial" charset="0"/>
-                <a:cs typeface="Arial" charset="0"/>
-              </a:defRPr>
-            </a:lvl2pPr>
-            <a:lvl3pPr marL="1143000" indent="-228600" eaLnBrk="0" hangingPunct="0">
-              <a:defRPr>
-                <a:solidFill>
-                  <a:schemeClr val="tx1"/>
-                </a:solidFill>
-                <a:latin typeface="Arial" charset="0"/>
-                <a:ea typeface="Arial" charset="0"/>
-                <a:cs typeface="Arial" charset="0"/>
-              </a:defRPr>
-            </a:lvl3pPr>
-            <a:lvl4pPr marL="1600200" indent="-228600" eaLnBrk="0" hangingPunct="0">
-              <a:defRPr>
-                <a:solidFill>
-                  <a:schemeClr val="tx1"/>
-                </a:solidFill>
-                <a:latin typeface="Arial" charset="0"/>
-                <a:ea typeface="Arial" charset="0"/>
-                <a:cs typeface="Arial" charset="0"/>
-              </a:defRPr>
-            </a:lvl4pPr>
-            <a:lvl5pPr marL="2057400" indent="-228600" eaLnBrk="0" hangingPunct="0">
-              <a:defRPr>
-                <a:solidFill>
-                  <a:schemeClr val="tx1"/>
-                </a:solidFill>
-                <a:latin typeface="Arial" charset="0"/>
-                <a:ea typeface="Arial" charset="0"/>
-                <a:cs typeface="Arial" charset="0"/>
-              </a:defRPr>
-            </a:lvl5pPr>
-            <a:lvl6pPr marL="2514600" indent="-228600" eaLnBrk="0" fontAlgn="base" hangingPunct="0">
-              <a:spcBef>
-                <a:spcPct val="0"/>
-              </a:spcBef>
-              <a:spcAft>
-                <a:spcPct val="0"/>
-              </a:spcAft>
-              <a:defRPr>
-                <a:solidFill>
-                  <a:schemeClr val="tx1"/>
-                </a:solidFill>
-                <a:latin typeface="Arial" charset="0"/>
-                <a:ea typeface="Arial" charset="0"/>
-                <a:cs typeface="Arial" charset="0"/>
-              </a:defRPr>
-            </a:lvl6pPr>
-            <a:lvl7pPr marL="2971800" indent="-228600" eaLnBrk="0" fontAlgn="base" hangingPunct="0">
-              <a:spcBef>
-                <a:spcPct val="0"/>
-              </a:spcBef>
-              <a:spcAft>
-                <a:spcPct val="0"/>
-              </a:spcAft>
-              <a:defRPr>
-                <a:solidFill>
-                  <a:schemeClr val="tx1"/>
-                </a:solidFill>
-                <a:latin typeface="Arial" charset="0"/>
-                <a:ea typeface="Arial" charset="0"/>
-                <a:cs typeface="Arial" charset="0"/>
-              </a:defRPr>
-            </a:lvl7pPr>
-            <a:lvl8pPr marL="3429000" indent="-228600" eaLnBrk="0" fontAlgn="base" hangingPunct="0">
-              <a:spcBef>
-                <a:spcPct val="0"/>
-              </a:spcBef>
-              <a:spcAft>
-                <a:spcPct val="0"/>
-              </a:spcAft>
-              <a:defRPr>
-                <a:solidFill>
-                  <a:schemeClr val="tx1"/>
-                </a:solidFill>
-                <a:latin typeface="Arial" charset="0"/>
-                <a:ea typeface="Arial" charset="0"/>
-                <a:cs typeface="Arial" charset="0"/>
-              </a:defRPr>
-            </a:lvl8pPr>
-            <a:lvl9pPr marL="3886200" indent="-228600" eaLnBrk="0" fontAlgn="base" hangingPunct="0">
-              <a:spcBef>
-                <a:spcPct val="0"/>
-              </a:spcBef>
-              <a:spcAft>
-                <a:spcPct val="0"/>
-              </a:spcAft>
-              <a:defRPr>
-                <a:solidFill>
-                  <a:schemeClr val="tx1"/>
-                </a:solidFill>
-                <a:latin typeface="Arial" charset="0"/>
-                <a:ea typeface="Arial" charset="0"/>
-                <a:cs typeface="Arial" charset="0"/>
-              </a:defRPr>
-            </a:lvl9pPr>
-          </a:lstStyle>
-          <a:p>
-            <a:pPr eaLnBrk="1" hangingPunct="1">
-              <a:spcBef>
-                <a:spcPct val="50000"/>
-              </a:spcBef>
-            </a:pPr>
-            <a:r>
-              <a:rPr lang="en-US">
-                <a:latin typeface="Courier New" charset="0"/>
-              </a:rPr>
-              <a:t>3+7			10</a:t>
-            </a:r>
-          </a:p>
-          <a:p>
-            <a:pPr eaLnBrk="1" hangingPunct="1">
-              <a:spcBef>
-                <a:spcPct val="50000"/>
-              </a:spcBef>
-              <a:buFontTx/>
-              <a:buAutoNum type="arabicPlain" startAt="18"/>
-            </a:pPr>
-            <a:r>
-              <a:rPr lang="en-US">
-                <a:latin typeface="Courier New" charset="0"/>
-              </a:rPr>
-              <a:t>-    3.0		15.0	(using non-integer makes 					result double precision)</a:t>
-            </a:r>
-          </a:p>
-          <a:p>
-            <a:pPr eaLnBrk="1" hangingPunct="1">
-              <a:spcBef>
-                <a:spcPct val="50000"/>
-              </a:spcBef>
-            </a:pPr>
-            <a:r>
-              <a:rPr lang="en-US">
-                <a:latin typeface="Courier New" charset="0"/>
-              </a:rPr>
-              <a:t>12.62 + 9.8		22.42</a:t>
-            </a:r>
-          </a:p>
-          <a:p>
-            <a:pPr eaLnBrk="1" hangingPunct="1">
-              <a:spcBef>
-                <a:spcPct val="50000"/>
-              </a:spcBef>
-            </a:pPr>
-            <a:r>
-              <a:rPr lang="en-US">
-                <a:latin typeface="Courier New" charset="0"/>
-              </a:rPr>
-              <a:t>.08*12.3		0.984</a:t>
-            </a:r>
-          </a:p>
-          <a:p>
-            <a:pPr eaLnBrk="1" hangingPunct="1">
-              <a:spcBef>
-                <a:spcPct val="50000"/>
-              </a:spcBef>
-            </a:pPr>
-            <a:r>
-              <a:rPr lang="en-US">
-                <a:latin typeface="Courier New" charset="0"/>
-              </a:rPr>
-              <a:t>12.0/   2.0		6.0</a:t>
-            </a:r>
-          </a:p>
-          <a:p>
-            <a:pPr eaLnBrk="1" hangingPunct="1">
-              <a:spcBef>
-                <a:spcPct val="50000"/>
-              </a:spcBef>
-            </a:pPr>
-            <a:r>
-              <a:rPr lang="en-US">
-                <a:latin typeface="Courier New" charset="0"/>
-              </a:rPr>
-              <a:t>10/5			2</a:t>
-            </a:r>
-          </a:p>
-          <a:p>
-            <a:pPr eaLnBrk="1" hangingPunct="1">
-              <a:spcBef>
-                <a:spcPct val="50000"/>
-              </a:spcBef>
-            </a:pPr>
-            <a:r>
-              <a:rPr lang="en-US">
-                <a:latin typeface="Courier New" charset="0"/>
-              </a:rPr>
-              <a:t>10/3			3	(not 3.333…)</a:t>
-            </a:r>
-          </a:p>
-          <a:p>
-            <a:pPr eaLnBrk="1" hangingPunct="1">
-              <a:spcBef>
-                <a:spcPct val="50000"/>
-              </a:spcBef>
-            </a:pPr>
-            <a:r>
-              <a:rPr lang="en-US">
-                <a:latin typeface="Courier New" charset="0"/>
-              </a:rPr>
-              <a:t>10 % 3			1</a:t>
-            </a:r>
-          </a:p>
-          <a:p>
-            <a:pPr eaLnBrk="1" hangingPunct="1">
-              <a:spcBef>
-                <a:spcPct val="50000"/>
-              </a:spcBef>
-            </a:pPr>
-            <a:r>
-              <a:rPr lang="en-US">
-                <a:latin typeface="Courier New" charset="0"/>
-              </a:rPr>
-              <a:t>12 % 5			2</a:t>
-            </a:r>
-          </a:p>
-        </p:txBody>
-      </p:sp>
-      <p:sp>
-        <p:nvSpPr>
-          <p:cNvPr id="2" name="Date Placeholder 1"/>
-          <p:cNvSpPr>
-            <a:spLocks noGrp="1"/>
-          </p:cNvSpPr>
-          <p:nvPr>
-            <p:ph type="dt" sz="quarter" idx="10"/>
-          </p:nvPr>
-        </p:nvSpPr>
-        <p:spPr/>
-        <p:txBody>
-          <a:bodyPr/>
-          <a:lstStyle>
-            <a:lvl1pPr eaLnBrk="0" hangingPunct="0">
-              <a:defRPr>
-                <a:solidFill>
-                  <a:schemeClr val="tx1"/>
-                </a:solidFill>
-                <a:latin typeface="Arial" charset="0"/>
-                <a:ea typeface="ＭＳ Ｐゴシック" charset="0"/>
-                <a:cs typeface="Arial" charset="0"/>
-              </a:defRPr>
-            </a:lvl1pPr>
-            <a:lvl2pPr marL="742950" indent="-285750" eaLnBrk="0" hangingPunct="0">
-              <a:defRPr>
-                <a:solidFill>
-                  <a:schemeClr val="tx1"/>
-                </a:solidFill>
-                <a:latin typeface="Arial" charset="0"/>
-                <a:ea typeface="Arial" charset="0"/>
-                <a:cs typeface="Arial" charset="0"/>
-              </a:defRPr>
-            </a:lvl2pPr>
-            <a:lvl3pPr marL="1143000" indent="-228600" eaLnBrk="0" hangingPunct="0">
-              <a:defRPr>
-                <a:solidFill>
-                  <a:schemeClr val="tx1"/>
-                </a:solidFill>
-                <a:latin typeface="Arial" charset="0"/>
-                <a:ea typeface="Arial" charset="0"/>
-                <a:cs typeface="Arial" charset="0"/>
-              </a:defRPr>
-            </a:lvl3pPr>
-            <a:lvl4pPr marL="1600200" indent="-228600" eaLnBrk="0" hangingPunct="0">
-              <a:defRPr>
-                <a:solidFill>
-                  <a:schemeClr val="tx1"/>
-                </a:solidFill>
-                <a:latin typeface="Arial" charset="0"/>
-                <a:ea typeface="Arial" charset="0"/>
-                <a:cs typeface="Arial" charset="0"/>
-              </a:defRPr>
-            </a:lvl4pPr>
-            <a:lvl5pPr marL="2057400" indent="-228600" eaLnBrk="0" hangingPunct="0">
-              <a:defRPr>
-                <a:solidFill>
-                  <a:schemeClr val="tx1"/>
-                </a:solidFill>
-                <a:latin typeface="Arial" charset="0"/>
-                <a:ea typeface="Arial" charset="0"/>
-                <a:cs typeface="Arial" charset="0"/>
-              </a:defRPr>
-            </a:lvl5pPr>
-            <a:lvl6pPr marL="2514600" indent="-228600" eaLnBrk="0" fontAlgn="base" hangingPunct="0">
-              <a:spcBef>
-                <a:spcPct val="0"/>
-              </a:spcBef>
-              <a:spcAft>
-                <a:spcPct val="0"/>
-              </a:spcAft>
-              <a:defRPr>
-                <a:solidFill>
-                  <a:schemeClr val="tx1"/>
-                </a:solidFill>
-                <a:latin typeface="Arial" charset="0"/>
-                <a:ea typeface="Arial" charset="0"/>
-                <a:cs typeface="Arial" charset="0"/>
-              </a:defRPr>
-            </a:lvl6pPr>
-            <a:lvl7pPr marL="2971800" indent="-228600" eaLnBrk="0" fontAlgn="base" hangingPunct="0">
-              <a:spcBef>
-                <a:spcPct val="0"/>
-              </a:spcBef>
-              <a:spcAft>
-                <a:spcPct val="0"/>
-              </a:spcAft>
-              <a:defRPr>
-                <a:solidFill>
-                  <a:schemeClr val="tx1"/>
-                </a:solidFill>
-                <a:latin typeface="Arial" charset="0"/>
-                <a:ea typeface="Arial" charset="0"/>
-                <a:cs typeface="Arial" charset="0"/>
-              </a:defRPr>
-            </a:lvl7pPr>
-            <a:lvl8pPr marL="3429000" indent="-228600" eaLnBrk="0" fontAlgn="base" hangingPunct="0">
-              <a:spcBef>
-                <a:spcPct val="0"/>
-              </a:spcBef>
-              <a:spcAft>
-                <a:spcPct val="0"/>
-              </a:spcAft>
-              <a:defRPr>
-                <a:solidFill>
-                  <a:schemeClr val="tx1"/>
-                </a:solidFill>
-                <a:latin typeface="Arial" charset="0"/>
-                <a:ea typeface="Arial" charset="0"/>
-                <a:cs typeface="Arial" charset="0"/>
-              </a:defRPr>
-            </a:lvl8pPr>
-            <a:lvl9pPr marL="3886200" indent="-228600" eaLnBrk="0" fontAlgn="base" hangingPunct="0">
-              <a:spcBef>
-                <a:spcPct val="0"/>
-              </a:spcBef>
-              <a:spcAft>
-                <a:spcPct val="0"/>
-              </a:spcAft>
-              <a:defRPr>
-                <a:solidFill>
-                  <a:schemeClr val="tx1"/>
-                </a:solidFill>
-                <a:latin typeface="Arial" charset="0"/>
-                <a:ea typeface="Arial" charset="0"/>
-                <a:cs typeface="Arial" charset="0"/>
-              </a:defRPr>
-            </a:lvl9pPr>
-          </a:lstStyle>
-          <a:p>
-            <a:pPr eaLnBrk="1" hangingPunct="1"/>
-            <a:fld id="{4639EE78-4803-0848-A704-FE9FADFAC9CD}" type="datetime1">
-              <a:rPr lang="en-US" smtClean="0">
-                <a:latin typeface="Garamond" charset="0"/>
-              </a:rPr>
-              <a:t>1/20/16</a:t>
-            </a:fld>
-            <a:endParaRPr lang="en-US">
-              <a:latin typeface="Garamond" charset="0"/>
-            </a:endParaRPr>
-          </a:p>
-        </p:txBody>
-      </p:sp>
-      <p:sp>
-        <p:nvSpPr>
-          <p:cNvPr id="3" name="Footer Placeholder 2"/>
-          <p:cNvSpPr>
-            <a:spLocks noGrp="1"/>
-          </p:cNvSpPr>
-          <p:nvPr>
-            <p:ph type="ftr" sz="quarter" idx="11"/>
-          </p:nvPr>
-        </p:nvSpPr>
-        <p:spPr/>
-        <p:txBody>
-          <a:bodyPr/>
-          <a:lstStyle/>
-          <a:p>
-            <a:pPr>
-              <a:defRPr/>
-            </a:pPr>
-            <a:r>
-              <a:rPr lang="en-US" altLang="en-US" smtClean="0"/>
-              <a:t>ECE Application Programming: Lecture 3</a:t>
-            </a:r>
-            <a:endParaRPr lang="en-US" altLang="en-US"/>
-          </a:p>
-        </p:txBody>
-      </p:sp>
-    </p:spTree>
-    <p:extLst>
-      <p:ext uri="{BB962C8B-B14F-4D97-AF65-F5344CB8AC3E}">
-        <p14:creationId xmlns:p14="http://schemas.microsoft.com/office/powerpoint/2010/main" val="162645784"/>
-      </p:ext>
-    </p:extLst>
-  </p:cSld>
-  <p:clrMapOvr>
-    <a:masterClrMapping/>
-  </p:clrMapOvr>
-  <p:timing>
-    <p:tnLst>
-      <p:par>
-        <p:cTn xmlns:p14="http://schemas.microsoft.com/office/powerpoint/2010/main" id="1" dur="indefinite" restart="never" nodeType="tmRoot"/>
-      </p:par>
-    </p:tnLst>
-  </p:timing>
-</p:sld>
-</file>
-
-<file path=ppt/slides/slide22.xml><?xml version="1.0" encoding="utf-8"?>
-<p:sld xmlns:a="http://schemas.openxmlformats.org/drawingml/2006/main" xmlns:r="http://schemas.openxmlformats.org/officeDocument/2006/relationships" xmlns:p="http://schemas.openxmlformats.org/presentationml/2006/main">
-  <p:cSld>
-    <p:spTree>
-      <p:nvGrpSpPr>
-        <p:cNvPr id="1" name=""/>
-        <p:cNvGrpSpPr/>
-        <p:nvPr/>
-      </p:nvGrpSpPr>
-      <p:grpSpPr>
-        <a:xfrm>
-          <a:off x="0" y="0"/>
-          <a:ext cx="0" cy="0"/>
-          <a:chOff x="0" y="0"/>
-          <a:chExt cx="0" cy="0"/>
-        </a:xfrm>
-      </p:grpSpPr>
-      <p:sp>
-        <p:nvSpPr>
-          <p:cNvPr id="8194" name="Title 1"/>
+          <p:cNvPr id="22530" name="Title 1"/>
           <p:cNvSpPr>
             <a:spLocks noGrp="1"/>
           </p:cNvSpPr>
@@ -25686,14 +23606,14 @@
               <a:rPr lang="en-US">
                 <a:latin typeface="Garamond" charset="0"/>
               </a:rPr>
-              <a:t>Operators (cont.)</a:t>
+              <a:t>Final notes</a:t>
             </a:r>
           </a:p>
         </p:txBody>
       </p:sp>
       <p:sp>
         <p:nvSpPr>
-          <p:cNvPr id="8195" name="Content Placeholder 2"/>
+          <p:cNvPr id="22531" name="Content Placeholder 2"/>
           <p:cNvSpPr>
             <a:spLocks noGrp="1"/>
           </p:cNvSpPr>
@@ -25707,125 +23627,131 @@
           <a:lstStyle/>
           <a:p>
             <a:r>
-              <a:rPr lang="en-US">
+              <a:rPr lang="en-US" dirty="0">
                 <a:latin typeface="Arial" charset="0"/>
               </a:rPr>
-              <a:t>Previous operators are binary</a:t>
+              <a:t>Next time</a:t>
             </a:r>
           </a:p>
           <a:p>
             <a:pPr lvl="1"/>
             <a:r>
-              <a:rPr lang="en-US">
+              <a:rPr lang="en-US" dirty="0">
                 <a:latin typeface="Arial" charset="0"/>
               </a:rPr>
-              <a:t>Deal with two values</a:t>
-            </a:r>
-          </a:p>
-          <a:p>
-            <a:r>
-              <a:rPr lang="en-US">
+              <a:t>Operators</a:t>
+            </a:r>
+          </a:p>
+          <a:p>
+            <a:pPr lvl="1"/>
+            <a:r>
+              <a:rPr lang="en-US" dirty="0">
                 <a:latin typeface="Arial" charset="0"/>
               </a:rPr>
-              <a:t>C also supports some unary operators</a:t>
-            </a:r>
-          </a:p>
-          <a:p>
-            <a:pPr lvl="1"/>
-            <a:r>
-              <a:rPr lang="en-US">
+              <a:t>Output using </a:t>
+            </a:r>
+            <a:r>
+              <a:rPr lang="en-US" dirty="0" err="1">
                 <a:latin typeface="Arial" charset="0"/>
               </a:rPr>
-              <a:t>For now, we’ll simply deal with unary negation</a:t>
-            </a:r>
-          </a:p>
-          <a:p>
-            <a:pPr lvl="1"/>
-            <a:r>
-              <a:rPr lang="en-US">
+              <a:t>printf</a:t>
+            </a:r>
+            <a:r>
+              <a:rPr lang="en-US" dirty="0">
                 <a:latin typeface="Arial" charset="0"/>
               </a:rPr>
-              <a:t>e.g., if x = 3, the statement</a:t>
+              <a:t>()</a:t>
+            </a:r>
+          </a:p>
+          <a:p>
+            <a:r>
+              <a:rPr lang="en-US" dirty="0">
+                <a:latin typeface="Arial" charset="0"/>
+              </a:rPr>
+              <a:t>Reminders:</a:t>
             </a:r>
           </a:p>
           <a:p>
             <a:pPr lvl="1">
-              <a:buFont typeface="Wingdings" charset="0"/>
-              <a:buNone/>
+              <a:lnSpc>
+                <a:spcPct val="90000"/>
+              </a:lnSpc>
+              <a:defRPr/>
             </a:pPr>
             <a:r>
-              <a:rPr lang="en-US">
+              <a:rPr lang="en-US" sz="2400" dirty="0">
                 <a:latin typeface="Arial" charset="0"/>
               </a:rPr>
-              <a:t>		</a:t>
-            </a:r>
-            <a:r>
-              <a:rPr lang="en-US">
-                <a:latin typeface="Courier New" charset="0"/>
-                <a:cs typeface="Courier New" charset="0"/>
+              <a:t>Sign up for the course discussion group</a:t>
+            </a:r>
+          </a:p>
+          <a:p>
+            <a:pPr lvl="1">
+              <a:lnSpc>
+                <a:spcPct val="90000"/>
+              </a:lnSpc>
+              <a:defRPr/>
+            </a:pPr>
+            <a:r>
+              <a:rPr lang="en-US" sz="2400" dirty="0">
+                <a:latin typeface="Arial" charset="0"/>
               </a:rPr>
-              <a:t>-x;</a:t>
-            </a:r>
-          </a:p>
-          <a:p>
-            <a:pPr>
-              <a:buFont typeface="Wingdings" charset="0"/>
-              <a:buNone/>
+              <a:t>Program 1 due Wednesday, 1/27</a:t>
+            </a:r>
+          </a:p>
+          <a:p>
+            <a:pPr lvl="2">
+              <a:lnSpc>
+                <a:spcPct val="80000"/>
+              </a:lnSpc>
+              <a:defRPr/>
             </a:pPr>
             <a:r>
-              <a:rPr lang="en-US">
+              <a:rPr lang="en-US" sz="2000" dirty="0">
                 <a:latin typeface="Arial" charset="0"/>
               </a:rPr>
-              <a:t>	   </a:t>
-            </a:r>
-            <a:r>
-              <a:rPr lang="en-US" sz="2600">
+              <a:t>10 points: e-mail Dr. Geiger for shared </a:t>
+            </a:r>
+            <a:r>
+              <a:rPr lang="en-US" sz="2000" dirty="0" err="1">
                 <a:latin typeface="Arial" charset="0"/>
               </a:rPr>
-              <a:t>produces the value -3</a:t>
-            </a:r>
-          </a:p>
-          <a:p>
-            <a:pPr lvl="1"/>
-            <a:r>
-              <a:rPr lang="en-US" sz="2200" b="1" u="sng">
-                <a:solidFill>
-                  <a:srgbClr val="FF0000"/>
-                </a:solidFill>
+              <a:t>Dropbox</a:t>
+            </a:r>
+            <a:r>
+              <a:rPr lang="en-US" sz="2000" dirty="0">
                 <a:latin typeface="Arial" charset="0"/>
               </a:rPr>
-              <a:t>Important note:</a:t>
-            </a:r>
-            <a:r>
-              <a:rPr lang="en-US" sz="2200">
-                <a:solidFill>
-                  <a:srgbClr val="FF0000"/>
-                </a:solidFill>
+              <a:t> folder</a:t>
+            </a:r>
+          </a:p>
+          <a:p>
+            <a:pPr lvl="2">
+              <a:lnSpc>
+                <a:spcPct val="80000"/>
+              </a:lnSpc>
+              <a:defRPr/>
+            </a:pPr>
+            <a:r>
+              <a:rPr lang="en-US" sz="2000" dirty="0">
                 <a:latin typeface="Arial" charset="0"/>
               </a:rPr>
-              <a:t> </a:t>
-            </a:r>
-            <a:r>
-              <a:rPr lang="en-US" sz="2200">
+              <a:t>10 points: introduce yourself to your instructor</a:t>
+            </a:r>
+          </a:p>
+          <a:p>
+            <a:pPr lvl="2">
+              <a:lnSpc>
+                <a:spcPct val="80000"/>
+              </a:lnSpc>
+              <a:defRPr/>
+            </a:pPr>
+            <a:r>
+              <a:rPr lang="en-US" sz="2000" dirty="0">
                 <a:latin typeface="Arial" charset="0"/>
               </a:rPr>
-              <a:t>The statement above does </a:t>
-            </a:r>
-            <a:r>
-              <a:rPr lang="en-US" sz="2200" u="sng">
-                <a:latin typeface="Arial" charset="0"/>
-              </a:rPr>
-              <a:t>not</a:t>
-            </a:r>
-            <a:r>
-              <a:rPr lang="en-US" sz="2200">
-                <a:latin typeface="Arial" charset="0"/>
-              </a:rPr>
-              <a:t> change the value of x</a:t>
-            </a:r>
-            <a:endParaRPr lang="en-US" sz="2200" b="1" u="sng">
-              <a:latin typeface="Arial" charset="0"/>
-            </a:endParaRPr>
+              <a:t>30 points: complete simple C program</a:t>
+            </a:r>
           </a:p>
         </p:txBody>
       </p:sp>
@@ -25960,11 +23886,11 @@
           </a:lstStyle>
           <a:p>
             <a:pPr eaLnBrk="1" hangingPunct="1"/>
-            <a:fld id="{F3FEF6D6-DC91-5B4F-B016-F52C5AD32E7E}" type="datetime1">
+            <a:fld id="{C94FD510-387F-114A-A904-56F82F852BCD}" type="datetime1">
               <a:rPr lang="en-US" smtClean="0">
                 <a:latin typeface="Garamond" charset="0"/>
               </a:rPr>
-              <a:t>1/20/16</a:t>
+              <a:t>1/25/16</a:t>
             </a:fld>
             <a:endParaRPr lang="en-US">
               <a:latin typeface="Garamond" charset="0"/>
@@ -25991,10 +23917,9 @@
               <a:defRPr/>
             </a:pPr>
             <a:r>
-              <a:rPr lang="en-US" altLang="en-US" smtClean="0"/>
+              <a:rPr lang="en-US" altLang="en-US"/>
               <a:t>ECE Application Programming: Lecture 3</a:t>
             </a:r>
-            <a:endParaRPr lang="en-US" altLang="en-US"/>
           </a:p>
         </p:txBody>
       </p:sp>
@@ -26129,3252 +24054,12 @@
           </a:lstStyle>
           <a:p>
             <a:pPr eaLnBrk="1" hangingPunct="1"/>
-            <a:fld id="{E8FE670C-5ECE-814F-A532-2172DBC5699E}" type="slidenum">
-              <a:rPr lang="en-US">
-                <a:latin typeface="Garamond" charset="0"/>
-              </a:rPr>
-              <a:pPr eaLnBrk="1" hangingPunct="1"/>
-              <a:t>22</a:t>
-            </a:fld>
-            <a:endParaRPr lang="en-US">
-              <a:latin typeface="Garamond" charset="0"/>
-            </a:endParaRPr>
-          </a:p>
-        </p:txBody>
-      </p:sp>
-    </p:spTree>
-    <p:extLst>
-      <p:ext uri="{BB962C8B-B14F-4D97-AF65-F5344CB8AC3E}">
-        <p14:creationId xmlns:p14="http://schemas.microsoft.com/office/powerpoint/2010/main" val="857241854"/>
-      </p:ext>
-    </p:extLst>
-  </p:cSld>
-  <p:clrMapOvr>
-    <a:masterClrMapping/>
-  </p:clrMapOvr>
-  <p:timing>
-    <p:tnLst>
-      <p:par>
-        <p:cTn xmlns:p14="http://schemas.microsoft.com/office/powerpoint/2010/main" id="1" dur="indefinite" restart="never" nodeType="tmRoot"/>
-      </p:par>
-    </p:tnLst>
-  </p:timing>
-</p:sld>
-</file>
-
-<file path=ppt/slides/slide23.xml><?xml version="1.0" encoding="utf-8"?>
-<p:sld xmlns:a="http://schemas.openxmlformats.org/drawingml/2006/main" xmlns:r="http://schemas.openxmlformats.org/officeDocument/2006/relationships" xmlns:p="http://schemas.openxmlformats.org/presentationml/2006/main">
-  <p:cSld>
-    <p:spTree>
-      <p:nvGrpSpPr>
-        <p:cNvPr id="1" name=""/>
-        <p:cNvGrpSpPr/>
-        <p:nvPr/>
-      </p:nvGrpSpPr>
-      <p:grpSpPr>
-        <a:xfrm>
-          <a:off x="0" y="0"/>
-          <a:ext cx="0" cy="0"/>
-          <a:chOff x="0" y="0"/>
-          <a:chExt cx="0" cy="0"/>
-        </a:xfrm>
-      </p:grpSpPr>
-      <p:sp>
-        <p:nvSpPr>
-          <p:cNvPr id="9218" name="Title 1"/>
-          <p:cNvSpPr>
-            <a:spLocks noGrp="1"/>
-          </p:cNvSpPr>
-          <p:nvPr>
-            <p:ph type="title"/>
-          </p:nvPr>
-        </p:nvSpPr>
-        <p:spPr/>
-        <p:txBody>
-          <a:bodyPr/>
-          <a:lstStyle/>
-          <a:p>
-            <a:r>
-              <a:rPr lang="en-US">
-                <a:latin typeface="Garamond" charset="0"/>
-              </a:rPr>
-              <a:t>Operators and variables</a:t>
-            </a:r>
-          </a:p>
-        </p:txBody>
-      </p:sp>
-      <p:sp>
-        <p:nvSpPr>
-          <p:cNvPr id="3" name="Content Placeholder 2"/>
-          <p:cNvSpPr>
-            <a:spLocks noGrp="1"/>
-          </p:cNvSpPr>
-          <p:nvPr>
-            <p:ph idx="1"/>
-          </p:nvPr>
-        </p:nvSpPr>
-        <p:spPr/>
-        <p:txBody>
-          <a:bodyPr>
-            <a:normAutofit/>
-          </a:bodyPr>
-          <a:lstStyle/>
-          <a:p>
-            <a:pPr>
-              <a:lnSpc>
-                <a:spcPct val="80000"/>
-              </a:lnSpc>
-            </a:pPr>
-            <a:r>
-              <a:rPr lang="en-US" sz="2600">
-                <a:latin typeface="Arial" charset="0"/>
-              </a:rPr>
-              <a:t>Operators can be used either with constants or variables</a:t>
-            </a:r>
-          </a:p>
-          <a:p>
-            <a:pPr>
-              <a:lnSpc>
-                <a:spcPct val="80000"/>
-              </a:lnSpc>
-            </a:pPr>
-            <a:r>
-              <a:rPr lang="en-US" sz="2600">
-                <a:latin typeface="Arial" charset="0"/>
-              </a:rPr>
-              <a:t>Examples:</a:t>
-            </a:r>
-          </a:p>
-          <a:p>
-            <a:pPr>
-              <a:lnSpc>
-                <a:spcPct val="80000"/>
-              </a:lnSpc>
-              <a:buFont typeface="Wingdings" charset="0"/>
-              <a:buNone/>
-            </a:pPr>
-            <a:r>
-              <a:rPr lang="en-US" sz="2600">
-                <a:latin typeface="Arial" charset="0"/>
-              </a:rPr>
-              <a:t>	</a:t>
-            </a:r>
-            <a:r>
-              <a:rPr lang="en-US" sz="2600" b="1">
-                <a:latin typeface="Courier New" charset="0"/>
-                <a:cs typeface="Courier New" charset="0"/>
-              </a:rPr>
-              <a:t>int main() {</a:t>
-            </a:r>
-          </a:p>
-          <a:p>
-            <a:pPr>
-              <a:lnSpc>
-                <a:spcPct val="80000"/>
-              </a:lnSpc>
-              <a:buFont typeface="Wingdings" charset="0"/>
-              <a:buNone/>
-            </a:pPr>
-            <a:r>
-              <a:rPr lang="en-US" sz="2600" b="1">
-                <a:latin typeface="Courier New" charset="0"/>
-                <a:cs typeface="Courier New" charset="0"/>
-              </a:rPr>
-              <a:t>		int w, x, y, z;</a:t>
-            </a:r>
-          </a:p>
-          <a:p>
-            <a:pPr>
-              <a:lnSpc>
-                <a:spcPct val="80000"/>
-              </a:lnSpc>
-              <a:buFont typeface="Wingdings" charset="0"/>
-              <a:buNone/>
-            </a:pPr>
-            <a:r>
-              <a:rPr lang="en-US" sz="2600" b="1">
-                <a:latin typeface="Courier New" charset="0"/>
-                <a:cs typeface="Courier New" charset="0"/>
-              </a:rPr>
-              <a:t>		w = 3 + 2;		</a:t>
-            </a:r>
-            <a:r>
-              <a:rPr lang="en-US" sz="2600" b="1">
-                <a:solidFill>
-                  <a:srgbClr val="FF0000"/>
-                </a:solidFill>
-                <a:latin typeface="Courier New" charset="0"/>
-                <a:cs typeface="Courier New" charset="0"/>
-              </a:rPr>
-              <a:t>// w = 5</a:t>
-            </a:r>
-          </a:p>
-          <a:p>
-            <a:pPr>
-              <a:lnSpc>
-                <a:spcPct val="80000"/>
-              </a:lnSpc>
-              <a:buFont typeface="Wingdings" charset="0"/>
-              <a:buNone/>
-            </a:pPr>
-            <a:r>
-              <a:rPr lang="en-US" sz="2600" b="1">
-                <a:latin typeface="Courier New" charset="0"/>
-                <a:cs typeface="Courier New" charset="0"/>
-              </a:rPr>
-              <a:t>		x = -w;			</a:t>
-            </a:r>
-            <a:r>
-              <a:rPr lang="en-US" sz="2600" b="1">
-                <a:solidFill>
-                  <a:srgbClr val="FF0000"/>
-                </a:solidFill>
-                <a:latin typeface="Courier New" charset="0"/>
-                <a:cs typeface="Courier New" charset="0"/>
-              </a:rPr>
-              <a:t>// x = -5</a:t>
-            </a:r>
-            <a:endParaRPr lang="en-US" sz="2600" b="1">
-              <a:latin typeface="Courier New" charset="0"/>
-              <a:cs typeface="Courier New" charset="0"/>
-            </a:endParaRPr>
-          </a:p>
-          <a:p>
-            <a:pPr>
-              <a:lnSpc>
-                <a:spcPct val="80000"/>
-              </a:lnSpc>
-              <a:buFont typeface="Wingdings" charset="0"/>
-              <a:buNone/>
-            </a:pPr>
-            <a:r>
-              <a:rPr lang="en-US" sz="2600" b="1">
-                <a:latin typeface="Courier New" charset="0"/>
-                <a:cs typeface="Courier New" charset="0"/>
-              </a:rPr>
-              <a:t>		y = x – 7;		</a:t>
-            </a:r>
-            <a:r>
-              <a:rPr lang="en-US" sz="2600" b="1">
-                <a:solidFill>
-                  <a:srgbClr val="FF0000"/>
-                </a:solidFill>
-                <a:latin typeface="Courier New" charset="0"/>
-                <a:cs typeface="Courier New" charset="0"/>
-              </a:rPr>
-              <a:t>// y = -12</a:t>
-            </a:r>
-            <a:endParaRPr lang="en-US" sz="2600" b="1">
-              <a:latin typeface="Courier New" charset="0"/>
-              <a:cs typeface="Courier New" charset="0"/>
-            </a:endParaRPr>
-          </a:p>
-          <a:p>
-            <a:pPr>
-              <a:lnSpc>
-                <a:spcPct val="80000"/>
-              </a:lnSpc>
-              <a:buFont typeface="Wingdings" charset="0"/>
-              <a:buNone/>
-            </a:pPr>
-            <a:r>
-              <a:rPr lang="en-US" sz="2600" b="1">
-                <a:latin typeface="Courier New" charset="0"/>
-                <a:cs typeface="Courier New" charset="0"/>
-              </a:rPr>
-              <a:t>		z = w * y;		</a:t>
-            </a:r>
-            <a:r>
-              <a:rPr lang="en-US" sz="2600" b="1">
-                <a:solidFill>
-                  <a:srgbClr val="FF0000"/>
-                </a:solidFill>
-                <a:latin typeface="Courier New" charset="0"/>
-                <a:cs typeface="Courier New" charset="0"/>
-              </a:rPr>
-              <a:t>// z = -60</a:t>
-            </a:r>
-          </a:p>
-          <a:p>
-            <a:pPr>
-              <a:lnSpc>
-                <a:spcPct val="80000"/>
-              </a:lnSpc>
-              <a:buFont typeface="Wingdings" charset="0"/>
-              <a:buNone/>
-            </a:pPr>
-            <a:endParaRPr lang="en-US" sz="2600" b="1">
-              <a:latin typeface="Courier New" charset="0"/>
-              <a:cs typeface="Courier New" charset="0"/>
-            </a:endParaRPr>
-          </a:p>
-          <a:p>
-            <a:pPr>
-              <a:lnSpc>
-                <a:spcPct val="80000"/>
-              </a:lnSpc>
-              <a:buFont typeface="Wingdings" charset="0"/>
-              <a:buNone/>
-            </a:pPr>
-            <a:r>
-              <a:rPr lang="en-US" sz="2600" b="1">
-                <a:latin typeface="Courier New" charset="0"/>
-                <a:cs typeface="Courier New" charset="0"/>
-              </a:rPr>
-              <a:t>		return 0;</a:t>
-            </a:r>
-          </a:p>
-          <a:p>
-            <a:pPr>
-              <a:lnSpc>
-                <a:spcPct val="80000"/>
-              </a:lnSpc>
-              <a:buFont typeface="Wingdings" charset="0"/>
-              <a:buNone/>
-            </a:pPr>
-            <a:r>
-              <a:rPr lang="en-US" sz="2600" b="1">
-                <a:latin typeface="Courier New" charset="0"/>
-                <a:cs typeface="Courier New" charset="0"/>
-              </a:rPr>
-              <a:t>	}</a:t>
-            </a:r>
-            <a:endParaRPr lang="en-US" sz="2600" b="1">
-              <a:latin typeface="Arial" charset="0"/>
-            </a:endParaRPr>
-          </a:p>
-        </p:txBody>
-      </p:sp>
-      <p:sp>
-        <p:nvSpPr>
-          <p:cNvPr id="4" name="Date Placeholder 3"/>
-          <p:cNvSpPr>
-            <a:spLocks noGrp="1"/>
-          </p:cNvSpPr>
-          <p:nvPr>
-            <p:ph type="dt" sz="quarter" idx="10"/>
-          </p:nvPr>
-        </p:nvSpPr>
-        <p:spPr/>
-        <p:txBody>
-          <a:bodyPr/>
-          <a:lstStyle>
-            <a:lvl1pPr eaLnBrk="0" hangingPunct="0">
-              <a:defRPr>
-                <a:solidFill>
-                  <a:schemeClr val="tx1"/>
-                </a:solidFill>
-                <a:latin typeface="Arial" charset="0"/>
-                <a:ea typeface="ＭＳ Ｐゴシック" charset="0"/>
-                <a:cs typeface="Arial" charset="0"/>
-              </a:defRPr>
-            </a:lvl1pPr>
-            <a:lvl2pPr marL="742950" indent="-285750" eaLnBrk="0" hangingPunct="0">
-              <a:defRPr>
-                <a:solidFill>
-                  <a:schemeClr val="tx1"/>
-                </a:solidFill>
-                <a:latin typeface="Arial" charset="0"/>
-                <a:ea typeface="Arial" charset="0"/>
-                <a:cs typeface="Arial" charset="0"/>
-              </a:defRPr>
-            </a:lvl2pPr>
-            <a:lvl3pPr marL="1143000" indent="-228600" eaLnBrk="0" hangingPunct="0">
-              <a:defRPr>
-                <a:solidFill>
-                  <a:schemeClr val="tx1"/>
-                </a:solidFill>
-                <a:latin typeface="Arial" charset="0"/>
-                <a:ea typeface="Arial" charset="0"/>
-                <a:cs typeface="Arial" charset="0"/>
-              </a:defRPr>
-            </a:lvl3pPr>
-            <a:lvl4pPr marL="1600200" indent="-228600" eaLnBrk="0" hangingPunct="0">
-              <a:defRPr>
-                <a:solidFill>
-                  <a:schemeClr val="tx1"/>
-                </a:solidFill>
-                <a:latin typeface="Arial" charset="0"/>
-                <a:ea typeface="Arial" charset="0"/>
-                <a:cs typeface="Arial" charset="0"/>
-              </a:defRPr>
-            </a:lvl4pPr>
-            <a:lvl5pPr marL="2057400" indent="-228600" eaLnBrk="0" hangingPunct="0">
-              <a:defRPr>
-                <a:solidFill>
-                  <a:schemeClr val="tx1"/>
-                </a:solidFill>
-                <a:latin typeface="Arial" charset="0"/>
-                <a:ea typeface="Arial" charset="0"/>
-                <a:cs typeface="Arial" charset="0"/>
-              </a:defRPr>
-            </a:lvl5pPr>
-            <a:lvl6pPr marL="2514600" indent="-228600" eaLnBrk="0" fontAlgn="base" hangingPunct="0">
-              <a:spcBef>
-                <a:spcPct val="0"/>
-              </a:spcBef>
-              <a:spcAft>
-                <a:spcPct val="0"/>
-              </a:spcAft>
-              <a:defRPr>
-                <a:solidFill>
-                  <a:schemeClr val="tx1"/>
-                </a:solidFill>
-                <a:latin typeface="Arial" charset="0"/>
-                <a:ea typeface="Arial" charset="0"/>
-                <a:cs typeface="Arial" charset="0"/>
-              </a:defRPr>
-            </a:lvl6pPr>
-            <a:lvl7pPr marL="2971800" indent="-228600" eaLnBrk="0" fontAlgn="base" hangingPunct="0">
-              <a:spcBef>
-                <a:spcPct val="0"/>
-              </a:spcBef>
-              <a:spcAft>
-                <a:spcPct val="0"/>
-              </a:spcAft>
-              <a:defRPr>
-                <a:solidFill>
-                  <a:schemeClr val="tx1"/>
-                </a:solidFill>
-                <a:latin typeface="Arial" charset="0"/>
-                <a:ea typeface="Arial" charset="0"/>
-                <a:cs typeface="Arial" charset="0"/>
-              </a:defRPr>
-            </a:lvl7pPr>
-            <a:lvl8pPr marL="3429000" indent="-228600" eaLnBrk="0" fontAlgn="base" hangingPunct="0">
-              <a:spcBef>
-                <a:spcPct val="0"/>
-              </a:spcBef>
-              <a:spcAft>
-                <a:spcPct val="0"/>
-              </a:spcAft>
-              <a:defRPr>
-                <a:solidFill>
-                  <a:schemeClr val="tx1"/>
-                </a:solidFill>
-                <a:latin typeface="Arial" charset="0"/>
-                <a:ea typeface="Arial" charset="0"/>
-                <a:cs typeface="Arial" charset="0"/>
-              </a:defRPr>
-            </a:lvl8pPr>
-            <a:lvl9pPr marL="3886200" indent="-228600" eaLnBrk="0" fontAlgn="base" hangingPunct="0">
-              <a:spcBef>
-                <a:spcPct val="0"/>
-              </a:spcBef>
-              <a:spcAft>
-                <a:spcPct val="0"/>
-              </a:spcAft>
-              <a:defRPr>
-                <a:solidFill>
-                  <a:schemeClr val="tx1"/>
-                </a:solidFill>
-                <a:latin typeface="Arial" charset="0"/>
-                <a:ea typeface="Arial" charset="0"/>
-                <a:cs typeface="Arial" charset="0"/>
-              </a:defRPr>
-            </a:lvl9pPr>
-          </a:lstStyle>
-          <a:p>
-            <a:pPr eaLnBrk="1" hangingPunct="1"/>
-            <a:fld id="{E367E28B-F71E-734B-8D4D-649E8E4F5494}" type="datetime1">
-              <a:rPr lang="en-US" smtClean="0">
-                <a:latin typeface="Garamond" charset="0"/>
-              </a:rPr>
-              <a:t>1/20/16</a:t>
-            </a:fld>
-            <a:endParaRPr lang="en-US">
-              <a:latin typeface="Garamond" charset="0"/>
-            </a:endParaRPr>
-          </a:p>
-        </p:txBody>
-      </p:sp>
-      <p:sp>
-        <p:nvSpPr>
-          <p:cNvPr id="5" name="Footer Placeholder 4"/>
-          <p:cNvSpPr>
-            <a:spLocks noGrp="1"/>
-          </p:cNvSpPr>
-          <p:nvPr>
-            <p:ph type="ftr" sz="quarter" idx="11"/>
-          </p:nvPr>
-        </p:nvSpPr>
-        <p:spPr/>
-        <p:txBody>
-          <a:bodyPr/>
-          <a:lstStyle/>
-          <a:p>
-            <a:pPr>
-              <a:defRPr/>
-            </a:pPr>
-            <a:r>
-              <a:rPr lang="en-US" altLang="en-US" smtClean="0"/>
-              <a:t>ECE Application Programming: Lecture 3</a:t>
-            </a:r>
-            <a:endParaRPr lang="en-US" altLang="en-US"/>
-          </a:p>
-        </p:txBody>
-      </p:sp>
-      <p:sp>
-        <p:nvSpPr>
-          <p:cNvPr id="6" name="Slide Number Placeholder 5"/>
-          <p:cNvSpPr>
-            <a:spLocks noGrp="1"/>
-          </p:cNvSpPr>
-          <p:nvPr>
-            <p:ph type="sldNum" sz="quarter" idx="12"/>
-          </p:nvPr>
-        </p:nvSpPr>
-        <p:spPr/>
-        <p:txBody>
-          <a:bodyPr/>
-          <a:lstStyle>
-            <a:lvl1pPr eaLnBrk="0" hangingPunct="0">
-              <a:defRPr>
-                <a:solidFill>
-                  <a:schemeClr val="tx1"/>
-                </a:solidFill>
-                <a:latin typeface="Arial" charset="0"/>
-                <a:ea typeface="ＭＳ Ｐゴシック" charset="0"/>
-                <a:cs typeface="Arial" charset="0"/>
-              </a:defRPr>
-            </a:lvl1pPr>
-            <a:lvl2pPr marL="742950" indent="-285750" eaLnBrk="0" hangingPunct="0">
-              <a:defRPr>
-                <a:solidFill>
-                  <a:schemeClr val="tx1"/>
-                </a:solidFill>
-                <a:latin typeface="Arial" charset="0"/>
-                <a:ea typeface="Arial" charset="0"/>
-                <a:cs typeface="Arial" charset="0"/>
-              </a:defRPr>
-            </a:lvl2pPr>
-            <a:lvl3pPr marL="1143000" indent="-228600" eaLnBrk="0" hangingPunct="0">
-              <a:defRPr>
-                <a:solidFill>
-                  <a:schemeClr val="tx1"/>
-                </a:solidFill>
-                <a:latin typeface="Arial" charset="0"/>
-                <a:ea typeface="Arial" charset="0"/>
-                <a:cs typeface="Arial" charset="0"/>
-              </a:defRPr>
-            </a:lvl3pPr>
-            <a:lvl4pPr marL="1600200" indent="-228600" eaLnBrk="0" hangingPunct="0">
-              <a:defRPr>
-                <a:solidFill>
-                  <a:schemeClr val="tx1"/>
-                </a:solidFill>
-                <a:latin typeface="Arial" charset="0"/>
-                <a:ea typeface="Arial" charset="0"/>
-                <a:cs typeface="Arial" charset="0"/>
-              </a:defRPr>
-            </a:lvl4pPr>
-            <a:lvl5pPr marL="2057400" indent="-228600" eaLnBrk="0" hangingPunct="0">
-              <a:defRPr>
-                <a:solidFill>
-                  <a:schemeClr val="tx1"/>
-                </a:solidFill>
-                <a:latin typeface="Arial" charset="0"/>
-                <a:ea typeface="Arial" charset="0"/>
-                <a:cs typeface="Arial" charset="0"/>
-              </a:defRPr>
-            </a:lvl5pPr>
-            <a:lvl6pPr marL="2514600" indent="-228600" eaLnBrk="0" fontAlgn="base" hangingPunct="0">
-              <a:spcBef>
-                <a:spcPct val="0"/>
-              </a:spcBef>
-              <a:spcAft>
-                <a:spcPct val="0"/>
-              </a:spcAft>
-              <a:defRPr>
-                <a:solidFill>
-                  <a:schemeClr val="tx1"/>
-                </a:solidFill>
-                <a:latin typeface="Arial" charset="0"/>
-                <a:ea typeface="Arial" charset="0"/>
-                <a:cs typeface="Arial" charset="0"/>
-              </a:defRPr>
-            </a:lvl6pPr>
-            <a:lvl7pPr marL="2971800" indent="-228600" eaLnBrk="0" fontAlgn="base" hangingPunct="0">
-              <a:spcBef>
-                <a:spcPct val="0"/>
-              </a:spcBef>
-              <a:spcAft>
-                <a:spcPct val="0"/>
-              </a:spcAft>
-              <a:defRPr>
-                <a:solidFill>
-                  <a:schemeClr val="tx1"/>
-                </a:solidFill>
-                <a:latin typeface="Arial" charset="0"/>
-                <a:ea typeface="Arial" charset="0"/>
-                <a:cs typeface="Arial" charset="0"/>
-              </a:defRPr>
-            </a:lvl7pPr>
-            <a:lvl8pPr marL="3429000" indent="-228600" eaLnBrk="0" fontAlgn="base" hangingPunct="0">
-              <a:spcBef>
-                <a:spcPct val="0"/>
-              </a:spcBef>
-              <a:spcAft>
-                <a:spcPct val="0"/>
-              </a:spcAft>
-              <a:defRPr>
-                <a:solidFill>
-                  <a:schemeClr val="tx1"/>
-                </a:solidFill>
-                <a:latin typeface="Arial" charset="0"/>
-                <a:ea typeface="Arial" charset="0"/>
-                <a:cs typeface="Arial" charset="0"/>
-              </a:defRPr>
-            </a:lvl8pPr>
-            <a:lvl9pPr marL="3886200" indent="-228600" eaLnBrk="0" fontAlgn="base" hangingPunct="0">
-              <a:spcBef>
-                <a:spcPct val="0"/>
-              </a:spcBef>
-              <a:spcAft>
-                <a:spcPct val="0"/>
-              </a:spcAft>
-              <a:defRPr>
-                <a:solidFill>
-                  <a:schemeClr val="tx1"/>
-                </a:solidFill>
-                <a:latin typeface="Arial" charset="0"/>
-                <a:ea typeface="Arial" charset="0"/>
-                <a:cs typeface="Arial" charset="0"/>
-              </a:defRPr>
-            </a:lvl9pPr>
-          </a:lstStyle>
-          <a:p>
-            <a:pPr eaLnBrk="1" hangingPunct="1"/>
-            <a:fld id="{2B327166-B81B-EE43-BE90-68A06A2B2056}" type="slidenum">
-              <a:rPr lang="en-US">
-                <a:latin typeface="Garamond" charset="0"/>
-              </a:rPr>
-              <a:pPr eaLnBrk="1" hangingPunct="1"/>
-              <a:t>23</a:t>
-            </a:fld>
-            <a:endParaRPr lang="en-US">
-              <a:latin typeface="Garamond" charset="0"/>
-            </a:endParaRPr>
-          </a:p>
-        </p:txBody>
-      </p:sp>
-    </p:spTree>
-    <p:extLst>
-      <p:ext uri="{BB962C8B-B14F-4D97-AF65-F5344CB8AC3E}">
-        <p14:creationId xmlns:p14="http://schemas.microsoft.com/office/powerpoint/2010/main" val="1558645869"/>
-      </p:ext>
-    </p:extLst>
-  </p:cSld>
-  <p:clrMapOvr>
-    <a:masterClrMapping/>
-  </p:clrMapOvr>
-  <p:timing>
-    <p:tnLst>
-      <p:par>
-        <p:cTn xmlns:p14="http://schemas.microsoft.com/office/powerpoint/2010/main" id="1" dur="indefinite" restart="never" nodeType="tmRoot"/>
-      </p:par>
-    </p:tnLst>
-  </p:timing>
-</p:sld>
-</file>
-
-<file path=ppt/slides/slide24.xml><?xml version="1.0" encoding="utf-8"?>
-<p:sld xmlns:a="http://schemas.openxmlformats.org/drawingml/2006/main" xmlns:r="http://schemas.openxmlformats.org/officeDocument/2006/relationships" xmlns:p="http://schemas.openxmlformats.org/presentationml/2006/main">
-  <p:cSld>
-    <p:spTree>
-      <p:nvGrpSpPr>
-        <p:cNvPr id="1" name=""/>
-        <p:cNvGrpSpPr/>
-        <p:nvPr/>
-      </p:nvGrpSpPr>
-      <p:grpSpPr>
-        <a:xfrm>
-          <a:off x="0" y="0"/>
-          <a:ext cx="0" cy="0"/>
-          <a:chOff x="0" y="0"/>
-          <a:chExt cx="0" cy="0"/>
-        </a:xfrm>
-      </p:grpSpPr>
-      <p:sp>
-        <p:nvSpPr>
-          <p:cNvPr id="10242" name="Title 1"/>
-          <p:cNvSpPr>
-            <a:spLocks noGrp="1"/>
-          </p:cNvSpPr>
-          <p:nvPr>
-            <p:ph type="title"/>
-          </p:nvPr>
-        </p:nvSpPr>
-        <p:spPr/>
-        <p:txBody>
-          <a:bodyPr/>
-          <a:lstStyle/>
-          <a:p>
-            <a:r>
-              <a:rPr lang="en-US">
-                <a:latin typeface="Garamond" charset="0"/>
-              </a:rPr>
-              <a:t>Operators (cont.)</a:t>
-            </a:r>
-          </a:p>
-        </p:txBody>
-      </p:sp>
-      <p:sp>
-        <p:nvSpPr>
-          <p:cNvPr id="10243" name="Content Placeholder 2"/>
-          <p:cNvSpPr>
-            <a:spLocks noGrp="1"/>
-          </p:cNvSpPr>
-          <p:nvPr>
-            <p:ph idx="1"/>
-          </p:nvPr>
-        </p:nvSpPr>
-        <p:spPr/>
-        <p:txBody>
-          <a:bodyPr/>
-          <a:lstStyle/>
-          <a:p>
-            <a:r>
-              <a:rPr lang="en-US">
-                <a:latin typeface="Arial" charset="0"/>
-              </a:rPr>
-              <a:t>More complex statements are allowed</a:t>
-            </a:r>
-          </a:p>
-          <a:p>
-            <a:pPr lvl="1"/>
-            <a:r>
-              <a:rPr lang="en-US">
-                <a:latin typeface="Arial" charset="0"/>
-              </a:rPr>
-              <a:t>e.g. x = 1 + 2 - 3;</a:t>
-            </a:r>
-          </a:p>
-          <a:p>
-            <a:r>
-              <a:rPr lang="en-US">
-                <a:latin typeface="Arial" charset="0"/>
-              </a:rPr>
-              <a:t>Parentheses help you prioritize parts of statement</a:t>
-            </a:r>
-          </a:p>
-          <a:p>
-            <a:pPr lvl="1"/>
-            <a:r>
-              <a:rPr lang="en-US">
-                <a:latin typeface="Arial" charset="0"/>
-              </a:rPr>
-              <a:t>Makes difference with order of operations</a:t>
-            </a:r>
-          </a:p>
-          <a:p>
-            <a:pPr lvl="1"/>
-            <a:r>
-              <a:rPr lang="en-US">
-                <a:latin typeface="Arial" charset="0"/>
-              </a:rPr>
-              <a:t>x = 1 + 2 * 3;</a:t>
-            </a:r>
-          </a:p>
-          <a:p>
-            <a:pPr lvl="1">
-              <a:buFont typeface="Wingdings" charset="0"/>
-              <a:buNone/>
-            </a:pPr>
-            <a:r>
-              <a:rPr lang="en-US">
-                <a:latin typeface="Arial" charset="0"/>
-              </a:rPr>
-              <a:t>			is different than</a:t>
-            </a:r>
-          </a:p>
-          <a:p>
-            <a:pPr lvl="1">
-              <a:buFont typeface="Wingdings" charset="0"/>
-              <a:buNone/>
-            </a:pPr>
-            <a:r>
-              <a:rPr lang="en-US">
-                <a:latin typeface="Arial" charset="0"/>
-              </a:rPr>
-              <a:t>	x = (1 + 2) * 3;</a:t>
-            </a:r>
-          </a:p>
-        </p:txBody>
-      </p:sp>
-      <p:sp>
-        <p:nvSpPr>
-          <p:cNvPr id="4" name="Date Placeholder 3"/>
-          <p:cNvSpPr>
-            <a:spLocks noGrp="1"/>
-          </p:cNvSpPr>
-          <p:nvPr>
-            <p:ph type="dt" sz="quarter" idx="10"/>
-          </p:nvPr>
-        </p:nvSpPr>
-        <p:spPr/>
-        <p:txBody>
-          <a:bodyPr/>
-          <a:lstStyle>
-            <a:lvl1pPr eaLnBrk="0" hangingPunct="0">
-              <a:defRPr>
-                <a:solidFill>
-                  <a:schemeClr val="tx1"/>
-                </a:solidFill>
-                <a:latin typeface="Arial" charset="0"/>
-                <a:ea typeface="ＭＳ Ｐゴシック" charset="0"/>
-                <a:cs typeface="Arial" charset="0"/>
-              </a:defRPr>
-            </a:lvl1pPr>
-            <a:lvl2pPr marL="742950" indent="-285750" eaLnBrk="0" hangingPunct="0">
-              <a:defRPr>
-                <a:solidFill>
-                  <a:schemeClr val="tx1"/>
-                </a:solidFill>
-                <a:latin typeface="Arial" charset="0"/>
-                <a:ea typeface="Arial" charset="0"/>
-                <a:cs typeface="Arial" charset="0"/>
-              </a:defRPr>
-            </a:lvl2pPr>
-            <a:lvl3pPr marL="1143000" indent="-228600" eaLnBrk="0" hangingPunct="0">
-              <a:defRPr>
-                <a:solidFill>
-                  <a:schemeClr val="tx1"/>
-                </a:solidFill>
-                <a:latin typeface="Arial" charset="0"/>
-                <a:ea typeface="Arial" charset="0"/>
-                <a:cs typeface="Arial" charset="0"/>
-              </a:defRPr>
-            </a:lvl3pPr>
-            <a:lvl4pPr marL="1600200" indent="-228600" eaLnBrk="0" hangingPunct="0">
-              <a:defRPr>
-                <a:solidFill>
-                  <a:schemeClr val="tx1"/>
-                </a:solidFill>
-                <a:latin typeface="Arial" charset="0"/>
-                <a:ea typeface="Arial" charset="0"/>
-                <a:cs typeface="Arial" charset="0"/>
-              </a:defRPr>
-            </a:lvl4pPr>
-            <a:lvl5pPr marL="2057400" indent="-228600" eaLnBrk="0" hangingPunct="0">
-              <a:defRPr>
-                <a:solidFill>
-                  <a:schemeClr val="tx1"/>
-                </a:solidFill>
-                <a:latin typeface="Arial" charset="0"/>
-                <a:ea typeface="Arial" charset="0"/>
-                <a:cs typeface="Arial" charset="0"/>
-              </a:defRPr>
-            </a:lvl5pPr>
-            <a:lvl6pPr marL="2514600" indent="-228600" eaLnBrk="0" fontAlgn="base" hangingPunct="0">
-              <a:spcBef>
-                <a:spcPct val="0"/>
-              </a:spcBef>
-              <a:spcAft>
-                <a:spcPct val="0"/>
-              </a:spcAft>
-              <a:defRPr>
-                <a:solidFill>
-                  <a:schemeClr val="tx1"/>
-                </a:solidFill>
-                <a:latin typeface="Arial" charset="0"/>
-                <a:ea typeface="Arial" charset="0"/>
-                <a:cs typeface="Arial" charset="0"/>
-              </a:defRPr>
-            </a:lvl6pPr>
-            <a:lvl7pPr marL="2971800" indent="-228600" eaLnBrk="0" fontAlgn="base" hangingPunct="0">
-              <a:spcBef>
-                <a:spcPct val="0"/>
-              </a:spcBef>
-              <a:spcAft>
-                <a:spcPct val="0"/>
-              </a:spcAft>
-              <a:defRPr>
-                <a:solidFill>
-                  <a:schemeClr val="tx1"/>
-                </a:solidFill>
-                <a:latin typeface="Arial" charset="0"/>
-                <a:ea typeface="Arial" charset="0"/>
-                <a:cs typeface="Arial" charset="0"/>
-              </a:defRPr>
-            </a:lvl7pPr>
-            <a:lvl8pPr marL="3429000" indent="-228600" eaLnBrk="0" fontAlgn="base" hangingPunct="0">
-              <a:spcBef>
-                <a:spcPct val="0"/>
-              </a:spcBef>
-              <a:spcAft>
-                <a:spcPct val="0"/>
-              </a:spcAft>
-              <a:defRPr>
-                <a:solidFill>
-                  <a:schemeClr val="tx1"/>
-                </a:solidFill>
-                <a:latin typeface="Arial" charset="0"/>
-                <a:ea typeface="Arial" charset="0"/>
-                <a:cs typeface="Arial" charset="0"/>
-              </a:defRPr>
-            </a:lvl8pPr>
-            <a:lvl9pPr marL="3886200" indent="-228600" eaLnBrk="0" fontAlgn="base" hangingPunct="0">
-              <a:spcBef>
-                <a:spcPct val="0"/>
-              </a:spcBef>
-              <a:spcAft>
-                <a:spcPct val="0"/>
-              </a:spcAft>
-              <a:defRPr>
-                <a:solidFill>
-                  <a:schemeClr val="tx1"/>
-                </a:solidFill>
-                <a:latin typeface="Arial" charset="0"/>
-                <a:ea typeface="Arial" charset="0"/>
-                <a:cs typeface="Arial" charset="0"/>
-              </a:defRPr>
-            </a:lvl9pPr>
-          </a:lstStyle>
-          <a:p>
-            <a:pPr eaLnBrk="1" hangingPunct="1"/>
-            <a:fld id="{EAE53468-187B-3646-ACB1-F353BD050EC9}" type="datetime1">
-              <a:rPr lang="en-US" smtClean="0">
-                <a:latin typeface="Garamond" charset="0"/>
-              </a:rPr>
-              <a:t>1/20/16</a:t>
-            </a:fld>
-            <a:endParaRPr lang="en-US">
-              <a:latin typeface="Garamond" charset="0"/>
-            </a:endParaRPr>
-          </a:p>
-        </p:txBody>
-      </p:sp>
-      <p:sp>
-        <p:nvSpPr>
-          <p:cNvPr id="5" name="Footer Placeholder 4"/>
-          <p:cNvSpPr>
-            <a:spLocks noGrp="1"/>
-          </p:cNvSpPr>
-          <p:nvPr>
-            <p:ph type="ftr" sz="quarter" idx="11"/>
-          </p:nvPr>
-        </p:nvSpPr>
-        <p:spPr/>
-        <p:txBody>
-          <a:bodyPr/>
-          <a:lstStyle/>
-          <a:p>
-            <a:pPr>
-              <a:defRPr/>
-            </a:pPr>
-            <a:r>
-              <a:rPr lang="en-US" altLang="en-US" smtClean="0"/>
-              <a:t>ECE Application Programming: Lecture 3</a:t>
-            </a:r>
-            <a:endParaRPr lang="en-US" altLang="en-US"/>
-          </a:p>
-        </p:txBody>
-      </p:sp>
-      <p:sp>
-        <p:nvSpPr>
-          <p:cNvPr id="6" name="Slide Number Placeholder 5"/>
-          <p:cNvSpPr>
-            <a:spLocks noGrp="1"/>
-          </p:cNvSpPr>
-          <p:nvPr>
-            <p:ph type="sldNum" sz="quarter" idx="12"/>
-          </p:nvPr>
-        </p:nvSpPr>
-        <p:spPr/>
-        <p:txBody>
-          <a:bodyPr/>
-          <a:lstStyle>
-            <a:lvl1pPr eaLnBrk="0" hangingPunct="0">
-              <a:defRPr>
-                <a:solidFill>
-                  <a:schemeClr val="tx1"/>
-                </a:solidFill>
-                <a:latin typeface="Arial" charset="0"/>
-                <a:ea typeface="ＭＳ Ｐゴシック" charset="0"/>
-                <a:cs typeface="Arial" charset="0"/>
-              </a:defRPr>
-            </a:lvl1pPr>
-            <a:lvl2pPr marL="742950" indent="-285750" eaLnBrk="0" hangingPunct="0">
-              <a:defRPr>
-                <a:solidFill>
-                  <a:schemeClr val="tx1"/>
-                </a:solidFill>
-                <a:latin typeface="Arial" charset="0"/>
-                <a:ea typeface="Arial" charset="0"/>
-                <a:cs typeface="Arial" charset="0"/>
-              </a:defRPr>
-            </a:lvl2pPr>
-            <a:lvl3pPr marL="1143000" indent="-228600" eaLnBrk="0" hangingPunct="0">
-              <a:defRPr>
-                <a:solidFill>
-                  <a:schemeClr val="tx1"/>
-                </a:solidFill>
-                <a:latin typeface="Arial" charset="0"/>
-                <a:ea typeface="Arial" charset="0"/>
-                <a:cs typeface="Arial" charset="0"/>
-              </a:defRPr>
-            </a:lvl3pPr>
-            <a:lvl4pPr marL="1600200" indent="-228600" eaLnBrk="0" hangingPunct="0">
-              <a:defRPr>
-                <a:solidFill>
-                  <a:schemeClr val="tx1"/>
-                </a:solidFill>
-                <a:latin typeface="Arial" charset="0"/>
-                <a:ea typeface="Arial" charset="0"/>
-                <a:cs typeface="Arial" charset="0"/>
-              </a:defRPr>
-            </a:lvl4pPr>
-            <a:lvl5pPr marL="2057400" indent="-228600" eaLnBrk="0" hangingPunct="0">
-              <a:defRPr>
-                <a:solidFill>
-                  <a:schemeClr val="tx1"/>
-                </a:solidFill>
-                <a:latin typeface="Arial" charset="0"/>
-                <a:ea typeface="Arial" charset="0"/>
-                <a:cs typeface="Arial" charset="0"/>
-              </a:defRPr>
-            </a:lvl5pPr>
-            <a:lvl6pPr marL="2514600" indent="-228600" eaLnBrk="0" fontAlgn="base" hangingPunct="0">
-              <a:spcBef>
-                <a:spcPct val="0"/>
-              </a:spcBef>
-              <a:spcAft>
-                <a:spcPct val="0"/>
-              </a:spcAft>
-              <a:defRPr>
-                <a:solidFill>
-                  <a:schemeClr val="tx1"/>
-                </a:solidFill>
-                <a:latin typeface="Arial" charset="0"/>
-                <a:ea typeface="Arial" charset="0"/>
-                <a:cs typeface="Arial" charset="0"/>
-              </a:defRPr>
-            </a:lvl6pPr>
-            <a:lvl7pPr marL="2971800" indent="-228600" eaLnBrk="0" fontAlgn="base" hangingPunct="0">
-              <a:spcBef>
-                <a:spcPct val="0"/>
-              </a:spcBef>
-              <a:spcAft>
-                <a:spcPct val="0"/>
-              </a:spcAft>
-              <a:defRPr>
-                <a:solidFill>
-                  <a:schemeClr val="tx1"/>
-                </a:solidFill>
-                <a:latin typeface="Arial" charset="0"/>
-                <a:ea typeface="Arial" charset="0"/>
-                <a:cs typeface="Arial" charset="0"/>
-              </a:defRPr>
-            </a:lvl7pPr>
-            <a:lvl8pPr marL="3429000" indent="-228600" eaLnBrk="0" fontAlgn="base" hangingPunct="0">
-              <a:spcBef>
-                <a:spcPct val="0"/>
-              </a:spcBef>
-              <a:spcAft>
-                <a:spcPct val="0"/>
-              </a:spcAft>
-              <a:defRPr>
-                <a:solidFill>
-                  <a:schemeClr val="tx1"/>
-                </a:solidFill>
-                <a:latin typeface="Arial" charset="0"/>
-                <a:ea typeface="Arial" charset="0"/>
-                <a:cs typeface="Arial" charset="0"/>
-              </a:defRPr>
-            </a:lvl8pPr>
-            <a:lvl9pPr marL="3886200" indent="-228600" eaLnBrk="0" fontAlgn="base" hangingPunct="0">
-              <a:spcBef>
-                <a:spcPct val="0"/>
-              </a:spcBef>
-              <a:spcAft>
-                <a:spcPct val="0"/>
-              </a:spcAft>
-              <a:defRPr>
-                <a:solidFill>
-                  <a:schemeClr val="tx1"/>
-                </a:solidFill>
-                <a:latin typeface="Arial" charset="0"/>
-                <a:ea typeface="Arial" charset="0"/>
-                <a:cs typeface="Arial" charset="0"/>
-              </a:defRPr>
-            </a:lvl9pPr>
-          </a:lstStyle>
-          <a:p>
-            <a:pPr eaLnBrk="1" hangingPunct="1"/>
-            <a:fld id="{E4A49ED9-B48E-914D-A026-F747AB6EB75F}" type="slidenum">
-              <a:rPr lang="en-US">
-                <a:latin typeface="Garamond" charset="0"/>
-              </a:rPr>
-              <a:pPr eaLnBrk="1" hangingPunct="1"/>
-              <a:t>24</a:t>
-            </a:fld>
-            <a:endParaRPr lang="en-US">
-              <a:latin typeface="Garamond" charset="0"/>
-            </a:endParaRPr>
-          </a:p>
-        </p:txBody>
-      </p:sp>
-    </p:spTree>
-    <p:extLst>
-      <p:ext uri="{BB962C8B-B14F-4D97-AF65-F5344CB8AC3E}">
-        <p14:creationId xmlns:p14="http://schemas.microsoft.com/office/powerpoint/2010/main" val="4121339024"/>
-      </p:ext>
-    </p:extLst>
-  </p:cSld>
-  <p:clrMapOvr>
-    <a:masterClrMapping/>
-  </p:clrMapOvr>
-  <p:timing>
-    <p:tnLst>
-      <p:par>
-        <p:cTn xmlns:p14="http://schemas.microsoft.com/office/powerpoint/2010/main" id="1" dur="indefinite" restart="never" nodeType="tmRoot"/>
-      </p:par>
-    </p:tnLst>
-  </p:timing>
-</p:sld>
-</file>
-
-<file path=ppt/slides/slide25.xml><?xml version="1.0" encoding="utf-8"?>
-<p:sld xmlns:a="http://schemas.openxmlformats.org/drawingml/2006/main" xmlns:r="http://schemas.openxmlformats.org/officeDocument/2006/relationships" xmlns:p="http://schemas.openxmlformats.org/presentationml/2006/main">
-  <p:cSld>
-    <p:spTree>
-      <p:nvGrpSpPr>
-        <p:cNvPr id="1" name=""/>
-        <p:cNvGrpSpPr/>
-        <p:nvPr/>
-      </p:nvGrpSpPr>
-      <p:grpSpPr>
-        <a:xfrm>
-          <a:off x="0" y="0"/>
-          <a:ext cx="0" cy="0"/>
-          <a:chOff x="0" y="0"/>
-          <a:chExt cx="0" cy="0"/>
-        </a:xfrm>
-      </p:grpSpPr>
-      <p:sp>
-        <p:nvSpPr>
-          <p:cNvPr id="11266" name="Title 1"/>
-          <p:cNvSpPr>
-            <a:spLocks noGrp="1"/>
-          </p:cNvSpPr>
-          <p:nvPr>
-            <p:ph type="title"/>
-          </p:nvPr>
-        </p:nvSpPr>
-        <p:spPr/>
-        <p:txBody>
-          <a:bodyPr/>
-          <a:lstStyle/>
-          <a:p>
-            <a:r>
-              <a:rPr lang="en-US">
-                <a:latin typeface="Garamond" charset="0"/>
-              </a:rPr>
-              <a:t>Example: Arithmetic operations</a:t>
-            </a:r>
-          </a:p>
-        </p:txBody>
-      </p:sp>
-      <p:sp>
-        <p:nvSpPr>
-          <p:cNvPr id="3" name="Content Placeholder 2"/>
-          <p:cNvSpPr>
-            <a:spLocks noGrp="1"/>
-          </p:cNvSpPr>
-          <p:nvPr>
-            <p:ph idx="1"/>
-          </p:nvPr>
-        </p:nvSpPr>
-        <p:spPr/>
-        <p:txBody>
-          <a:bodyPr>
-            <a:normAutofit fontScale="92500"/>
-          </a:bodyPr>
-          <a:lstStyle/>
-          <a:p>
-            <a:pPr>
-              <a:buFont typeface="Wingdings" pitchFamily="2" charset="2"/>
-              <a:buChar char="n"/>
-              <a:defRPr/>
-            </a:pPr>
-            <a:r>
-              <a:rPr lang="en-US" dirty="0" smtClean="0">
-                <a:ea typeface="+mn-ea"/>
-              </a:rPr>
-              <a:t>Evaluate each of the following expressions, including the type (</a:t>
-            </a:r>
-            <a:r>
-              <a:rPr lang="en-US" dirty="0" err="1" smtClean="0">
-                <a:ea typeface="+mn-ea"/>
-              </a:rPr>
-              <a:t>int</a:t>
-            </a:r>
-            <a:r>
-              <a:rPr lang="en-US" dirty="0" smtClean="0">
-                <a:ea typeface="+mn-ea"/>
-              </a:rPr>
-              <a:t> or double) in your answer</a:t>
-            </a:r>
-          </a:p>
-          <a:p>
-            <a:pPr lvl="1">
-              <a:buFont typeface="Wingdings" pitchFamily="2" charset="2"/>
-              <a:buChar char="q"/>
-              <a:defRPr/>
-            </a:pPr>
-            <a:r>
-              <a:rPr lang="en-US" dirty="0" smtClean="0">
-                <a:latin typeface="Courier New" pitchFamily="49" charset="0"/>
-                <a:ea typeface="+mn-ea"/>
-                <a:cs typeface="Courier New" pitchFamily="49" charset="0"/>
-              </a:rPr>
-              <a:t>19/3</a:t>
-            </a:r>
-          </a:p>
-          <a:p>
-            <a:pPr lvl="1">
-              <a:buFont typeface="Wingdings" pitchFamily="2" charset="2"/>
-              <a:buChar char="q"/>
-              <a:defRPr/>
-            </a:pPr>
-            <a:r>
-              <a:rPr lang="en-US" dirty="0" smtClean="0">
-                <a:latin typeface="Courier New" pitchFamily="49" charset="0"/>
-                <a:cs typeface="Courier New" pitchFamily="49" charset="0"/>
-              </a:rPr>
-              <a:t>3/19</a:t>
-            </a:r>
-          </a:p>
-          <a:p>
-            <a:pPr lvl="1">
-              <a:buFont typeface="Wingdings" pitchFamily="2" charset="2"/>
-              <a:buChar char="q"/>
-              <a:defRPr/>
-            </a:pPr>
-            <a:r>
-              <a:rPr lang="en-US" dirty="0" smtClean="0">
-                <a:latin typeface="Courier New" pitchFamily="49" charset="0"/>
-                <a:ea typeface="+mn-ea"/>
-                <a:cs typeface="Courier New" pitchFamily="49" charset="0"/>
-              </a:rPr>
-              <a:t>19%3</a:t>
-            </a:r>
-          </a:p>
-          <a:p>
-            <a:pPr lvl="1">
-              <a:buFont typeface="Wingdings" pitchFamily="2" charset="2"/>
-              <a:buChar char="q"/>
-              <a:defRPr/>
-            </a:pPr>
-            <a:r>
-              <a:rPr lang="en-US" dirty="0" smtClean="0">
-                <a:latin typeface="Courier New" pitchFamily="49" charset="0"/>
-                <a:cs typeface="Courier New" pitchFamily="49" charset="0"/>
-              </a:rPr>
-              <a:t>3%19</a:t>
-            </a:r>
-          </a:p>
-          <a:p>
-            <a:pPr lvl="1">
-              <a:buFont typeface="Wingdings" pitchFamily="2" charset="2"/>
-              <a:buChar char="q"/>
-              <a:defRPr/>
-            </a:pPr>
-            <a:r>
-              <a:rPr lang="en-US" dirty="0" smtClean="0">
-                <a:latin typeface="Courier New" pitchFamily="49" charset="0"/>
-                <a:ea typeface="+mn-ea"/>
-                <a:cs typeface="Courier New" pitchFamily="49" charset="0"/>
-              </a:rPr>
-              <a:t>5 + 7/2</a:t>
-            </a:r>
-          </a:p>
-          <a:p>
-            <a:pPr lvl="1">
-              <a:buFont typeface="Wingdings" pitchFamily="2" charset="2"/>
-              <a:buChar char="q"/>
-              <a:defRPr/>
-            </a:pPr>
-            <a:r>
-              <a:rPr lang="en-US" dirty="0" smtClean="0">
-                <a:latin typeface="Courier New" pitchFamily="49" charset="0"/>
-                <a:ea typeface="+mn-ea"/>
-                <a:cs typeface="Courier New" pitchFamily="49" charset="0"/>
-              </a:rPr>
-              <a:t>5.0 + 7/2</a:t>
-            </a:r>
-          </a:p>
-          <a:p>
-            <a:pPr lvl="1">
-              <a:buFont typeface="Wingdings" pitchFamily="2" charset="2"/>
-              <a:buChar char="q"/>
-              <a:defRPr/>
-            </a:pPr>
-            <a:r>
-              <a:rPr lang="en-US" dirty="0" smtClean="0">
-                <a:latin typeface="Courier New" pitchFamily="49" charset="0"/>
-                <a:ea typeface="+mn-ea"/>
-                <a:cs typeface="Courier New" pitchFamily="49" charset="0"/>
-              </a:rPr>
-              <a:t>5 + 7.0/2</a:t>
-            </a:r>
-          </a:p>
-          <a:p>
-            <a:pPr lvl="1">
-              <a:buFont typeface="Wingdings" pitchFamily="2" charset="2"/>
-              <a:buChar char="q"/>
-              <a:defRPr/>
-            </a:pPr>
-            <a:r>
-              <a:rPr lang="en-US" dirty="0" smtClean="0">
-                <a:latin typeface="Courier New" pitchFamily="49" charset="0"/>
-                <a:ea typeface="+mn-ea"/>
-                <a:cs typeface="Courier New" pitchFamily="49" charset="0"/>
-              </a:rPr>
-              <a:t>5 * 3 % 3 / 6 + 14 + 10 / 2</a:t>
-            </a:r>
-          </a:p>
-          <a:p>
-            <a:pPr lvl="1">
-              <a:buFont typeface="Wingdings" pitchFamily="2" charset="2"/>
-              <a:buChar char="q"/>
-              <a:defRPr/>
-            </a:pPr>
-            <a:r>
-              <a:rPr lang="en-US" dirty="0" smtClean="0">
-                <a:latin typeface="Courier New" pitchFamily="49" charset="0"/>
-                <a:ea typeface="+mn-ea"/>
-                <a:cs typeface="Courier New" pitchFamily="49" charset="0"/>
-              </a:rPr>
-              <a:t>5 * (3 % 3) / 6 + 14.0 + 10/3</a:t>
-            </a:r>
-          </a:p>
-        </p:txBody>
-      </p:sp>
-      <p:sp>
-        <p:nvSpPr>
-          <p:cNvPr id="4" name="Date Placeholder 3"/>
-          <p:cNvSpPr>
-            <a:spLocks noGrp="1"/>
-          </p:cNvSpPr>
-          <p:nvPr>
-            <p:ph type="dt" sz="quarter" idx="10"/>
-          </p:nvPr>
-        </p:nvSpPr>
-        <p:spPr/>
-        <p:txBody>
-          <a:bodyPr/>
-          <a:lstStyle>
-            <a:lvl1pPr eaLnBrk="0" hangingPunct="0">
-              <a:defRPr>
-                <a:solidFill>
-                  <a:schemeClr val="tx1"/>
-                </a:solidFill>
-                <a:latin typeface="Arial" charset="0"/>
-                <a:ea typeface="ＭＳ Ｐゴシック" charset="0"/>
-                <a:cs typeface="Arial" charset="0"/>
-              </a:defRPr>
-            </a:lvl1pPr>
-            <a:lvl2pPr marL="742950" indent="-285750" eaLnBrk="0" hangingPunct="0">
-              <a:defRPr>
-                <a:solidFill>
-                  <a:schemeClr val="tx1"/>
-                </a:solidFill>
-                <a:latin typeface="Arial" charset="0"/>
-                <a:ea typeface="Arial" charset="0"/>
-                <a:cs typeface="Arial" charset="0"/>
-              </a:defRPr>
-            </a:lvl2pPr>
-            <a:lvl3pPr marL="1143000" indent="-228600" eaLnBrk="0" hangingPunct="0">
-              <a:defRPr>
-                <a:solidFill>
-                  <a:schemeClr val="tx1"/>
-                </a:solidFill>
-                <a:latin typeface="Arial" charset="0"/>
-                <a:ea typeface="Arial" charset="0"/>
-                <a:cs typeface="Arial" charset="0"/>
-              </a:defRPr>
-            </a:lvl3pPr>
-            <a:lvl4pPr marL="1600200" indent="-228600" eaLnBrk="0" hangingPunct="0">
-              <a:defRPr>
-                <a:solidFill>
-                  <a:schemeClr val="tx1"/>
-                </a:solidFill>
-                <a:latin typeface="Arial" charset="0"/>
-                <a:ea typeface="Arial" charset="0"/>
-                <a:cs typeface="Arial" charset="0"/>
-              </a:defRPr>
-            </a:lvl4pPr>
-            <a:lvl5pPr marL="2057400" indent="-228600" eaLnBrk="0" hangingPunct="0">
-              <a:defRPr>
-                <a:solidFill>
-                  <a:schemeClr val="tx1"/>
-                </a:solidFill>
-                <a:latin typeface="Arial" charset="0"/>
-                <a:ea typeface="Arial" charset="0"/>
-                <a:cs typeface="Arial" charset="0"/>
-              </a:defRPr>
-            </a:lvl5pPr>
-            <a:lvl6pPr marL="2514600" indent="-228600" eaLnBrk="0" fontAlgn="base" hangingPunct="0">
-              <a:spcBef>
-                <a:spcPct val="0"/>
-              </a:spcBef>
-              <a:spcAft>
-                <a:spcPct val="0"/>
-              </a:spcAft>
-              <a:defRPr>
-                <a:solidFill>
-                  <a:schemeClr val="tx1"/>
-                </a:solidFill>
-                <a:latin typeface="Arial" charset="0"/>
-                <a:ea typeface="Arial" charset="0"/>
-                <a:cs typeface="Arial" charset="0"/>
-              </a:defRPr>
-            </a:lvl6pPr>
-            <a:lvl7pPr marL="2971800" indent="-228600" eaLnBrk="0" fontAlgn="base" hangingPunct="0">
-              <a:spcBef>
-                <a:spcPct val="0"/>
-              </a:spcBef>
-              <a:spcAft>
-                <a:spcPct val="0"/>
-              </a:spcAft>
-              <a:defRPr>
-                <a:solidFill>
-                  <a:schemeClr val="tx1"/>
-                </a:solidFill>
-                <a:latin typeface="Arial" charset="0"/>
-                <a:ea typeface="Arial" charset="0"/>
-                <a:cs typeface="Arial" charset="0"/>
-              </a:defRPr>
-            </a:lvl7pPr>
-            <a:lvl8pPr marL="3429000" indent="-228600" eaLnBrk="0" fontAlgn="base" hangingPunct="0">
-              <a:spcBef>
-                <a:spcPct val="0"/>
-              </a:spcBef>
-              <a:spcAft>
-                <a:spcPct val="0"/>
-              </a:spcAft>
-              <a:defRPr>
-                <a:solidFill>
-                  <a:schemeClr val="tx1"/>
-                </a:solidFill>
-                <a:latin typeface="Arial" charset="0"/>
-                <a:ea typeface="Arial" charset="0"/>
-                <a:cs typeface="Arial" charset="0"/>
-              </a:defRPr>
-            </a:lvl8pPr>
-            <a:lvl9pPr marL="3886200" indent="-228600" eaLnBrk="0" fontAlgn="base" hangingPunct="0">
-              <a:spcBef>
-                <a:spcPct val="0"/>
-              </a:spcBef>
-              <a:spcAft>
-                <a:spcPct val="0"/>
-              </a:spcAft>
-              <a:defRPr>
-                <a:solidFill>
-                  <a:schemeClr val="tx1"/>
-                </a:solidFill>
-                <a:latin typeface="Arial" charset="0"/>
-                <a:ea typeface="Arial" charset="0"/>
-                <a:cs typeface="Arial" charset="0"/>
-              </a:defRPr>
-            </a:lvl9pPr>
-          </a:lstStyle>
-          <a:p>
-            <a:pPr eaLnBrk="1" hangingPunct="1"/>
-            <a:fld id="{9B5A08C7-89A9-1A47-A7B8-30D939F6B45E}" type="datetime1">
-              <a:rPr lang="en-US" smtClean="0">
-                <a:latin typeface="Garamond" charset="0"/>
-              </a:rPr>
-              <a:t>1/20/16</a:t>
-            </a:fld>
-            <a:endParaRPr lang="en-US">
-              <a:latin typeface="Garamond" charset="0"/>
-            </a:endParaRPr>
-          </a:p>
-        </p:txBody>
-      </p:sp>
-      <p:sp>
-        <p:nvSpPr>
-          <p:cNvPr id="5" name="Footer Placeholder 4"/>
-          <p:cNvSpPr>
-            <a:spLocks noGrp="1"/>
-          </p:cNvSpPr>
-          <p:nvPr>
-            <p:ph type="ftr" sz="quarter" idx="11"/>
-          </p:nvPr>
-        </p:nvSpPr>
-        <p:spPr/>
-        <p:txBody>
-          <a:bodyPr/>
-          <a:lstStyle/>
-          <a:p>
-            <a:pPr>
-              <a:defRPr/>
-            </a:pPr>
-            <a:r>
-              <a:rPr lang="en-US" altLang="en-US" smtClean="0"/>
-              <a:t>ECE Application Programming: Lecture 3</a:t>
-            </a:r>
-            <a:endParaRPr lang="en-US" altLang="en-US"/>
-          </a:p>
-        </p:txBody>
-      </p:sp>
-      <p:sp>
-        <p:nvSpPr>
-          <p:cNvPr id="6" name="Slide Number Placeholder 5"/>
-          <p:cNvSpPr>
-            <a:spLocks noGrp="1"/>
-          </p:cNvSpPr>
-          <p:nvPr>
-            <p:ph type="sldNum" sz="quarter" idx="12"/>
-          </p:nvPr>
-        </p:nvSpPr>
-        <p:spPr/>
-        <p:txBody>
-          <a:bodyPr/>
-          <a:lstStyle>
-            <a:lvl1pPr eaLnBrk="0" hangingPunct="0">
-              <a:defRPr>
-                <a:solidFill>
-                  <a:schemeClr val="tx1"/>
-                </a:solidFill>
-                <a:latin typeface="Arial" charset="0"/>
-                <a:ea typeface="ＭＳ Ｐゴシック" charset="0"/>
-                <a:cs typeface="Arial" charset="0"/>
-              </a:defRPr>
-            </a:lvl1pPr>
-            <a:lvl2pPr marL="742950" indent="-285750" eaLnBrk="0" hangingPunct="0">
-              <a:defRPr>
-                <a:solidFill>
-                  <a:schemeClr val="tx1"/>
-                </a:solidFill>
-                <a:latin typeface="Arial" charset="0"/>
-                <a:ea typeface="Arial" charset="0"/>
-                <a:cs typeface="Arial" charset="0"/>
-              </a:defRPr>
-            </a:lvl2pPr>
-            <a:lvl3pPr marL="1143000" indent="-228600" eaLnBrk="0" hangingPunct="0">
-              <a:defRPr>
-                <a:solidFill>
-                  <a:schemeClr val="tx1"/>
-                </a:solidFill>
-                <a:latin typeface="Arial" charset="0"/>
-                <a:ea typeface="Arial" charset="0"/>
-                <a:cs typeface="Arial" charset="0"/>
-              </a:defRPr>
-            </a:lvl3pPr>
-            <a:lvl4pPr marL="1600200" indent="-228600" eaLnBrk="0" hangingPunct="0">
-              <a:defRPr>
-                <a:solidFill>
-                  <a:schemeClr val="tx1"/>
-                </a:solidFill>
-                <a:latin typeface="Arial" charset="0"/>
-                <a:ea typeface="Arial" charset="0"/>
-                <a:cs typeface="Arial" charset="0"/>
-              </a:defRPr>
-            </a:lvl4pPr>
-            <a:lvl5pPr marL="2057400" indent="-228600" eaLnBrk="0" hangingPunct="0">
-              <a:defRPr>
-                <a:solidFill>
-                  <a:schemeClr val="tx1"/>
-                </a:solidFill>
-                <a:latin typeface="Arial" charset="0"/>
-                <a:ea typeface="Arial" charset="0"/>
-                <a:cs typeface="Arial" charset="0"/>
-              </a:defRPr>
-            </a:lvl5pPr>
-            <a:lvl6pPr marL="2514600" indent="-228600" eaLnBrk="0" fontAlgn="base" hangingPunct="0">
-              <a:spcBef>
-                <a:spcPct val="0"/>
-              </a:spcBef>
-              <a:spcAft>
-                <a:spcPct val="0"/>
-              </a:spcAft>
-              <a:defRPr>
-                <a:solidFill>
-                  <a:schemeClr val="tx1"/>
-                </a:solidFill>
-                <a:latin typeface="Arial" charset="0"/>
-                <a:ea typeface="Arial" charset="0"/>
-                <a:cs typeface="Arial" charset="0"/>
-              </a:defRPr>
-            </a:lvl6pPr>
-            <a:lvl7pPr marL="2971800" indent="-228600" eaLnBrk="0" fontAlgn="base" hangingPunct="0">
-              <a:spcBef>
-                <a:spcPct val="0"/>
-              </a:spcBef>
-              <a:spcAft>
-                <a:spcPct val="0"/>
-              </a:spcAft>
-              <a:defRPr>
-                <a:solidFill>
-                  <a:schemeClr val="tx1"/>
-                </a:solidFill>
-                <a:latin typeface="Arial" charset="0"/>
-                <a:ea typeface="Arial" charset="0"/>
-                <a:cs typeface="Arial" charset="0"/>
-              </a:defRPr>
-            </a:lvl7pPr>
-            <a:lvl8pPr marL="3429000" indent="-228600" eaLnBrk="0" fontAlgn="base" hangingPunct="0">
-              <a:spcBef>
-                <a:spcPct val="0"/>
-              </a:spcBef>
-              <a:spcAft>
-                <a:spcPct val="0"/>
-              </a:spcAft>
-              <a:defRPr>
-                <a:solidFill>
-                  <a:schemeClr val="tx1"/>
-                </a:solidFill>
-                <a:latin typeface="Arial" charset="0"/>
-                <a:ea typeface="Arial" charset="0"/>
-                <a:cs typeface="Arial" charset="0"/>
-              </a:defRPr>
-            </a:lvl8pPr>
-            <a:lvl9pPr marL="3886200" indent="-228600" eaLnBrk="0" fontAlgn="base" hangingPunct="0">
-              <a:spcBef>
-                <a:spcPct val="0"/>
-              </a:spcBef>
-              <a:spcAft>
-                <a:spcPct val="0"/>
-              </a:spcAft>
-              <a:defRPr>
-                <a:solidFill>
-                  <a:schemeClr val="tx1"/>
-                </a:solidFill>
-                <a:latin typeface="Arial" charset="0"/>
-                <a:ea typeface="Arial" charset="0"/>
-                <a:cs typeface="Arial" charset="0"/>
-              </a:defRPr>
-            </a:lvl9pPr>
-          </a:lstStyle>
-          <a:p>
-            <a:pPr eaLnBrk="1" hangingPunct="1"/>
-            <a:fld id="{9FB5D5A5-0EC8-4743-A738-C3AB351D4C2E}" type="slidenum">
-              <a:rPr lang="en-US">
-                <a:latin typeface="Garamond" charset="0"/>
-              </a:rPr>
-              <a:pPr eaLnBrk="1" hangingPunct="1"/>
-              <a:t>25</a:t>
-            </a:fld>
-            <a:endParaRPr lang="en-US">
-              <a:latin typeface="Garamond" charset="0"/>
-            </a:endParaRPr>
-          </a:p>
-        </p:txBody>
-      </p:sp>
-    </p:spTree>
-    <p:extLst>
-      <p:ext uri="{BB962C8B-B14F-4D97-AF65-F5344CB8AC3E}">
-        <p14:creationId xmlns:p14="http://schemas.microsoft.com/office/powerpoint/2010/main" val="1947768158"/>
-      </p:ext>
-    </p:extLst>
-  </p:cSld>
-  <p:clrMapOvr>
-    <a:masterClrMapping/>
-  </p:clrMapOvr>
-  <p:timing>
-    <p:tnLst>
-      <p:par>
-        <p:cTn xmlns:p14="http://schemas.microsoft.com/office/powerpoint/2010/main" id="1" dur="indefinite" restart="never" nodeType="tmRoot"/>
-      </p:par>
-    </p:tnLst>
-  </p:timing>
-</p:sld>
-</file>
-
-<file path=ppt/slides/slide26.xml><?xml version="1.0" encoding="utf-8"?>
-<p:sld xmlns:a="http://schemas.openxmlformats.org/drawingml/2006/main" xmlns:r="http://schemas.openxmlformats.org/officeDocument/2006/relationships" xmlns:p="http://schemas.openxmlformats.org/presentationml/2006/main">
-  <p:cSld>
-    <p:spTree>
-      <p:nvGrpSpPr>
-        <p:cNvPr id="1" name=""/>
-        <p:cNvGrpSpPr/>
-        <p:nvPr/>
-      </p:nvGrpSpPr>
-      <p:grpSpPr>
-        <a:xfrm>
-          <a:off x="0" y="0"/>
-          <a:ext cx="0" cy="0"/>
-          <a:chOff x="0" y="0"/>
-          <a:chExt cx="0" cy="0"/>
-        </a:xfrm>
-      </p:grpSpPr>
-      <p:sp>
-        <p:nvSpPr>
-          <p:cNvPr id="12290" name="Title 1"/>
-          <p:cNvSpPr>
-            <a:spLocks noGrp="1"/>
-          </p:cNvSpPr>
-          <p:nvPr>
-            <p:ph type="title"/>
-          </p:nvPr>
-        </p:nvSpPr>
-        <p:spPr/>
-        <p:txBody>
-          <a:bodyPr/>
-          <a:lstStyle/>
-          <a:p>
-            <a:r>
-              <a:rPr lang="en-US">
-                <a:latin typeface="Garamond" charset="0"/>
-              </a:rPr>
-              <a:t>Example solution</a:t>
-            </a:r>
-          </a:p>
-        </p:txBody>
-      </p:sp>
-      <p:sp>
-        <p:nvSpPr>
-          <p:cNvPr id="12291" name="Content Placeholder 2"/>
-          <p:cNvSpPr>
-            <a:spLocks noGrp="1"/>
-          </p:cNvSpPr>
-          <p:nvPr>
-            <p:ph idx="1"/>
-          </p:nvPr>
-        </p:nvSpPr>
-        <p:spPr/>
-        <p:txBody>
-          <a:bodyPr/>
-          <a:lstStyle/>
-          <a:p>
-            <a:r>
-              <a:rPr lang="en-US">
-                <a:latin typeface="Courier New" charset="0"/>
-                <a:cs typeface="Courier New" charset="0"/>
-              </a:rPr>
-              <a:t>19/3 = 6 (integer division)</a:t>
-            </a:r>
-          </a:p>
-          <a:p>
-            <a:r>
-              <a:rPr lang="en-US">
-                <a:latin typeface="Courier New" charset="0"/>
-                <a:cs typeface="Courier New" charset="0"/>
-              </a:rPr>
-              <a:t>3/19 = 0 (integer division)</a:t>
-            </a:r>
-          </a:p>
-          <a:p>
-            <a:r>
-              <a:rPr lang="en-US">
-                <a:latin typeface="Courier New" charset="0"/>
-                <a:cs typeface="Courier New" charset="0"/>
-              </a:rPr>
-              <a:t>19%3 = 1</a:t>
-            </a:r>
-          </a:p>
-          <a:p>
-            <a:r>
-              <a:rPr lang="en-US">
-                <a:latin typeface="Courier New" charset="0"/>
-                <a:cs typeface="Courier New" charset="0"/>
-              </a:rPr>
-              <a:t>3%19 = 3</a:t>
-            </a:r>
-          </a:p>
-          <a:p>
-            <a:r>
-              <a:rPr lang="en-US">
-                <a:latin typeface="Courier New" charset="0"/>
-                <a:cs typeface="Courier New" charset="0"/>
-              </a:rPr>
-              <a:t>5 + 7/2 = 5 + 3 = 8</a:t>
-            </a:r>
-          </a:p>
-          <a:p>
-            <a:r>
-              <a:rPr lang="en-US">
-                <a:latin typeface="Courier New" charset="0"/>
-                <a:cs typeface="Courier New" charset="0"/>
-              </a:rPr>
-              <a:t>5.0 + 7/2 = 5.0 + 3 = 8.0</a:t>
-            </a:r>
-          </a:p>
-          <a:p>
-            <a:r>
-              <a:rPr lang="en-US">
-                <a:latin typeface="Courier New" charset="0"/>
-                <a:cs typeface="Courier New" charset="0"/>
-              </a:rPr>
-              <a:t>5 + 7.0/2 = 5 + 3.5 = 8.5</a:t>
-            </a:r>
-          </a:p>
-          <a:p>
-            <a:endParaRPr lang="en-US">
-              <a:latin typeface="Arial" charset="0"/>
-            </a:endParaRPr>
-          </a:p>
-        </p:txBody>
-      </p:sp>
-      <p:sp>
-        <p:nvSpPr>
-          <p:cNvPr id="4" name="Date Placeholder 3"/>
-          <p:cNvSpPr>
-            <a:spLocks noGrp="1"/>
-          </p:cNvSpPr>
-          <p:nvPr>
-            <p:ph type="dt" sz="quarter" idx="10"/>
-          </p:nvPr>
-        </p:nvSpPr>
-        <p:spPr/>
-        <p:txBody>
-          <a:bodyPr/>
-          <a:lstStyle>
-            <a:lvl1pPr eaLnBrk="0" hangingPunct="0">
-              <a:defRPr>
-                <a:solidFill>
-                  <a:schemeClr val="tx1"/>
-                </a:solidFill>
-                <a:latin typeface="Arial" charset="0"/>
-                <a:ea typeface="ＭＳ Ｐゴシック" charset="0"/>
-                <a:cs typeface="Arial" charset="0"/>
-              </a:defRPr>
-            </a:lvl1pPr>
-            <a:lvl2pPr marL="742950" indent="-285750" eaLnBrk="0" hangingPunct="0">
-              <a:defRPr>
-                <a:solidFill>
-                  <a:schemeClr val="tx1"/>
-                </a:solidFill>
-                <a:latin typeface="Arial" charset="0"/>
-                <a:ea typeface="Arial" charset="0"/>
-                <a:cs typeface="Arial" charset="0"/>
-              </a:defRPr>
-            </a:lvl2pPr>
-            <a:lvl3pPr marL="1143000" indent="-228600" eaLnBrk="0" hangingPunct="0">
-              <a:defRPr>
-                <a:solidFill>
-                  <a:schemeClr val="tx1"/>
-                </a:solidFill>
-                <a:latin typeface="Arial" charset="0"/>
-                <a:ea typeface="Arial" charset="0"/>
-                <a:cs typeface="Arial" charset="0"/>
-              </a:defRPr>
-            </a:lvl3pPr>
-            <a:lvl4pPr marL="1600200" indent="-228600" eaLnBrk="0" hangingPunct="0">
-              <a:defRPr>
-                <a:solidFill>
-                  <a:schemeClr val="tx1"/>
-                </a:solidFill>
-                <a:latin typeface="Arial" charset="0"/>
-                <a:ea typeface="Arial" charset="0"/>
-                <a:cs typeface="Arial" charset="0"/>
-              </a:defRPr>
-            </a:lvl4pPr>
-            <a:lvl5pPr marL="2057400" indent="-228600" eaLnBrk="0" hangingPunct="0">
-              <a:defRPr>
-                <a:solidFill>
-                  <a:schemeClr val="tx1"/>
-                </a:solidFill>
-                <a:latin typeface="Arial" charset="0"/>
-                <a:ea typeface="Arial" charset="0"/>
-                <a:cs typeface="Arial" charset="0"/>
-              </a:defRPr>
-            </a:lvl5pPr>
-            <a:lvl6pPr marL="2514600" indent="-228600" eaLnBrk="0" fontAlgn="base" hangingPunct="0">
-              <a:spcBef>
-                <a:spcPct val="0"/>
-              </a:spcBef>
-              <a:spcAft>
-                <a:spcPct val="0"/>
-              </a:spcAft>
-              <a:defRPr>
-                <a:solidFill>
-                  <a:schemeClr val="tx1"/>
-                </a:solidFill>
-                <a:latin typeface="Arial" charset="0"/>
-                <a:ea typeface="Arial" charset="0"/>
-                <a:cs typeface="Arial" charset="0"/>
-              </a:defRPr>
-            </a:lvl6pPr>
-            <a:lvl7pPr marL="2971800" indent="-228600" eaLnBrk="0" fontAlgn="base" hangingPunct="0">
-              <a:spcBef>
-                <a:spcPct val="0"/>
-              </a:spcBef>
-              <a:spcAft>
-                <a:spcPct val="0"/>
-              </a:spcAft>
-              <a:defRPr>
-                <a:solidFill>
-                  <a:schemeClr val="tx1"/>
-                </a:solidFill>
-                <a:latin typeface="Arial" charset="0"/>
-                <a:ea typeface="Arial" charset="0"/>
-                <a:cs typeface="Arial" charset="0"/>
-              </a:defRPr>
-            </a:lvl7pPr>
-            <a:lvl8pPr marL="3429000" indent="-228600" eaLnBrk="0" fontAlgn="base" hangingPunct="0">
-              <a:spcBef>
-                <a:spcPct val="0"/>
-              </a:spcBef>
-              <a:spcAft>
-                <a:spcPct val="0"/>
-              </a:spcAft>
-              <a:defRPr>
-                <a:solidFill>
-                  <a:schemeClr val="tx1"/>
-                </a:solidFill>
-                <a:latin typeface="Arial" charset="0"/>
-                <a:ea typeface="Arial" charset="0"/>
-                <a:cs typeface="Arial" charset="0"/>
-              </a:defRPr>
-            </a:lvl8pPr>
-            <a:lvl9pPr marL="3886200" indent="-228600" eaLnBrk="0" fontAlgn="base" hangingPunct="0">
-              <a:spcBef>
-                <a:spcPct val="0"/>
-              </a:spcBef>
-              <a:spcAft>
-                <a:spcPct val="0"/>
-              </a:spcAft>
-              <a:defRPr>
-                <a:solidFill>
-                  <a:schemeClr val="tx1"/>
-                </a:solidFill>
-                <a:latin typeface="Arial" charset="0"/>
-                <a:ea typeface="Arial" charset="0"/>
-                <a:cs typeface="Arial" charset="0"/>
-              </a:defRPr>
-            </a:lvl9pPr>
-          </a:lstStyle>
-          <a:p>
-            <a:pPr eaLnBrk="1" hangingPunct="1"/>
-            <a:fld id="{CF9E7036-0194-E74E-BADA-FCA7526E6093}" type="datetime1">
-              <a:rPr lang="en-US" smtClean="0">
-                <a:latin typeface="Garamond" charset="0"/>
-              </a:rPr>
-              <a:t>1/20/16</a:t>
-            </a:fld>
-            <a:endParaRPr lang="en-US">
-              <a:latin typeface="Garamond" charset="0"/>
-            </a:endParaRPr>
-          </a:p>
-        </p:txBody>
-      </p:sp>
-      <p:sp>
-        <p:nvSpPr>
-          <p:cNvPr id="5" name="Footer Placeholder 4"/>
-          <p:cNvSpPr>
-            <a:spLocks noGrp="1"/>
-          </p:cNvSpPr>
-          <p:nvPr>
-            <p:ph type="ftr" sz="quarter" idx="11"/>
-          </p:nvPr>
-        </p:nvSpPr>
-        <p:spPr/>
-        <p:txBody>
-          <a:bodyPr/>
-          <a:lstStyle/>
-          <a:p>
-            <a:pPr>
-              <a:defRPr/>
-            </a:pPr>
-            <a:r>
-              <a:rPr lang="en-US" altLang="en-US" smtClean="0"/>
-              <a:t>ECE Application Programming: Lecture 3</a:t>
-            </a:r>
-            <a:endParaRPr lang="en-US" altLang="en-US"/>
-          </a:p>
-        </p:txBody>
-      </p:sp>
-      <p:sp>
-        <p:nvSpPr>
-          <p:cNvPr id="6" name="Slide Number Placeholder 5"/>
-          <p:cNvSpPr>
-            <a:spLocks noGrp="1"/>
-          </p:cNvSpPr>
-          <p:nvPr>
-            <p:ph type="sldNum" sz="quarter" idx="12"/>
-          </p:nvPr>
-        </p:nvSpPr>
-        <p:spPr/>
-        <p:txBody>
-          <a:bodyPr/>
-          <a:lstStyle>
-            <a:lvl1pPr eaLnBrk="0" hangingPunct="0">
-              <a:defRPr>
-                <a:solidFill>
-                  <a:schemeClr val="tx1"/>
-                </a:solidFill>
-                <a:latin typeface="Arial" charset="0"/>
-                <a:ea typeface="ＭＳ Ｐゴシック" charset="0"/>
-                <a:cs typeface="Arial" charset="0"/>
-              </a:defRPr>
-            </a:lvl1pPr>
-            <a:lvl2pPr marL="742950" indent="-285750" eaLnBrk="0" hangingPunct="0">
-              <a:defRPr>
-                <a:solidFill>
-                  <a:schemeClr val="tx1"/>
-                </a:solidFill>
-                <a:latin typeface="Arial" charset="0"/>
-                <a:ea typeface="Arial" charset="0"/>
-                <a:cs typeface="Arial" charset="0"/>
-              </a:defRPr>
-            </a:lvl2pPr>
-            <a:lvl3pPr marL="1143000" indent="-228600" eaLnBrk="0" hangingPunct="0">
-              <a:defRPr>
-                <a:solidFill>
-                  <a:schemeClr val="tx1"/>
-                </a:solidFill>
-                <a:latin typeface="Arial" charset="0"/>
-                <a:ea typeface="Arial" charset="0"/>
-                <a:cs typeface="Arial" charset="0"/>
-              </a:defRPr>
-            </a:lvl3pPr>
-            <a:lvl4pPr marL="1600200" indent="-228600" eaLnBrk="0" hangingPunct="0">
-              <a:defRPr>
-                <a:solidFill>
-                  <a:schemeClr val="tx1"/>
-                </a:solidFill>
-                <a:latin typeface="Arial" charset="0"/>
-                <a:ea typeface="Arial" charset="0"/>
-                <a:cs typeface="Arial" charset="0"/>
-              </a:defRPr>
-            </a:lvl4pPr>
-            <a:lvl5pPr marL="2057400" indent="-228600" eaLnBrk="0" hangingPunct="0">
-              <a:defRPr>
-                <a:solidFill>
-                  <a:schemeClr val="tx1"/>
-                </a:solidFill>
-                <a:latin typeface="Arial" charset="0"/>
-                <a:ea typeface="Arial" charset="0"/>
-                <a:cs typeface="Arial" charset="0"/>
-              </a:defRPr>
-            </a:lvl5pPr>
-            <a:lvl6pPr marL="2514600" indent="-228600" eaLnBrk="0" fontAlgn="base" hangingPunct="0">
-              <a:spcBef>
-                <a:spcPct val="0"/>
-              </a:spcBef>
-              <a:spcAft>
-                <a:spcPct val="0"/>
-              </a:spcAft>
-              <a:defRPr>
-                <a:solidFill>
-                  <a:schemeClr val="tx1"/>
-                </a:solidFill>
-                <a:latin typeface="Arial" charset="0"/>
-                <a:ea typeface="Arial" charset="0"/>
-                <a:cs typeface="Arial" charset="0"/>
-              </a:defRPr>
-            </a:lvl6pPr>
-            <a:lvl7pPr marL="2971800" indent="-228600" eaLnBrk="0" fontAlgn="base" hangingPunct="0">
-              <a:spcBef>
-                <a:spcPct val="0"/>
-              </a:spcBef>
-              <a:spcAft>
-                <a:spcPct val="0"/>
-              </a:spcAft>
-              <a:defRPr>
-                <a:solidFill>
-                  <a:schemeClr val="tx1"/>
-                </a:solidFill>
-                <a:latin typeface="Arial" charset="0"/>
-                <a:ea typeface="Arial" charset="0"/>
-                <a:cs typeface="Arial" charset="0"/>
-              </a:defRPr>
-            </a:lvl7pPr>
-            <a:lvl8pPr marL="3429000" indent="-228600" eaLnBrk="0" fontAlgn="base" hangingPunct="0">
-              <a:spcBef>
-                <a:spcPct val="0"/>
-              </a:spcBef>
-              <a:spcAft>
-                <a:spcPct val="0"/>
-              </a:spcAft>
-              <a:defRPr>
-                <a:solidFill>
-                  <a:schemeClr val="tx1"/>
-                </a:solidFill>
-                <a:latin typeface="Arial" charset="0"/>
-                <a:ea typeface="Arial" charset="0"/>
-                <a:cs typeface="Arial" charset="0"/>
-              </a:defRPr>
-            </a:lvl8pPr>
-            <a:lvl9pPr marL="3886200" indent="-228600" eaLnBrk="0" fontAlgn="base" hangingPunct="0">
-              <a:spcBef>
-                <a:spcPct val="0"/>
-              </a:spcBef>
-              <a:spcAft>
-                <a:spcPct val="0"/>
-              </a:spcAft>
-              <a:defRPr>
-                <a:solidFill>
-                  <a:schemeClr val="tx1"/>
-                </a:solidFill>
-                <a:latin typeface="Arial" charset="0"/>
-                <a:ea typeface="Arial" charset="0"/>
-                <a:cs typeface="Arial" charset="0"/>
-              </a:defRPr>
-            </a:lvl9pPr>
-          </a:lstStyle>
-          <a:p>
-            <a:pPr eaLnBrk="1" hangingPunct="1"/>
-            <a:fld id="{AC7FF445-FB4A-6B43-B0AB-770D79EF43F0}" type="slidenum">
-              <a:rPr lang="en-US">
-                <a:latin typeface="Garamond" charset="0"/>
-              </a:rPr>
-              <a:pPr eaLnBrk="1" hangingPunct="1"/>
-              <a:t>26</a:t>
-            </a:fld>
-            <a:endParaRPr lang="en-US">
-              <a:latin typeface="Garamond" charset="0"/>
-            </a:endParaRPr>
-          </a:p>
-        </p:txBody>
-      </p:sp>
-    </p:spTree>
-    <p:extLst>
-      <p:ext uri="{BB962C8B-B14F-4D97-AF65-F5344CB8AC3E}">
-        <p14:creationId xmlns:p14="http://schemas.microsoft.com/office/powerpoint/2010/main" val="3656064901"/>
-      </p:ext>
-    </p:extLst>
-  </p:cSld>
-  <p:clrMapOvr>
-    <a:masterClrMapping/>
-  </p:clrMapOvr>
-  <p:timing>
-    <p:tnLst>
-      <p:par>
-        <p:cTn xmlns:p14="http://schemas.microsoft.com/office/powerpoint/2010/main" id="1" dur="indefinite" restart="never" nodeType="tmRoot"/>
-      </p:par>
-    </p:tnLst>
-  </p:timing>
-</p:sld>
-</file>
-
-<file path=ppt/slides/slide27.xml><?xml version="1.0" encoding="utf-8"?>
-<p:sld xmlns:a="http://schemas.openxmlformats.org/drawingml/2006/main" xmlns:r="http://schemas.openxmlformats.org/officeDocument/2006/relationships" xmlns:p="http://schemas.openxmlformats.org/presentationml/2006/main">
-  <p:cSld>
-    <p:spTree>
-      <p:nvGrpSpPr>
-        <p:cNvPr id="1" name=""/>
-        <p:cNvGrpSpPr/>
-        <p:nvPr/>
-      </p:nvGrpSpPr>
-      <p:grpSpPr>
-        <a:xfrm>
-          <a:off x="0" y="0"/>
-          <a:ext cx="0" cy="0"/>
-          <a:chOff x="0" y="0"/>
-          <a:chExt cx="0" cy="0"/>
-        </a:xfrm>
-      </p:grpSpPr>
-      <p:sp>
-        <p:nvSpPr>
-          <p:cNvPr id="13314" name="Title 1"/>
-          <p:cNvSpPr>
-            <a:spLocks noGrp="1"/>
-          </p:cNvSpPr>
-          <p:nvPr>
-            <p:ph type="title"/>
-          </p:nvPr>
-        </p:nvSpPr>
-        <p:spPr/>
-        <p:txBody>
-          <a:bodyPr/>
-          <a:lstStyle/>
-          <a:p>
-            <a:r>
-              <a:rPr lang="en-US">
-                <a:latin typeface="Garamond" charset="0"/>
-              </a:rPr>
-              <a:t>Example solution (cont.)</a:t>
-            </a:r>
-          </a:p>
-        </p:txBody>
-      </p:sp>
-      <p:sp>
-        <p:nvSpPr>
-          <p:cNvPr id="3" name="Content Placeholder 2"/>
-          <p:cNvSpPr>
-            <a:spLocks noGrp="1"/>
-          </p:cNvSpPr>
-          <p:nvPr>
-            <p:ph idx="1"/>
-          </p:nvPr>
-        </p:nvSpPr>
-        <p:spPr/>
-        <p:txBody>
-          <a:bodyPr>
-            <a:normAutofit lnSpcReduction="10000"/>
-          </a:bodyPr>
-          <a:lstStyle/>
-          <a:p>
-            <a:pPr>
-              <a:buFont typeface="Wingdings" pitchFamily="2" charset="2"/>
-              <a:buChar char="n"/>
-              <a:defRPr/>
-            </a:pPr>
-            <a:r>
-              <a:rPr lang="en-US" dirty="0" smtClean="0">
-                <a:ea typeface="+mn-ea"/>
-                <a:cs typeface="Courier New" pitchFamily="49" charset="0"/>
-              </a:rPr>
-              <a:t>For each of the following, underlined part(s) evaluated first at each step</a:t>
-            </a:r>
-          </a:p>
-          <a:p>
-            <a:pPr>
-              <a:buFont typeface="Wingdings" pitchFamily="2" charset="2"/>
-              <a:buChar char="n"/>
-              <a:defRPr/>
-            </a:pPr>
-            <a:r>
-              <a:rPr lang="en-US" u="sng" dirty="0" smtClean="0">
-                <a:latin typeface="Courier New" pitchFamily="49" charset="0"/>
-                <a:ea typeface="+mn-ea"/>
-                <a:cs typeface="Courier New" pitchFamily="49" charset="0"/>
-              </a:rPr>
-              <a:t>5 * 3 </a:t>
-            </a:r>
-            <a:r>
-              <a:rPr lang="en-US" dirty="0" smtClean="0">
-                <a:latin typeface="Courier New" pitchFamily="49" charset="0"/>
-                <a:ea typeface="+mn-ea"/>
-                <a:cs typeface="Courier New" pitchFamily="49" charset="0"/>
-              </a:rPr>
-              <a:t>% 3 / 6 + 14 + </a:t>
-            </a:r>
-            <a:r>
-              <a:rPr lang="en-US" u="sng" dirty="0" smtClean="0">
-                <a:latin typeface="Courier New" pitchFamily="49" charset="0"/>
-                <a:ea typeface="+mn-ea"/>
-                <a:cs typeface="Courier New" pitchFamily="49" charset="0"/>
-              </a:rPr>
-              <a:t>10 / 2</a:t>
-            </a:r>
-          </a:p>
-          <a:p>
-            <a:pPr>
-              <a:buFont typeface="Wingdings" pitchFamily="2" charset="2"/>
-              <a:buNone/>
-              <a:defRPr/>
-            </a:pPr>
-            <a:r>
-              <a:rPr lang="en-US" dirty="0" smtClean="0">
-                <a:latin typeface="Courier New" pitchFamily="49" charset="0"/>
-                <a:ea typeface="+mn-ea"/>
-                <a:cs typeface="Courier New" pitchFamily="49" charset="0"/>
-              </a:rPr>
-              <a:t>	= </a:t>
-            </a:r>
-            <a:r>
-              <a:rPr lang="en-US" u="sng" dirty="0" smtClean="0">
-                <a:latin typeface="Courier New" pitchFamily="49" charset="0"/>
-                <a:ea typeface="+mn-ea"/>
-                <a:cs typeface="Courier New" pitchFamily="49" charset="0"/>
-              </a:rPr>
-              <a:t>15 % 3</a:t>
-            </a:r>
-            <a:r>
-              <a:rPr lang="en-US" dirty="0" smtClean="0">
-                <a:latin typeface="Courier New" pitchFamily="49" charset="0"/>
-                <a:ea typeface="+mn-ea"/>
-                <a:cs typeface="Courier New" pitchFamily="49" charset="0"/>
-              </a:rPr>
-              <a:t> / 6 + 14 + 5</a:t>
-            </a:r>
-          </a:p>
-          <a:p>
-            <a:pPr>
-              <a:buFont typeface="Wingdings" pitchFamily="2" charset="2"/>
-              <a:buNone/>
-              <a:defRPr/>
-            </a:pPr>
-            <a:r>
-              <a:rPr lang="en-US" dirty="0" smtClean="0">
-                <a:latin typeface="Courier New" pitchFamily="49" charset="0"/>
-                <a:ea typeface="+mn-ea"/>
-                <a:cs typeface="Courier New" pitchFamily="49" charset="0"/>
-              </a:rPr>
-              <a:t>	= </a:t>
-            </a:r>
-            <a:r>
-              <a:rPr lang="en-US" u="sng" dirty="0" smtClean="0">
-                <a:latin typeface="Courier New" pitchFamily="49" charset="0"/>
-                <a:ea typeface="+mn-ea"/>
-                <a:cs typeface="Courier New" pitchFamily="49" charset="0"/>
-              </a:rPr>
-              <a:t>0 / 6</a:t>
-            </a:r>
-            <a:r>
-              <a:rPr lang="en-US" dirty="0" smtClean="0">
-                <a:latin typeface="Courier New" pitchFamily="49" charset="0"/>
-                <a:ea typeface="+mn-ea"/>
-                <a:cs typeface="Courier New" pitchFamily="49" charset="0"/>
-              </a:rPr>
-              <a:t> + 14 + 5</a:t>
-            </a:r>
-          </a:p>
-          <a:p>
-            <a:pPr>
-              <a:buFont typeface="Wingdings" pitchFamily="2" charset="2"/>
-              <a:buNone/>
-              <a:defRPr/>
-            </a:pPr>
-            <a:r>
-              <a:rPr lang="en-US" dirty="0" smtClean="0">
-                <a:latin typeface="Courier New" pitchFamily="49" charset="0"/>
-                <a:ea typeface="+mn-ea"/>
-                <a:cs typeface="Courier New" pitchFamily="49" charset="0"/>
-              </a:rPr>
-              <a:t>	= 0 + 14 + 5 = 19</a:t>
-            </a:r>
-          </a:p>
-          <a:p>
-            <a:pPr>
-              <a:buFont typeface="Wingdings" pitchFamily="2" charset="2"/>
-              <a:buChar char="n"/>
-              <a:defRPr/>
-            </a:pPr>
-            <a:r>
-              <a:rPr lang="en-US" dirty="0" smtClean="0">
-                <a:latin typeface="Courier New" pitchFamily="49" charset="0"/>
-                <a:ea typeface="+mn-ea"/>
-                <a:cs typeface="Courier New" pitchFamily="49" charset="0"/>
-              </a:rPr>
-              <a:t>5 * </a:t>
-            </a:r>
-            <a:r>
-              <a:rPr lang="en-US" u="sng" dirty="0" smtClean="0">
-                <a:latin typeface="Courier New" pitchFamily="49" charset="0"/>
-                <a:ea typeface="+mn-ea"/>
-                <a:cs typeface="Courier New" pitchFamily="49" charset="0"/>
-              </a:rPr>
-              <a:t>(3 % 3)</a:t>
-            </a:r>
-            <a:r>
-              <a:rPr lang="en-US" dirty="0" smtClean="0">
-                <a:latin typeface="Courier New" pitchFamily="49" charset="0"/>
-                <a:ea typeface="+mn-ea"/>
-                <a:cs typeface="Courier New" pitchFamily="49" charset="0"/>
-              </a:rPr>
-              <a:t> / 6 + 14.0 + 10/3</a:t>
-            </a:r>
-          </a:p>
-          <a:p>
-            <a:pPr>
-              <a:buFont typeface="Wingdings" pitchFamily="2" charset="2"/>
-              <a:buNone/>
-              <a:defRPr/>
-            </a:pPr>
-            <a:r>
-              <a:rPr lang="en-US" dirty="0" smtClean="0">
-                <a:latin typeface="Courier New" pitchFamily="49" charset="0"/>
-                <a:ea typeface="+mn-ea"/>
-                <a:cs typeface="Courier New" pitchFamily="49" charset="0"/>
-              </a:rPr>
-              <a:t>	= </a:t>
-            </a:r>
-            <a:r>
-              <a:rPr lang="en-US" u="sng" dirty="0" smtClean="0">
-                <a:latin typeface="Courier New" pitchFamily="49" charset="0"/>
-                <a:ea typeface="+mn-ea"/>
-                <a:cs typeface="Courier New" pitchFamily="49" charset="0"/>
-              </a:rPr>
-              <a:t>5 * 0</a:t>
-            </a:r>
-            <a:r>
-              <a:rPr lang="en-US" dirty="0" smtClean="0">
-                <a:latin typeface="Courier New" pitchFamily="49" charset="0"/>
-                <a:ea typeface="+mn-ea"/>
-                <a:cs typeface="Courier New" pitchFamily="49" charset="0"/>
-              </a:rPr>
-              <a:t> / 6 + 14.0 + </a:t>
-            </a:r>
-            <a:r>
-              <a:rPr lang="en-US" u="sng" dirty="0" smtClean="0">
-                <a:latin typeface="Courier New" pitchFamily="49" charset="0"/>
-                <a:ea typeface="+mn-ea"/>
-                <a:cs typeface="Courier New" pitchFamily="49" charset="0"/>
-              </a:rPr>
-              <a:t>10/3</a:t>
-            </a:r>
-          </a:p>
-          <a:p>
-            <a:pPr>
-              <a:buFont typeface="Wingdings" pitchFamily="2" charset="2"/>
-              <a:buNone/>
-              <a:defRPr/>
-            </a:pPr>
-            <a:r>
-              <a:rPr lang="en-US" dirty="0" smtClean="0">
-                <a:ea typeface="+mn-ea"/>
-              </a:rPr>
-              <a:t>	</a:t>
-            </a:r>
-            <a:r>
-              <a:rPr lang="en-US" dirty="0" smtClean="0">
-                <a:latin typeface="Courier New" pitchFamily="49" charset="0"/>
-                <a:ea typeface="+mn-ea"/>
-                <a:cs typeface="Courier New" pitchFamily="49" charset="0"/>
-              </a:rPr>
-              <a:t>= </a:t>
-            </a:r>
-            <a:r>
-              <a:rPr lang="en-US" u="sng" dirty="0" smtClean="0">
-                <a:latin typeface="Courier New" pitchFamily="49" charset="0"/>
-                <a:ea typeface="+mn-ea"/>
-                <a:cs typeface="Courier New" pitchFamily="49" charset="0"/>
-              </a:rPr>
-              <a:t>0 / 6</a:t>
-            </a:r>
-            <a:r>
-              <a:rPr lang="en-US" dirty="0" smtClean="0">
-                <a:latin typeface="Courier New" pitchFamily="49" charset="0"/>
-                <a:ea typeface="+mn-ea"/>
-                <a:cs typeface="Courier New" pitchFamily="49" charset="0"/>
-              </a:rPr>
-              <a:t> + 14.0 + 3</a:t>
-            </a:r>
-          </a:p>
-          <a:p>
-            <a:pPr>
-              <a:buFont typeface="Wingdings" pitchFamily="2" charset="2"/>
-              <a:buNone/>
-              <a:defRPr/>
-            </a:pPr>
-            <a:r>
-              <a:rPr lang="en-US" dirty="0" smtClean="0">
-                <a:latin typeface="Courier New" pitchFamily="49" charset="0"/>
-                <a:ea typeface="+mn-ea"/>
-                <a:cs typeface="Courier New" pitchFamily="49" charset="0"/>
-              </a:rPr>
-              <a:t>	= 0 + 14.0 + 3 = 17.0</a:t>
-            </a:r>
-            <a:endParaRPr lang="en-US" dirty="0">
-              <a:ea typeface="+mn-ea"/>
-            </a:endParaRPr>
-          </a:p>
-        </p:txBody>
-      </p:sp>
-      <p:sp>
-        <p:nvSpPr>
-          <p:cNvPr id="4" name="Date Placeholder 3"/>
-          <p:cNvSpPr>
-            <a:spLocks noGrp="1"/>
-          </p:cNvSpPr>
-          <p:nvPr>
-            <p:ph type="dt" sz="quarter" idx="10"/>
-          </p:nvPr>
-        </p:nvSpPr>
-        <p:spPr/>
-        <p:txBody>
-          <a:bodyPr/>
-          <a:lstStyle>
-            <a:lvl1pPr eaLnBrk="0" hangingPunct="0">
-              <a:defRPr>
-                <a:solidFill>
-                  <a:schemeClr val="tx1"/>
-                </a:solidFill>
-                <a:latin typeface="Arial" charset="0"/>
-                <a:ea typeface="ＭＳ Ｐゴシック" charset="0"/>
-                <a:cs typeface="Arial" charset="0"/>
-              </a:defRPr>
-            </a:lvl1pPr>
-            <a:lvl2pPr marL="742950" indent="-285750" eaLnBrk="0" hangingPunct="0">
-              <a:defRPr>
-                <a:solidFill>
-                  <a:schemeClr val="tx1"/>
-                </a:solidFill>
-                <a:latin typeface="Arial" charset="0"/>
-                <a:ea typeface="Arial" charset="0"/>
-                <a:cs typeface="Arial" charset="0"/>
-              </a:defRPr>
-            </a:lvl2pPr>
-            <a:lvl3pPr marL="1143000" indent="-228600" eaLnBrk="0" hangingPunct="0">
-              <a:defRPr>
-                <a:solidFill>
-                  <a:schemeClr val="tx1"/>
-                </a:solidFill>
-                <a:latin typeface="Arial" charset="0"/>
-                <a:ea typeface="Arial" charset="0"/>
-                <a:cs typeface="Arial" charset="0"/>
-              </a:defRPr>
-            </a:lvl3pPr>
-            <a:lvl4pPr marL="1600200" indent="-228600" eaLnBrk="0" hangingPunct="0">
-              <a:defRPr>
-                <a:solidFill>
-                  <a:schemeClr val="tx1"/>
-                </a:solidFill>
-                <a:latin typeface="Arial" charset="0"/>
-                <a:ea typeface="Arial" charset="0"/>
-                <a:cs typeface="Arial" charset="0"/>
-              </a:defRPr>
-            </a:lvl4pPr>
-            <a:lvl5pPr marL="2057400" indent="-228600" eaLnBrk="0" hangingPunct="0">
-              <a:defRPr>
-                <a:solidFill>
-                  <a:schemeClr val="tx1"/>
-                </a:solidFill>
-                <a:latin typeface="Arial" charset="0"/>
-                <a:ea typeface="Arial" charset="0"/>
-                <a:cs typeface="Arial" charset="0"/>
-              </a:defRPr>
-            </a:lvl5pPr>
-            <a:lvl6pPr marL="2514600" indent="-228600" eaLnBrk="0" fontAlgn="base" hangingPunct="0">
-              <a:spcBef>
-                <a:spcPct val="0"/>
-              </a:spcBef>
-              <a:spcAft>
-                <a:spcPct val="0"/>
-              </a:spcAft>
-              <a:defRPr>
-                <a:solidFill>
-                  <a:schemeClr val="tx1"/>
-                </a:solidFill>
-                <a:latin typeface="Arial" charset="0"/>
-                <a:ea typeface="Arial" charset="0"/>
-                <a:cs typeface="Arial" charset="0"/>
-              </a:defRPr>
-            </a:lvl6pPr>
-            <a:lvl7pPr marL="2971800" indent="-228600" eaLnBrk="0" fontAlgn="base" hangingPunct="0">
-              <a:spcBef>
-                <a:spcPct val="0"/>
-              </a:spcBef>
-              <a:spcAft>
-                <a:spcPct val="0"/>
-              </a:spcAft>
-              <a:defRPr>
-                <a:solidFill>
-                  <a:schemeClr val="tx1"/>
-                </a:solidFill>
-                <a:latin typeface="Arial" charset="0"/>
-                <a:ea typeface="Arial" charset="0"/>
-                <a:cs typeface="Arial" charset="0"/>
-              </a:defRPr>
-            </a:lvl7pPr>
-            <a:lvl8pPr marL="3429000" indent="-228600" eaLnBrk="0" fontAlgn="base" hangingPunct="0">
-              <a:spcBef>
-                <a:spcPct val="0"/>
-              </a:spcBef>
-              <a:spcAft>
-                <a:spcPct val="0"/>
-              </a:spcAft>
-              <a:defRPr>
-                <a:solidFill>
-                  <a:schemeClr val="tx1"/>
-                </a:solidFill>
-                <a:latin typeface="Arial" charset="0"/>
-                <a:ea typeface="Arial" charset="0"/>
-                <a:cs typeface="Arial" charset="0"/>
-              </a:defRPr>
-            </a:lvl8pPr>
-            <a:lvl9pPr marL="3886200" indent="-228600" eaLnBrk="0" fontAlgn="base" hangingPunct="0">
-              <a:spcBef>
-                <a:spcPct val="0"/>
-              </a:spcBef>
-              <a:spcAft>
-                <a:spcPct val="0"/>
-              </a:spcAft>
-              <a:defRPr>
-                <a:solidFill>
-                  <a:schemeClr val="tx1"/>
-                </a:solidFill>
-                <a:latin typeface="Arial" charset="0"/>
-                <a:ea typeface="Arial" charset="0"/>
-                <a:cs typeface="Arial" charset="0"/>
-              </a:defRPr>
-            </a:lvl9pPr>
-          </a:lstStyle>
-          <a:p>
-            <a:pPr eaLnBrk="1" hangingPunct="1"/>
-            <a:fld id="{9FB625DA-6A37-1948-A09F-3F235713641F}" type="datetime1">
-              <a:rPr lang="en-US" smtClean="0">
-                <a:latin typeface="Garamond" charset="0"/>
-              </a:rPr>
-              <a:t>1/20/16</a:t>
-            </a:fld>
-            <a:endParaRPr lang="en-US">
-              <a:latin typeface="Garamond" charset="0"/>
-            </a:endParaRPr>
-          </a:p>
-        </p:txBody>
-      </p:sp>
-      <p:sp>
-        <p:nvSpPr>
-          <p:cNvPr id="5" name="Footer Placeholder 4"/>
-          <p:cNvSpPr>
-            <a:spLocks noGrp="1"/>
-          </p:cNvSpPr>
-          <p:nvPr>
-            <p:ph type="ftr" sz="quarter" idx="11"/>
-          </p:nvPr>
-        </p:nvSpPr>
-        <p:spPr/>
-        <p:txBody>
-          <a:bodyPr/>
-          <a:lstStyle/>
-          <a:p>
-            <a:pPr>
-              <a:defRPr/>
-            </a:pPr>
-            <a:r>
-              <a:rPr lang="en-US" altLang="en-US" smtClean="0"/>
-              <a:t>ECE Application Programming: Lecture 3</a:t>
-            </a:r>
-            <a:endParaRPr lang="en-US" altLang="en-US"/>
-          </a:p>
-        </p:txBody>
-      </p:sp>
-      <p:sp>
-        <p:nvSpPr>
-          <p:cNvPr id="6" name="Slide Number Placeholder 5"/>
-          <p:cNvSpPr>
-            <a:spLocks noGrp="1"/>
-          </p:cNvSpPr>
-          <p:nvPr>
-            <p:ph type="sldNum" sz="quarter" idx="12"/>
-          </p:nvPr>
-        </p:nvSpPr>
-        <p:spPr/>
-        <p:txBody>
-          <a:bodyPr/>
-          <a:lstStyle>
-            <a:lvl1pPr eaLnBrk="0" hangingPunct="0">
-              <a:defRPr>
-                <a:solidFill>
-                  <a:schemeClr val="tx1"/>
-                </a:solidFill>
-                <a:latin typeface="Arial" charset="0"/>
-                <a:ea typeface="ＭＳ Ｐゴシック" charset="0"/>
-                <a:cs typeface="Arial" charset="0"/>
-              </a:defRPr>
-            </a:lvl1pPr>
-            <a:lvl2pPr marL="742950" indent="-285750" eaLnBrk="0" hangingPunct="0">
-              <a:defRPr>
-                <a:solidFill>
-                  <a:schemeClr val="tx1"/>
-                </a:solidFill>
-                <a:latin typeface="Arial" charset="0"/>
-                <a:ea typeface="Arial" charset="0"/>
-                <a:cs typeface="Arial" charset="0"/>
-              </a:defRPr>
-            </a:lvl2pPr>
-            <a:lvl3pPr marL="1143000" indent="-228600" eaLnBrk="0" hangingPunct="0">
-              <a:defRPr>
-                <a:solidFill>
-                  <a:schemeClr val="tx1"/>
-                </a:solidFill>
-                <a:latin typeface="Arial" charset="0"/>
-                <a:ea typeface="Arial" charset="0"/>
-                <a:cs typeface="Arial" charset="0"/>
-              </a:defRPr>
-            </a:lvl3pPr>
-            <a:lvl4pPr marL="1600200" indent="-228600" eaLnBrk="0" hangingPunct="0">
-              <a:defRPr>
-                <a:solidFill>
-                  <a:schemeClr val="tx1"/>
-                </a:solidFill>
-                <a:latin typeface="Arial" charset="0"/>
-                <a:ea typeface="Arial" charset="0"/>
-                <a:cs typeface="Arial" charset="0"/>
-              </a:defRPr>
-            </a:lvl4pPr>
-            <a:lvl5pPr marL="2057400" indent="-228600" eaLnBrk="0" hangingPunct="0">
-              <a:defRPr>
-                <a:solidFill>
-                  <a:schemeClr val="tx1"/>
-                </a:solidFill>
-                <a:latin typeface="Arial" charset="0"/>
-                <a:ea typeface="Arial" charset="0"/>
-                <a:cs typeface="Arial" charset="0"/>
-              </a:defRPr>
-            </a:lvl5pPr>
-            <a:lvl6pPr marL="2514600" indent="-228600" eaLnBrk="0" fontAlgn="base" hangingPunct="0">
-              <a:spcBef>
-                <a:spcPct val="0"/>
-              </a:spcBef>
-              <a:spcAft>
-                <a:spcPct val="0"/>
-              </a:spcAft>
-              <a:defRPr>
-                <a:solidFill>
-                  <a:schemeClr val="tx1"/>
-                </a:solidFill>
-                <a:latin typeface="Arial" charset="0"/>
-                <a:ea typeface="Arial" charset="0"/>
-                <a:cs typeface="Arial" charset="0"/>
-              </a:defRPr>
-            </a:lvl6pPr>
-            <a:lvl7pPr marL="2971800" indent="-228600" eaLnBrk="0" fontAlgn="base" hangingPunct="0">
-              <a:spcBef>
-                <a:spcPct val="0"/>
-              </a:spcBef>
-              <a:spcAft>
-                <a:spcPct val="0"/>
-              </a:spcAft>
-              <a:defRPr>
-                <a:solidFill>
-                  <a:schemeClr val="tx1"/>
-                </a:solidFill>
-                <a:latin typeface="Arial" charset="0"/>
-                <a:ea typeface="Arial" charset="0"/>
-                <a:cs typeface="Arial" charset="0"/>
-              </a:defRPr>
-            </a:lvl7pPr>
-            <a:lvl8pPr marL="3429000" indent="-228600" eaLnBrk="0" fontAlgn="base" hangingPunct="0">
-              <a:spcBef>
-                <a:spcPct val="0"/>
-              </a:spcBef>
-              <a:spcAft>
-                <a:spcPct val="0"/>
-              </a:spcAft>
-              <a:defRPr>
-                <a:solidFill>
-                  <a:schemeClr val="tx1"/>
-                </a:solidFill>
-                <a:latin typeface="Arial" charset="0"/>
-                <a:ea typeface="Arial" charset="0"/>
-                <a:cs typeface="Arial" charset="0"/>
-              </a:defRPr>
-            </a:lvl8pPr>
-            <a:lvl9pPr marL="3886200" indent="-228600" eaLnBrk="0" fontAlgn="base" hangingPunct="0">
-              <a:spcBef>
-                <a:spcPct val="0"/>
-              </a:spcBef>
-              <a:spcAft>
-                <a:spcPct val="0"/>
-              </a:spcAft>
-              <a:defRPr>
-                <a:solidFill>
-                  <a:schemeClr val="tx1"/>
-                </a:solidFill>
-                <a:latin typeface="Arial" charset="0"/>
-                <a:ea typeface="Arial" charset="0"/>
-                <a:cs typeface="Arial" charset="0"/>
-              </a:defRPr>
-            </a:lvl9pPr>
-          </a:lstStyle>
-          <a:p>
-            <a:pPr eaLnBrk="1" hangingPunct="1"/>
-            <a:fld id="{FB8EF708-BB58-A54E-B9B4-974F513ADDD8}" type="slidenum">
-              <a:rPr lang="en-US">
-                <a:latin typeface="Garamond" charset="0"/>
-              </a:rPr>
-              <a:pPr eaLnBrk="1" hangingPunct="1"/>
-              <a:t>27</a:t>
-            </a:fld>
-            <a:endParaRPr lang="en-US">
-              <a:latin typeface="Garamond" charset="0"/>
-            </a:endParaRPr>
-          </a:p>
-        </p:txBody>
-      </p:sp>
-    </p:spTree>
-    <p:extLst>
-      <p:ext uri="{BB962C8B-B14F-4D97-AF65-F5344CB8AC3E}">
-        <p14:creationId xmlns:p14="http://schemas.microsoft.com/office/powerpoint/2010/main" val="2078003397"/>
-      </p:ext>
-    </p:extLst>
-  </p:cSld>
-  <p:clrMapOvr>
-    <a:masterClrMapping/>
-  </p:clrMapOvr>
-  <p:timing>
-    <p:tnLst>
-      <p:par>
-        <p:cTn xmlns:p14="http://schemas.microsoft.com/office/powerpoint/2010/main" id="1" dur="indefinite" restart="never" nodeType="tmRoot"/>
-      </p:par>
-    </p:tnLst>
-  </p:timing>
-</p:sld>
-</file>
-
-<file path=ppt/slides/slide28.xml><?xml version="1.0" encoding="utf-8"?>
-<p:sld xmlns:a="http://schemas.openxmlformats.org/drawingml/2006/main" xmlns:r="http://schemas.openxmlformats.org/officeDocument/2006/relationships" xmlns:p="http://schemas.openxmlformats.org/presentationml/2006/main">
-  <p:cSld>
-    <p:spTree>
-      <p:nvGrpSpPr>
-        <p:cNvPr id="1" name=""/>
-        <p:cNvGrpSpPr/>
-        <p:nvPr/>
-      </p:nvGrpSpPr>
-      <p:grpSpPr>
-        <a:xfrm>
-          <a:off x="0" y="0"/>
-          <a:ext cx="0" cy="0"/>
-          <a:chOff x="0" y="0"/>
-          <a:chExt cx="0" cy="0"/>
-        </a:xfrm>
-      </p:grpSpPr>
-      <p:sp>
-        <p:nvSpPr>
-          <p:cNvPr id="22530" name="Title 1"/>
-          <p:cNvSpPr>
-            <a:spLocks noGrp="1"/>
-          </p:cNvSpPr>
-          <p:nvPr>
-            <p:ph type="title"/>
-          </p:nvPr>
-        </p:nvSpPr>
-        <p:spPr/>
-        <p:txBody>
-          <a:bodyPr/>
-          <a:lstStyle/>
-          <a:p>
-            <a:r>
-              <a:rPr lang="en-US">
-                <a:latin typeface="Garamond" charset="0"/>
-              </a:rPr>
-              <a:t>Final notes</a:t>
-            </a:r>
-          </a:p>
-        </p:txBody>
-      </p:sp>
-      <p:sp>
-        <p:nvSpPr>
-          <p:cNvPr id="22531" name="Content Placeholder 2"/>
-          <p:cNvSpPr>
-            <a:spLocks noGrp="1"/>
-          </p:cNvSpPr>
-          <p:nvPr>
-            <p:ph idx="1"/>
-          </p:nvPr>
-        </p:nvSpPr>
-        <p:spPr/>
-        <p:txBody>
-          <a:bodyPr/>
-          <a:lstStyle/>
-          <a:p>
-            <a:r>
-              <a:rPr lang="en-US" dirty="0">
-                <a:latin typeface="Arial" charset="0"/>
-              </a:rPr>
-              <a:t>Next time</a:t>
-            </a:r>
-          </a:p>
-          <a:p>
-            <a:pPr lvl="1"/>
-            <a:r>
-              <a:rPr lang="en-US" dirty="0">
-                <a:latin typeface="Arial" charset="0"/>
-              </a:rPr>
-              <a:t>Operators</a:t>
-            </a:r>
-          </a:p>
-          <a:p>
-            <a:pPr lvl="1"/>
-            <a:r>
-              <a:rPr lang="en-US" dirty="0">
-                <a:latin typeface="Arial" charset="0"/>
-              </a:rPr>
-              <a:t>Output using </a:t>
-            </a:r>
-            <a:r>
-              <a:rPr lang="en-US" dirty="0" err="1">
-                <a:latin typeface="Arial" charset="0"/>
-              </a:rPr>
-              <a:t>printf</a:t>
-            </a:r>
-            <a:r>
-              <a:rPr lang="en-US" dirty="0">
-                <a:latin typeface="Arial" charset="0"/>
-              </a:rPr>
-              <a:t>()</a:t>
-            </a:r>
-          </a:p>
-          <a:p>
-            <a:r>
-              <a:rPr lang="en-US" dirty="0">
-                <a:latin typeface="Arial" charset="0"/>
-              </a:rPr>
-              <a:t>Reminders:</a:t>
-            </a:r>
-          </a:p>
-          <a:p>
-            <a:pPr lvl="1">
-              <a:lnSpc>
-                <a:spcPct val="90000"/>
-              </a:lnSpc>
-              <a:defRPr/>
-            </a:pPr>
-            <a:r>
-              <a:rPr lang="en-US" sz="2400" dirty="0">
-                <a:latin typeface="Arial" charset="0"/>
-              </a:rPr>
-              <a:t>Sign up for the course discussion group</a:t>
-            </a:r>
-          </a:p>
-          <a:p>
-            <a:pPr lvl="1">
-              <a:lnSpc>
-                <a:spcPct val="90000"/>
-              </a:lnSpc>
-              <a:defRPr/>
-            </a:pPr>
-            <a:r>
-              <a:rPr lang="en-US" sz="2400" dirty="0">
-                <a:latin typeface="Arial" charset="0"/>
-              </a:rPr>
-              <a:t>Program 1 due Wednesday, 1/27</a:t>
-            </a:r>
-          </a:p>
-          <a:p>
-            <a:pPr lvl="2">
-              <a:lnSpc>
-                <a:spcPct val="80000"/>
-              </a:lnSpc>
-              <a:defRPr/>
-            </a:pPr>
-            <a:r>
-              <a:rPr lang="en-US" sz="2000" dirty="0">
-                <a:latin typeface="Arial" charset="0"/>
-              </a:rPr>
-              <a:t>10 points: e-mail Dr. Geiger for shared </a:t>
-            </a:r>
-            <a:r>
-              <a:rPr lang="en-US" sz="2000" dirty="0" err="1">
-                <a:latin typeface="Arial" charset="0"/>
-              </a:rPr>
-              <a:t>Dropbox</a:t>
-            </a:r>
-            <a:r>
-              <a:rPr lang="en-US" sz="2000" dirty="0">
-                <a:latin typeface="Arial" charset="0"/>
-              </a:rPr>
-              <a:t> folder</a:t>
-            </a:r>
-          </a:p>
-          <a:p>
-            <a:pPr lvl="2">
-              <a:lnSpc>
-                <a:spcPct val="80000"/>
-              </a:lnSpc>
-              <a:defRPr/>
-            </a:pPr>
-            <a:r>
-              <a:rPr lang="en-US" sz="2000" dirty="0">
-                <a:latin typeface="Arial" charset="0"/>
-              </a:rPr>
-              <a:t>10 points: introduce yourself to your instructor</a:t>
-            </a:r>
-          </a:p>
-          <a:p>
-            <a:pPr lvl="2">
-              <a:lnSpc>
-                <a:spcPct val="80000"/>
-              </a:lnSpc>
-              <a:defRPr/>
-            </a:pPr>
-            <a:r>
-              <a:rPr lang="en-US" sz="2000" dirty="0">
-                <a:latin typeface="Arial" charset="0"/>
-              </a:rPr>
-              <a:t>30 points: complete simple C program</a:t>
-            </a:r>
-            <a:endParaRPr lang="en-US" sz="2000" dirty="0">
-              <a:latin typeface="Arial" charset="0"/>
-            </a:endParaRPr>
-          </a:p>
-        </p:txBody>
-      </p:sp>
-      <p:sp>
-        <p:nvSpPr>
-          <p:cNvPr id="4" name="Date Placeholder 3"/>
-          <p:cNvSpPr>
-            <a:spLocks noGrp="1"/>
-          </p:cNvSpPr>
-          <p:nvPr>
-            <p:ph type="dt" sz="quarter" idx="10"/>
-          </p:nvPr>
-        </p:nvSpPr>
-        <p:spPr/>
-        <p:txBody>
-          <a:bodyPr/>
-          <a:lstStyle>
-            <a:lvl1pPr eaLnBrk="0" hangingPunct="0">
-              <a:defRPr>
-                <a:solidFill>
-                  <a:schemeClr val="tx1"/>
-                </a:solidFill>
-                <a:latin typeface="Arial" charset="0"/>
-                <a:ea typeface="ＭＳ Ｐゴシック" charset="0"/>
-                <a:cs typeface="Arial" charset="0"/>
-              </a:defRPr>
-            </a:lvl1pPr>
-            <a:lvl2pPr marL="742950" indent="-285750" eaLnBrk="0" hangingPunct="0">
-              <a:defRPr>
-                <a:solidFill>
-                  <a:schemeClr val="tx1"/>
-                </a:solidFill>
-                <a:latin typeface="Arial" charset="0"/>
-                <a:ea typeface="Arial" charset="0"/>
-                <a:cs typeface="Arial" charset="0"/>
-              </a:defRPr>
-            </a:lvl2pPr>
-            <a:lvl3pPr marL="1143000" indent="-228600" eaLnBrk="0" hangingPunct="0">
-              <a:defRPr>
-                <a:solidFill>
-                  <a:schemeClr val="tx1"/>
-                </a:solidFill>
-                <a:latin typeface="Arial" charset="0"/>
-                <a:ea typeface="Arial" charset="0"/>
-                <a:cs typeface="Arial" charset="0"/>
-              </a:defRPr>
-            </a:lvl3pPr>
-            <a:lvl4pPr marL="1600200" indent="-228600" eaLnBrk="0" hangingPunct="0">
-              <a:defRPr>
-                <a:solidFill>
-                  <a:schemeClr val="tx1"/>
-                </a:solidFill>
-                <a:latin typeface="Arial" charset="0"/>
-                <a:ea typeface="Arial" charset="0"/>
-                <a:cs typeface="Arial" charset="0"/>
-              </a:defRPr>
-            </a:lvl4pPr>
-            <a:lvl5pPr marL="2057400" indent="-228600" eaLnBrk="0" hangingPunct="0">
-              <a:defRPr>
-                <a:solidFill>
-                  <a:schemeClr val="tx1"/>
-                </a:solidFill>
-                <a:latin typeface="Arial" charset="0"/>
-                <a:ea typeface="Arial" charset="0"/>
-                <a:cs typeface="Arial" charset="0"/>
-              </a:defRPr>
-            </a:lvl5pPr>
-            <a:lvl6pPr marL="2514600" indent="-228600" eaLnBrk="0" fontAlgn="base" hangingPunct="0">
-              <a:spcBef>
-                <a:spcPct val="0"/>
-              </a:spcBef>
-              <a:spcAft>
-                <a:spcPct val="0"/>
-              </a:spcAft>
-              <a:defRPr>
-                <a:solidFill>
-                  <a:schemeClr val="tx1"/>
-                </a:solidFill>
-                <a:latin typeface="Arial" charset="0"/>
-                <a:ea typeface="Arial" charset="0"/>
-                <a:cs typeface="Arial" charset="0"/>
-              </a:defRPr>
-            </a:lvl6pPr>
-            <a:lvl7pPr marL="2971800" indent="-228600" eaLnBrk="0" fontAlgn="base" hangingPunct="0">
-              <a:spcBef>
-                <a:spcPct val="0"/>
-              </a:spcBef>
-              <a:spcAft>
-                <a:spcPct val="0"/>
-              </a:spcAft>
-              <a:defRPr>
-                <a:solidFill>
-                  <a:schemeClr val="tx1"/>
-                </a:solidFill>
-                <a:latin typeface="Arial" charset="0"/>
-                <a:ea typeface="Arial" charset="0"/>
-                <a:cs typeface="Arial" charset="0"/>
-              </a:defRPr>
-            </a:lvl7pPr>
-            <a:lvl8pPr marL="3429000" indent="-228600" eaLnBrk="0" fontAlgn="base" hangingPunct="0">
-              <a:spcBef>
-                <a:spcPct val="0"/>
-              </a:spcBef>
-              <a:spcAft>
-                <a:spcPct val="0"/>
-              </a:spcAft>
-              <a:defRPr>
-                <a:solidFill>
-                  <a:schemeClr val="tx1"/>
-                </a:solidFill>
-                <a:latin typeface="Arial" charset="0"/>
-                <a:ea typeface="Arial" charset="0"/>
-                <a:cs typeface="Arial" charset="0"/>
-              </a:defRPr>
-            </a:lvl8pPr>
-            <a:lvl9pPr marL="3886200" indent="-228600" eaLnBrk="0" fontAlgn="base" hangingPunct="0">
-              <a:spcBef>
-                <a:spcPct val="0"/>
-              </a:spcBef>
-              <a:spcAft>
-                <a:spcPct val="0"/>
-              </a:spcAft>
-              <a:defRPr>
-                <a:solidFill>
-                  <a:schemeClr val="tx1"/>
-                </a:solidFill>
-                <a:latin typeface="Arial" charset="0"/>
-                <a:ea typeface="Arial" charset="0"/>
-                <a:cs typeface="Arial" charset="0"/>
-              </a:defRPr>
-            </a:lvl9pPr>
-          </a:lstStyle>
-          <a:p>
-            <a:pPr eaLnBrk="1" hangingPunct="1"/>
-            <a:fld id="{C94FD510-387F-114A-A904-56F82F852BCD}" type="datetime1">
-              <a:rPr lang="en-US" smtClean="0">
-                <a:latin typeface="Garamond" charset="0"/>
-              </a:rPr>
-              <a:t>1/20/16</a:t>
-            </a:fld>
-            <a:endParaRPr lang="en-US">
-              <a:latin typeface="Garamond" charset="0"/>
-            </a:endParaRPr>
-          </a:p>
-        </p:txBody>
-      </p:sp>
-      <p:sp>
-        <p:nvSpPr>
-          <p:cNvPr id="5" name="Footer Placeholder 4"/>
-          <p:cNvSpPr>
-            <a:spLocks noGrp="1"/>
-          </p:cNvSpPr>
-          <p:nvPr>
-            <p:ph type="ftr" sz="quarter" idx="11"/>
-          </p:nvPr>
-        </p:nvSpPr>
-        <p:spPr/>
-        <p:txBody>
-          <a:bodyPr/>
-          <a:lstStyle/>
-          <a:p>
-            <a:pPr>
-              <a:defRPr/>
-            </a:pPr>
-            <a:r>
-              <a:rPr lang="en-US" altLang="en-US"/>
-              <a:t>ECE Application Programming: Lecture 3</a:t>
-            </a:r>
-          </a:p>
-        </p:txBody>
-      </p:sp>
-      <p:sp>
-        <p:nvSpPr>
-          <p:cNvPr id="6" name="Slide Number Placeholder 5"/>
-          <p:cNvSpPr>
-            <a:spLocks noGrp="1"/>
-          </p:cNvSpPr>
-          <p:nvPr>
-            <p:ph type="sldNum" sz="quarter" idx="12"/>
-          </p:nvPr>
-        </p:nvSpPr>
-        <p:spPr/>
-        <p:txBody>
-          <a:bodyPr/>
-          <a:lstStyle>
-            <a:lvl1pPr eaLnBrk="0" hangingPunct="0">
-              <a:defRPr>
-                <a:solidFill>
-                  <a:schemeClr val="tx1"/>
-                </a:solidFill>
-                <a:latin typeface="Arial" charset="0"/>
-                <a:ea typeface="ＭＳ Ｐゴシック" charset="0"/>
-                <a:cs typeface="Arial" charset="0"/>
-              </a:defRPr>
-            </a:lvl1pPr>
-            <a:lvl2pPr marL="742950" indent="-285750" eaLnBrk="0" hangingPunct="0">
-              <a:defRPr>
-                <a:solidFill>
-                  <a:schemeClr val="tx1"/>
-                </a:solidFill>
-                <a:latin typeface="Arial" charset="0"/>
-                <a:ea typeface="Arial" charset="0"/>
-                <a:cs typeface="Arial" charset="0"/>
-              </a:defRPr>
-            </a:lvl2pPr>
-            <a:lvl3pPr marL="1143000" indent="-228600" eaLnBrk="0" hangingPunct="0">
-              <a:defRPr>
-                <a:solidFill>
-                  <a:schemeClr val="tx1"/>
-                </a:solidFill>
-                <a:latin typeface="Arial" charset="0"/>
-                <a:ea typeface="Arial" charset="0"/>
-                <a:cs typeface="Arial" charset="0"/>
-              </a:defRPr>
-            </a:lvl3pPr>
-            <a:lvl4pPr marL="1600200" indent="-228600" eaLnBrk="0" hangingPunct="0">
-              <a:defRPr>
-                <a:solidFill>
-                  <a:schemeClr val="tx1"/>
-                </a:solidFill>
-                <a:latin typeface="Arial" charset="0"/>
-                <a:ea typeface="Arial" charset="0"/>
-                <a:cs typeface="Arial" charset="0"/>
-              </a:defRPr>
-            </a:lvl4pPr>
-            <a:lvl5pPr marL="2057400" indent="-228600" eaLnBrk="0" hangingPunct="0">
-              <a:defRPr>
-                <a:solidFill>
-                  <a:schemeClr val="tx1"/>
-                </a:solidFill>
-                <a:latin typeface="Arial" charset="0"/>
-                <a:ea typeface="Arial" charset="0"/>
-                <a:cs typeface="Arial" charset="0"/>
-              </a:defRPr>
-            </a:lvl5pPr>
-            <a:lvl6pPr marL="2514600" indent="-228600" eaLnBrk="0" fontAlgn="base" hangingPunct="0">
-              <a:spcBef>
-                <a:spcPct val="0"/>
-              </a:spcBef>
-              <a:spcAft>
-                <a:spcPct val="0"/>
-              </a:spcAft>
-              <a:defRPr>
-                <a:solidFill>
-                  <a:schemeClr val="tx1"/>
-                </a:solidFill>
-                <a:latin typeface="Arial" charset="0"/>
-                <a:ea typeface="Arial" charset="0"/>
-                <a:cs typeface="Arial" charset="0"/>
-              </a:defRPr>
-            </a:lvl6pPr>
-            <a:lvl7pPr marL="2971800" indent="-228600" eaLnBrk="0" fontAlgn="base" hangingPunct="0">
-              <a:spcBef>
-                <a:spcPct val="0"/>
-              </a:spcBef>
-              <a:spcAft>
-                <a:spcPct val="0"/>
-              </a:spcAft>
-              <a:defRPr>
-                <a:solidFill>
-                  <a:schemeClr val="tx1"/>
-                </a:solidFill>
-                <a:latin typeface="Arial" charset="0"/>
-                <a:ea typeface="Arial" charset="0"/>
-                <a:cs typeface="Arial" charset="0"/>
-              </a:defRPr>
-            </a:lvl7pPr>
-            <a:lvl8pPr marL="3429000" indent="-228600" eaLnBrk="0" fontAlgn="base" hangingPunct="0">
-              <a:spcBef>
-                <a:spcPct val="0"/>
-              </a:spcBef>
-              <a:spcAft>
-                <a:spcPct val="0"/>
-              </a:spcAft>
-              <a:defRPr>
-                <a:solidFill>
-                  <a:schemeClr val="tx1"/>
-                </a:solidFill>
-                <a:latin typeface="Arial" charset="0"/>
-                <a:ea typeface="Arial" charset="0"/>
-                <a:cs typeface="Arial" charset="0"/>
-              </a:defRPr>
-            </a:lvl8pPr>
-            <a:lvl9pPr marL="3886200" indent="-228600" eaLnBrk="0" fontAlgn="base" hangingPunct="0">
-              <a:spcBef>
-                <a:spcPct val="0"/>
-              </a:spcBef>
-              <a:spcAft>
-                <a:spcPct val="0"/>
-              </a:spcAft>
-              <a:defRPr>
-                <a:solidFill>
-                  <a:schemeClr val="tx1"/>
-                </a:solidFill>
-                <a:latin typeface="Arial" charset="0"/>
-                <a:ea typeface="Arial" charset="0"/>
-                <a:cs typeface="Arial" charset="0"/>
-              </a:defRPr>
-            </a:lvl9pPr>
-          </a:lstStyle>
-          <a:p>
-            <a:pPr eaLnBrk="1" hangingPunct="1"/>
             <a:fld id="{F5581768-ADEC-3241-99BF-FB361A2E813E}" type="slidenum">
               <a:rPr lang="en-US">
                 <a:latin typeface="Garamond" charset="0"/>
               </a:rPr>
               <a:pPr eaLnBrk="1" hangingPunct="1"/>
-              <a:t>28</a:t>
+              <a:t>20</a:t>
             </a:fld>
             <a:endParaRPr lang="en-US">
               <a:latin typeface="Garamond" charset="0"/>
@@ -29549,7 +24234,7 @@
               <a:rPr lang="en-US" smtClean="0">
                 <a:latin typeface="Garamond" charset="0"/>
               </a:rPr>
-              <a:t>1/20/16</a:t>
+              <a:t>1/25/16</a:t>
             </a:fld>
             <a:endParaRPr lang="en-US">
               <a:latin typeface="Garamond" charset="0"/>
@@ -30281,7 +24966,7 @@
               <a:rPr lang="en-US" smtClean="0">
                 <a:latin typeface="Garamond" charset="0"/>
               </a:rPr>
-              <a:t>1/20/16</a:t>
+              <a:t>1/25/16</a:t>
             </a:fld>
             <a:endParaRPr lang="en-US">
               <a:latin typeface="Garamond" charset="0"/>
@@ -31129,7 +25814,7 @@
               <a:rPr lang="en-US" smtClean="0">
                 <a:latin typeface="Garamond" charset="0"/>
               </a:rPr>
-              <a:t>1/20/16</a:t>
+              <a:t>1/25/16</a:t>
             </a:fld>
             <a:endParaRPr lang="en-US">
               <a:latin typeface="Garamond" charset="0"/>
@@ -33904,7 +28589,7 @@
               <a:rPr lang="en-US" smtClean="0">
                 <a:latin typeface="Garamond" charset="0"/>
               </a:rPr>
-              <a:t>1/20/16</a:t>
+              <a:t>1/25/16</a:t>
             </a:fld>
             <a:endParaRPr lang="en-US">
               <a:latin typeface="Garamond" charset="0"/>
@@ -34380,7 +29065,7 @@
               <a:rPr lang="en-US" smtClean="0">
                 <a:latin typeface="Garamond" charset="0"/>
               </a:rPr>
-              <a:t>1/20/16</a:t>
+              <a:t>1/25/16</a:t>
             </a:fld>
             <a:endParaRPr lang="en-US">
               <a:latin typeface="Garamond" charset="0"/>
@@ -35070,7 +29755,7 @@
               <a:rPr lang="en-US" smtClean="0">
                 <a:latin typeface="Garamond" charset="0"/>
               </a:rPr>
-              <a:t>1/20/16</a:t>
+              <a:t>1/25/16</a:t>
             </a:fld>
             <a:endParaRPr lang="en-US">
               <a:latin typeface="Garamond" charset="0"/>
@@ -35518,7 +30203,7 @@
               <a:rPr lang="en-US" smtClean="0">
                 <a:latin typeface="Garamond" charset="0"/>
               </a:rPr>
-              <a:t>1/20/16</a:t>
+              <a:t>1/25/16</a:t>
             </a:fld>
             <a:endParaRPr lang="en-US">
               <a:latin typeface="Garamond" charset="0"/>
